--- a/进化算法/交叉/基于顺序交叉.pptx
+++ b/进化算法/交叉/基于顺序交叉.pptx
@@ -6,6 +6,9 @@
   </p:sldMasterIdLst>
   <p:sldIdLst>
     <p:sldId id="259" r:id="rId2"/>
+    <p:sldId id="260" r:id="rId3"/>
+    <p:sldId id="261" r:id="rId4"/>
+    <p:sldId id="262" r:id="rId5"/>
   </p:sldIdLst>
   <p:sldSz cx="12192000" cy="6858000"/>
   <p:notesSz cx="6858000" cy="9144000"/>
@@ -154,10 +157,9 @@
           </a:lstStyle>
           <a:p>
             <a:r>
-              <a:rPr lang="zh-CN" altLang="en-US" smtClean="0"/>
+              <a:rPr lang="zh-CN" altLang="en-US"/>
               <a:t>单击此处编辑母版标题样式</a:t>
             </a:r>
-            <a:endParaRPr lang="zh-CN" altLang="en-US"/>
           </a:p>
         </p:txBody>
       </p:sp>
@@ -219,10 +221,9 @@
           </a:lstStyle>
           <a:p>
             <a:r>
-              <a:rPr lang="zh-CN" altLang="en-US" smtClean="0"/>
+              <a:rPr lang="zh-CN" altLang="en-US"/>
               <a:t>单击以编辑母版副标题样式</a:t>
             </a:r>
-            <a:endParaRPr lang="zh-CN" altLang="en-US"/>
           </a:p>
         </p:txBody>
       </p:sp>
@@ -243,7 +244,7 @@
           <a:p>
             <a:fld id="{040B7C12-11E1-412E-B2DA-388387B615FD}" type="datetimeFigureOut">
               <a:rPr lang="zh-CN" altLang="en-US" smtClean="0"/>
-              <a:t>2019/11/19</a:t>
+              <a:t>2019/11/30</a:t>
             </a:fld>
             <a:endParaRPr lang="zh-CN" altLang="en-US"/>
           </a:p>
@@ -337,10 +338,9 @@
           <a:lstStyle/>
           <a:p>
             <a:r>
-              <a:rPr lang="zh-CN" altLang="en-US" smtClean="0"/>
+              <a:rPr lang="zh-CN" altLang="en-US"/>
               <a:t>单击此处编辑母版标题样式</a:t>
             </a:r>
-            <a:endParaRPr lang="zh-CN" altLang="en-US"/>
           </a:p>
         </p:txBody>
       </p:sp>
@@ -361,38 +361,37 @@
           <a:p>
             <a:pPr lvl="0"/>
             <a:r>
-              <a:rPr lang="zh-CN" altLang="en-US" smtClean="0"/>
+              <a:rPr lang="zh-CN" altLang="en-US"/>
               <a:t>编辑母版文本样式</a:t>
             </a:r>
           </a:p>
           <a:p>
             <a:pPr lvl="1"/>
             <a:r>
-              <a:rPr lang="zh-CN" altLang="en-US" smtClean="0"/>
+              <a:rPr lang="zh-CN" altLang="en-US"/>
               <a:t>第二级</a:t>
             </a:r>
           </a:p>
           <a:p>
             <a:pPr lvl="2"/>
             <a:r>
-              <a:rPr lang="zh-CN" altLang="en-US" smtClean="0"/>
+              <a:rPr lang="zh-CN" altLang="en-US"/>
               <a:t>第三级</a:t>
             </a:r>
           </a:p>
           <a:p>
             <a:pPr lvl="3"/>
             <a:r>
-              <a:rPr lang="zh-CN" altLang="en-US" smtClean="0"/>
+              <a:rPr lang="zh-CN" altLang="en-US"/>
               <a:t>第四级</a:t>
             </a:r>
           </a:p>
           <a:p>
             <a:pPr lvl="4"/>
             <a:r>
-              <a:rPr lang="zh-CN" altLang="en-US" smtClean="0"/>
+              <a:rPr lang="zh-CN" altLang="en-US"/>
               <a:t>第五级</a:t>
             </a:r>
-            <a:endParaRPr lang="zh-CN" altLang="en-US"/>
           </a:p>
         </p:txBody>
       </p:sp>
@@ -413,7 +412,7 @@
           <a:p>
             <a:fld id="{040B7C12-11E1-412E-B2DA-388387B615FD}" type="datetimeFigureOut">
               <a:rPr lang="zh-CN" altLang="en-US" smtClean="0"/>
-              <a:t>2019/11/19</a:t>
+              <a:t>2019/11/30</a:t>
             </a:fld>
             <a:endParaRPr lang="zh-CN" altLang="en-US"/>
           </a:p>
@@ -512,10 +511,9 @@
           <a:lstStyle/>
           <a:p>
             <a:r>
-              <a:rPr lang="zh-CN" altLang="en-US" smtClean="0"/>
+              <a:rPr lang="zh-CN" altLang="en-US"/>
               <a:t>单击此处编辑母版标题样式</a:t>
             </a:r>
-            <a:endParaRPr lang="zh-CN" altLang="en-US"/>
           </a:p>
         </p:txBody>
       </p:sp>
@@ -541,38 +539,37 @@
           <a:p>
             <a:pPr lvl="0"/>
             <a:r>
-              <a:rPr lang="zh-CN" altLang="en-US" smtClean="0"/>
+              <a:rPr lang="zh-CN" altLang="en-US"/>
               <a:t>编辑母版文本样式</a:t>
             </a:r>
           </a:p>
           <a:p>
             <a:pPr lvl="1"/>
             <a:r>
-              <a:rPr lang="zh-CN" altLang="en-US" smtClean="0"/>
+              <a:rPr lang="zh-CN" altLang="en-US"/>
               <a:t>第二级</a:t>
             </a:r>
           </a:p>
           <a:p>
             <a:pPr lvl="2"/>
             <a:r>
-              <a:rPr lang="zh-CN" altLang="en-US" smtClean="0"/>
+              <a:rPr lang="zh-CN" altLang="en-US"/>
               <a:t>第三级</a:t>
             </a:r>
           </a:p>
           <a:p>
             <a:pPr lvl="3"/>
             <a:r>
-              <a:rPr lang="zh-CN" altLang="en-US" smtClean="0"/>
+              <a:rPr lang="zh-CN" altLang="en-US"/>
               <a:t>第四级</a:t>
             </a:r>
           </a:p>
           <a:p>
             <a:pPr lvl="4"/>
             <a:r>
-              <a:rPr lang="zh-CN" altLang="en-US" smtClean="0"/>
+              <a:rPr lang="zh-CN" altLang="en-US"/>
               <a:t>第五级</a:t>
             </a:r>
-            <a:endParaRPr lang="zh-CN" altLang="en-US"/>
           </a:p>
         </p:txBody>
       </p:sp>
@@ -593,7 +590,7 @@
           <a:p>
             <a:fld id="{040B7C12-11E1-412E-B2DA-388387B615FD}" type="datetimeFigureOut">
               <a:rPr lang="zh-CN" altLang="en-US" smtClean="0"/>
-              <a:t>2019/11/19</a:t>
+              <a:t>2019/11/30</a:t>
             </a:fld>
             <a:endParaRPr lang="zh-CN" altLang="en-US"/>
           </a:p>
@@ -687,10 +684,9 @@
           <a:lstStyle/>
           <a:p>
             <a:r>
-              <a:rPr lang="zh-CN" altLang="en-US" smtClean="0"/>
+              <a:rPr lang="zh-CN" altLang="en-US"/>
               <a:t>单击此处编辑母版标题样式</a:t>
             </a:r>
-            <a:endParaRPr lang="zh-CN" altLang="en-US"/>
           </a:p>
         </p:txBody>
       </p:sp>
@@ -711,38 +707,37 @@
           <a:p>
             <a:pPr lvl="0"/>
             <a:r>
-              <a:rPr lang="zh-CN" altLang="en-US" smtClean="0"/>
+              <a:rPr lang="zh-CN" altLang="en-US"/>
               <a:t>编辑母版文本样式</a:t>
             </a:r>
           </a:p>
           <a:p>
             <a:pPr lvl="1"/>
             <a:r>
-              <a:rPr lang="zh-CN" altLang="en-US" smtClean="0"/>
+              <a:rPr lang="zh-CN" altLang="en-US"/>
               <a:t>第二级</a:t>
             </a:r>
           </a:p>
           <a:p>
             <a:pPr lvl="2"/>
             <a:r>
-              <a:rPr lang="zh-CN" altLang="en-US" smtClean="0"/>
+              <a:rPr lang="zh-CN" altLang="en-US"/>
               <a:t>第三级</a:t>
             </a:r>
           </a:p>
           <a:p>
             <a:pPr lvl="3"/>
             <a:r>
-              <a:rPr lang="zh-CN" altLang="en-US" smtClean="0"/>
+              <a:rPr lang="zh-CN" altLang="en-US"/>
               <a:t>第四级</a:t>
             </a:r>
           </a:p>
           <a:p>
             <a:pPr lvl="4"/>
             <a:r>
-              <a:rPr lang="zh-CN" altLang="en-US" smtClean="0"/>
+              <a:rPr lang="zh-CN" altLang="en-US"/>
               <a:t>第五级</a:t>
             </a:r>
-            <a:endParaRPr lang="zh-CN" altLang="en-US"/>
           </a:p>
         </p:txBody>
       </p:sp>
@@ -763,7 +758,7 @@
           <a:p>
             <a:fld id="{040B7C12-11E1-412E-B2DA-388387B615FD}" type="datetimeFigureOut">
               <a:rPr lang="zh-CN" altLang="en-US" smtClean="0"/>
-              <a:t>2019/11/19</a:t>
+              <a:t>2019/11/30</a:t>
             </a:fld>
             <a:endParaRPr lang="zh-CN" altLang="en-US"/>
           </a:p>
@@ -821,13 +816,6 @@
   <p:clrMapOvr>
     <a:masterClrMapping/>
   </p:clrMapOvr>
-  <p:timing>
-    <p:tnLst>
-      <p:par>
-        <p:cTn id="1" dur="indefinite" restart="never" nodeType="tmRoot"/>
-      </p:par>
-    </p:tnLst>
-  </p:timing>
 </p:sldLayout>
 </file>
 
@@ -873,10 +861,9 @@
           </a:lstStyle>
           <a:p>
             <a:r>
-              <a:rPr lang="zh-CN" altLang="en-US" smtClean="0"/>
+              <a:rPr lang="zh-CN" altLang="en-US"/>
               <a:t>单击此处编辑母版标题样式</a:t>
             </a:r>
-            <a:endParaRPr lang="zh-CN" altLang="en-US"/>
           </a:p>
         </p:txBody>
       </p:sp>
@@ -993,7 +980,7 @@
           <a:p>
             <a:pPr lvl="0"/>
             <a:r>
-              <a:rPr lang="zh-CN" altLang="en-US" smtClean="0"/>
+              <a:rPr lang="zh-CN" altLang="en-US"/>
               <a:t>编辑母版文本样式</a:t>
             </a:r>
           </a:p>
@@ -1016,7 +1003,7 @@
           <a:p>
             <a:fld id="{040B7C12-11E1-412E-B2DA-388387B615FD}" type="datetimeFigureOut">
               <a:rPr lang="zh-CN" altLang="en-US" smtClean="0"/>
-              <a:t>2019/11/19</a:t>
+              <a:t>2019/11/30</a:t>
             </a:fld>
             <a:endParaRPr lang="zh-CN" altLang="en-US"/>
           </a:p>
@@ -1110,10 +1097,9 @@
           <a:lstStyle/>
           <a:p>
             <a:r>
-              <a:rPr lang="zh-CN" altLang="en-US" smtClean="0"/>
+              <a:rPr lang="zh-CN" altLang="en-US"/>
               <a:t>单击此处编辑母版标题样式</a:t>
             </a:r>
-            <a:endParaRPr lang="zh-CN" altLang="en-US"/>
           </a:p>
         </p:txBody>
       </p:sp>
@@ -1139,38 +1125,37 @@
           <a:p>
             <a:pPr lvl="0"/>
             <a:r>
-              <a:rPr lang="zh-CN" altLang="en-US" smtClean="0"/>
+              <a:rPr lang="zh-CN" altLang="en-US"/>
               <a:t>编辑母版文本样式</a:t>
             </a:r>
           </a:p>
           <a:p>
             <a:pPr lvl="1"/>
             <a:r>
-              <a:rPr lang="zh-CN" altLang="en-US" smtClean="0"/>
+              <a:rPr lang="zh-CN" altLang="en-US"/>
               <a:t>第二级</a:t>
             </a:r>
           </a:p>
           <a:p>
             <a:pPr lvl="2"/>
             <a:r>
-              <a:rPr lang="zh-CN" altLang="en-US" smtClean="0"/>
+              <a:rPr lang="zh-CN" altLang="en-US"/>
               <a:t>第三级</a:t>
             </a:r>
           </a:p>
           <a:p>
             <a:pPr lvl="3"/>
             <a:r>
-              <a:rPr lang="zh-CN" altLang="en-US" smtClean="0"/>
+              <a:rPr lang="zh-CN" altLang="en-US"/>
               <a:t>第四级</a:t>
             </a:r>
           </a:p>
           <a:p>
             <a:pPr lvl="4"/>
             <a:r>
-              <a:rPr lang="zh-CN" altLang="en-US" smtClean="0"/>
+              <a:rPr lang="zh-CN" altLang="en-US"/>
               <a:t>第五级</a:t>
             </a:r>
-            <a:endParaRPr lang="zh-CN" altLang="en-US"/>
           </a:p>
         </p:txBody>
       </p:sp>
@@ -1196,38 +1181,37 @@
           <a:p>
             <a:pPr lvl="0"/>
             <a:r>
-              <a:rPr lang="zh-CN" altLang="en-US" smtClean="0"/>
+              <a:rPr lang="zh-CN" altLang="en-US"/>
               <a:t>编辑母版文本样式</a:t>
             </a:r>
           </a:p>
           <a:p>
             <a:pPr lvl="1"/>
             <a:r>
-              <a:rPr lang="zh-CN" altLang="en-US" smtClean="0"/>
+              <a:rPr lang="zh-CN" altLang="en-US"/>
               <a:t>第二级</a:t>
             </a:r>
           </a:p>
           <a:p>
             <a:pPr lvl="2"/>
             <a:r>
-              <a:rPr lang="zh-CN" altLang="en-US" smtClean="0"/>
+              <a:rPr lang="zh-CN" altLang="en-US"/>
               <a:t>第三级</a:t>
             </a:r>
           </a:p>
           <a:p>
             <a:pPr lvl="3"/>
             <a:r>
-              <a:rPr lang="zh-CN" altLang="en-US" smtClean="0"/>
+              <a:rPr lang="zh-CN" altLang="en-US"/>
               <a:t>第四级</a:t>
             </a:r>
           </a:p>
           <a:p>
             <a:pPr lvl="4"/>
             <a:r>
-              <a:rPr lang="zh-CN" altLang="en-US" smtClean="0"/>
+              <a:rPr lang="zh-CN" altLang="en-US"/>
               <a:t>第五级</a:t>
             </a:r>
-            <a:endParaRPr lang="zh-CN" altLang="en-US"/>
           </a:p>
         </p:txBody>
       </p:sp>
@@ -1248,7 +1232,7 @@
           <a:p>
             <a:fld id="{040B7C12-11E1-412E-B2DA-388387B615FD}" type="datetimeFigureOut">
               <a:rPr lang="zh-CN" altLang="en-US" smtClean="0"/>
-              <a:t>2019/11/19</a:t>
+              <a:t>2019/11/30</a:t>
             </a:fld>
             <a:endParaRPr lang="zh-CN" altLang="en-US"/>
           </a:p>
@@ -1347,10 +1331,9 @@
           <a:lstStyle/>
           <a:p>
             <a:r>
-              <a:rPr lang="zh-CN" altLang="en-US" smtClean="0"/>
+              <a:rPr lang="zh-CN" altLang="en-US"/>
               <a:t>单击此处编辑母版标题样式</a:t>
             </a:r>
-            <a:endParaRPr lang="zh-CN" altLang="en-US"/>
           </a:p>
         </p:txBody>
       </p:sp>
@@ -1413,7 +1396,7 @@
           <a:p>
             <a:pPr lvl="0"/>
             <a:r>
-              <a:rPr lang="zh-CN" altLang="en-US" smtClean="0"/>
+              <a:rPr lang="zh-CN" altLang="en-US"/>
               <a:t>编辑母版文本样式</a:t>
             </a:r>
           </a:p>
@@ -1441,38 +1424,37 @@
           <a:p>
             <a:pPr lvl="0"/>
             <a:r>
-              <a:rPr lang="zh-CN" altLang="en-US" smtClean="0"/>
+              <a:rPr lang="zh-CN" altLang="en-US"/>
               <a:t>编辑母版文本样式</a:t>
             </a:r>
           </a:p>
           <a:p>
             <a:pPr lvl="1"/>
             <a:r>
-              <a:rPr lang="zh-CN" altLang="en-US" smtClean="0"/>
+              <a:rPr lang="zh-CN" altLang="en-US"/>
               <a:t>第二级</a:t>
             </a:r>
           </a:p>
           <a:p>
             <a:pPr lvl="2"/>
             <a:r>
-              <a:rPr lang="zh-CN" altLang="en-US" smtClean="0"/>
+              <a:rPr lang="zh-CN" altLang="en-US"/>
               <a:t>第三级</a:t>
             </a:r>
           </a:p>
           <a:p>
             <a:pPr lvl="3"/>
             <a:r>
-              <a:rPr lang="zh-CN" altLang="en-US" smtClean="0"/>
+              <a:rPr lang="zh-CN" altLang="en-US"/>
               <a:t>第四级</a:t>
             </a:r>
           </a:p>
           <a:p>
             <a:pPr lvl="4"/>
             <a:r>
-              <a:rPr lang="zh-CN" altLang="en-US" smtClean="0"/>
+              <a:rPr lang="zh-CN" altLang="en-US"/>
               <a:t>第五级</a:t>
             </a:r>
-            <a:endParaRPr lang="zh-CN" altLang="en-US"/>
           </a:p>
         </p:txBody>
       </p:sp>
@@ -1535,7 +1517,7 @@
           <a:p>
             <a:pPr lvl="0"/>
             <a:r>
-              <a:rPr lang="zh-CN" altLang="en-US" smtClean="0"/>
+              <a:rPr lang="zh-CN" altLang="en-US"/>
               <a:t>编辑母版文本样式</a:t>
             </a:r>
           </a:p>
@@ -1563,38 +1545,37 @@
           <a:p>
             <a:pPr lvl="0"/>
             <a:r>
-              <a:rPr lang="zh-CN" altLang="en-US" smtClean="0"/>
+              <a:rPr lang="zh-CN" altLang="en-US"/>
               <a:t>编辑母版文本样式</a:t>
             </a:r>
           </a:p>
           <a:p>
             <a:pPr lvl="1"/>
             <a:r>
-              <a:rPr lang="zh-CN" altLang="en-US" smtClean="0"/>
+              <a:rPr lang="zh-CN" altLang="en-US"/>
               <a:t>第二级</a:t>
             </a:r>
           </a:p>
           <a:p>
             <a:pPr lvl="2"/>
             <a:r>
-              <a:rPr lang="zh-CN" altLang="en-US" smtClean="0"/>
+              <a:rPr lang="zh-CN" altLang="en-US"/>
               <a:t>第三级</a:t>
             </a:r>
           </a:p>
           <a:p>
             <a:pPr lvl="3"/>
             <a:r>
-              <a:rPr lang="zh-CN" altLang="en-US" smtClean="0"/>
+              <a:rPr lang="zh-CN" altLang="en-US"/>
               <a:t>第四级</a:t>
             </a:r>
           </a:p>
           <a:p>
             <a:pPr lvl="4"/>
             <a:r>
-              <a:rPr lang="zh-CN" altLang="en-US" smtClean="0"/>
+              <a:rPr lang="zh-CN" altLang="en-US"/>
               <a:t>第五级</a:t>
             </a:r>
-            <a:endParaRPr lang="zh-CN" altLang="en-US"/>
           </a:p>
         </p:txBody>
       </p:sp>
@@ -1615,7 +1596,7 @@
           <a:p>
             <a:fld id="{040B7C12-11E1-412E-B2DA-388387B615FD}" type="datetimeFigureOut">
               <a:rPr lang="zh-CN" altLang="en-US" smtClean="0"/>
-              <a:t>2019/11/19</a:t>
+              <a:t>2019/11/30</a:t>
             </a:fld>
             <a:endParaRPr lang="zh-CN" altLang="en-US"/>
           </a:p>
@@ -1709,10 +1690,9 @@
           <a:lstStyle/>
           <a:p>
             <a:r>
-              <a:rPr lang="zh-CN" altLang="en-US" smtClean="0"/>
+              <a:rPr lang="zh-CN" altLang="en-US"/>
               <a:t>单击此处编辑母版标题样式</a:t>
             </a:r>
-            <a:endParaRPr lang="zh-CN" altLang="en-US"/>
           </a:p>
         </p:txBody>
       </p:sp>
@@ -1733,7 +1713,7 @@
           <a:p>
             <a:fld id="{040B7C12-11E1-412E-B2DA-388387B615FD}" type="datetimeFigureOut">
               <a:rPr lang="zh-CN" altLang="en-US" smtClean="0"/>
-              <a:t>2019/11/19</a:t>
+              <a:t>2019/11/30</a:t>
             </a:fld>
             <a:endParaRPr lang="zh-CN" altLang="en-US"/>
           </a:p>
@@ -1828,7 +1808,7 @@
           <a:p>
             <a:fld id="{040B7C12-11E1-412E-B2DA-388387B615FD}" type="datetimeFigureOut">
               <a:rPr lang="zh-CN" altLang="en-US" smtClean="0"/>
-              <a:t>2019/11/19</a:t>
+              <a:t>2019/11/30</a:t>
             </a:fld>
             <a:endParaRPr lang="zh-CN" altLang="en-US"/>
           </a:p>
@@ -1931,10 +1911,9 @@
           </a:lstStyle>
           <a:p>
             <a:r>
-              <a:rPr lang="zh-CN" altLang="en-US" smtClean="0"/>
+              <a:rPr lang="zh-CN" altLang="en-US"/>
               <a:t>单击此处编辑母版标题样式</a:t>
             </a:r>
-            <a:endParaRPr lang="zh-CN" altLang="en-US"/>
           </a:p>
         </p:txBody>
       </p:sp>
@@ -1988,38 +1967,37 @@
           <a:p>
             <a:pPr lvl="0"/>
             <a:r>
-              <a:rPr lang="zh-CN" altLang="en-US" smtClean="0"/>
+              <a:rPr lang="zh-CN" altLang="en-US"/>
               <a:t>编辑母版文本样式</a:t>
             </a:r>
           </a:p>
           <a:p>
             <a:pPr lvl="1"/>
             <a:r>
-              <a:rPr lang="zh-CN" altLang="en-US" smtClean="0"/>
+              <a:rPr lang="zh-CN" altLang="en-US"/>
               <a:t>第二级</a:t>
             </a:r>
           </a:p>
           <a:p>
             <a:pPr lvl="2"/>
             <a:r>
-              <a:rPr lang="zh-CN" altLang="en-US" smtClean="0"/>
+              <a:rPr lang="zh-CN" altLang="en-US"/>
               <a:t>第三级</a:t>
             </a:r>
           </a:p>
           <a:p>
             <a:pPr lvl="3"/>
             <a:r>
-              <a:rPr lang="zh-CN" altLang="en-US" smtClean="0"/>
+              <a:rPr lang="zh-CN" altLang="en-US"/>
               <a:t>第四级</a:t>
             </a:r>
           </a:p>
           <a:p>
             <a:pPr lvl="4"/>
             <a:r>
-              <a:rPr lang="zh-CN" altLang="en-US" smtClean="0"/>
+              <a:rPr lang="zh-CN" altLang="en-US"/>
               <a:t>第五级</a:t>
             </a:r>
-            <a:endParaRPr lang="zh-CN" altLang="en-US"/>
           </a:p>
         </p:txBody>
       </p:sp>
@@ -2082,7 +2060,7 @@
           <a:p>
             <a:pPr lvl="0"/>
             <a:r>
-              <a:rPr lang="zh-CN" altLang="en-US" smtClean="0"/>
+              <a:rPr lang="zh-CN" altLang="en-US"/>
               <a:t>编辑母版文本样式</a:t>
             </a:r>
           </a:p>
@@ -2105,7 +2083,7 @@
           <a:p>
             <a:fld id="{040B7C12-11E1-412E-B2DA-388387B615FD}" type="datetimeFigureOut">
               <a:rPr lang="zh-CN" altLang="en-US" smtClean="0"/>
-              <a:t>2019/11/19</a:t>
+              <a:t>2019/11/30</a:t>
             </a:fld>
             <a:endParaRPr lang="zh-CN" altLang="en-US"/>
           </a:p>
@@ -2208,10 +2186,9 @@
           </a:lstStyle>
           <a:p>
             <a:r>
-              <a:rPr lang="zh-CN" altLang="en-US" smtClean="0"/>
+              <a:rPr lang="zh-CN" altLang="en-US"/>
               <a:t>单击此处编辑母版标题样式</a:t>
             </a:r>
-            <a:endParaRPr lang="zh-CN" altLang="en-US"/>
           </a:p>
         </p:txBody>
       </p:sp>
@@ -2335,7 +2312,7 @@
           <a:p>
             <a:pPr lvl="0"/>
             <a:r>
-              <a:rPr lang="zh-CN" altLang="en-US" smtClean="0"/>
+              <a:rPr lang="zh-CN" altLang="en-US"/>
               <a:t>编辑母版文本样式</a:t>
             </a:r>
           </a:p>
@@ -2358,7 +2335,7 @@
           <a:p>
             <a:fld id="{040B7C12-11E1-412E-B2DA-388387B615FD}" type="datetimeFigureOut">
               <a:rPr lang="zh-CN" altLang="en-US" smtClean="0"/>
-              <a:t>2019/11/19</a:t>
+              <a:t>2019/11/30</a:t>
             </a:fld>
             <a:endParaRPr lang="zh-CN" altLang="en-US"/>
           </a:p>
@@ -2467,10 +2444,9 @@
           <a:lstStyle/>
           <a:p>
             <a:r>
-              <a:rPr lang="zh-CN" altLang="en-US" smtClean="0"/>
+              <a:rPr lang="zh-CN" altLang="en-US"/>
               <a:t>单击此处编辑母版标题样式</a:t>
             </a:r>
-            <a:endParaRPr lang="zh-CN" altLang="en-US"/>
           </a:p>
         </p:txBody>
       </p:sp>
@@ -2501,38 +2477,37 @@
           <a:p>
             <a:pPr lvl="0"/>
             <a:r>
-              <a:rPr lang="zh-CN" altLang="en-US" smtClean="0"/>
+              <a:rPr lang="zh-CN" altLang="en-US"/>
               <a:t>编辑母版文本样式</a:t>
             </a:r>
           </a:p>
           <a:p>
             <a:pPr lvl="1"/>
             <a:r>
-              <a:rPr lang="zh-CN" altLang="en-US" smtClean="0"/>
+              <a:rPr lang="zh-CN" altLang="en-US"/>
               <a:t>第二级</a:t>
             </a:r>
           </a:p>
           <a:p>
             <a:pPr lvl="2"/>
             <a:r>
-              <a:rPr lang="zh-CN" altLang="en-US" smtClean="0"/>
+              <a:rPr lang="zh-CN" altLang="en-US"/>
               <a:t>第三级</a:t>
             </a:r>
           </a:p>
           <a:p>
             <a:pPr lvl="3"/>
             <a:r>
-              <a:rPr lang="zh-CN" altLang="en-US" smtClean="0"/>
+              <a:rPr lang="zh-CN" altLang="en-US"/>
               <a:t>第四级</a:t>
             </a:r>
           </a:p>
           <a:p>
             <a:pPr lvl="4"/>
             <a:r>
-              <a:rPr lang="zh-CN" altLang="en-US" smtClean="0"/>
+              <a:rPr lang="zh-CN" altLang="en-US"/>
               <a:t>第五级</a:t>
             </a:r>
-            <a:endParaRPr lang="zh-CN" altLang="en-US"/>
           </a:p>
         </p:txBody>
       </p:sp>
@@ -2571,7 +2546,7 @@
           <a:p>
             <a:fld id="{040B7C12-11E1-412E-B2DA-388387B615FD}" type="datetimeFigureOut">
               <a:rPr lang="zh-CN" altLang="en-US" smtClean="0"/>
-              <a:t>2019/11/19</a:t>
+              <a:t>2019/11/30</a:t>
             </a:fld>
             <a:endParaRPr lang="zh-CN" altLang="en-US"/>
           </a:p>
@@ -3021,7 +2996,7 @@
           <a:p>
             <a:pPr algn="ctr"/>
             <a:r>
-              <a:rPr lang="en-US" altLang="zh-CN" sz="3200" dirty="0" smtClean="0">
+              <a:rPr lang="en-US" altLang="zh-CN" sz="3200" dirty="0">
                 <a:solidFill>
                   <a:sysClr val="windowText" lastClr="000000"/>
                 </a:solidFill>
@@ -3126,16 +3101,12 @@
           <a:lstStyle/>
           <a:p>
             <a:r>
-              <a:rPr lang="zh-CN" altLang="en-US" sz="3200" dirty="0" smtClean="0">
+              <a:rPr lang="zh-CN" altLang="en-US" sz="3200" dirty="0">
                 <a:latin typeface="Times New Roman" panose="02020603050405020304" pitchFamily="18" charset="0"/>
                 <a:cs typeface="Times New Roman" panose="02020603050405020304" pitchFamily="18" charset="0"/>
               </a:rPr>
               <a:t>parent1 </a:t>
             </a:r>
-            <a:endParaRPr lang="zh-CN" altLang="en-US" sz="3200" dirty="0">
-              <a:latin typeface="Times New Roman" panose="02020603050405020304" pitchFamily="18" charset="0"/>
-              <a:cs typeface="Times New Roman" panose="02020603050405020304" pitchFamily="18" charset="0"/>
-            </a:endParaRPr>
           </a:p>
         </p:txBody>
       </p:sp>
@@ -3161,30 +3132,26 @@
           <a:lstStyle/>
           <a:p>
             <a:r>
-              <a:rPr lang="zh-CN" altLang="en-US" sz="3200" dirty="0" smtClean="0">
+              <a:rPr lang="zh-CN" altLang="en-US" sz="3200" dirty="0">
                 <a:latin typeface="Times New Roman" panose="02020603050405020304" pitchFamily="18" charset="0"/>
                 <a:cs typeface="Times New Roman" panose="02020603050405020304" pitchFamily="18" charset="0"/>
               </a:rPr>
               <a:t>parent</a:t>
             </a:r>
             <a:r>
-              <a:rPr lang="en-US" altLang="zh-CN" sz="3200" dirty="0" smtClean="0">
+              <a:rPr lang="en-US" altLang="zh-CN" sz="3200" dirty="0">
                 <a:latin typeface="Times New Roman" panose="02020603050405020304" pitchFamily="18" charset="0"/>
                 <a:cs typeface="Times New Roman" panose="02020603050405020304" pitchFamily="18" charset="0"/>
               </a:rPr>
               <a:t>2</a:t>
             </a:r>
             <a:r>
-              <a:rPr lang="zh-CN" altLang="en-US" sz="3200" dirty="0" smtClean="0">
+              <a:rPr lang="zh-CN" altLang="en-US" sz="3200" dirty="0">
                 <a:latin typeface="Times New Roman" panose="02020603050405020304" pitchFamily="18" charset="0"/>
                 <a:cs typeface="Times New Roman" panose="02020603050405020304" pitchFamily="18" charset="0"/>
               </a:rPr>
               <a:t> </a:t>
             </a:r>
-            <a:endParaRPr lang="zh-CN" altLang="en-US" sz="3200" dirty="0">
-              <a:latin typeface="Times New Roman" panose="02020603050405020304" pitchFamily="18" charset="0"/>
-              <a:cs typeface="Times New Roman" panose="02020603050405020304" pitchFamily="18" charset="0"/>
-            </a:endParaRPr>
           </a:p>
         </p:txBody>
       </p:sp>
@@ -3553,7 +3520,7 @@
           <a:p>
             <a:pPr algn="ctr"/>
             <a:r>
-              <a:rPr lang="en-US" altLang="zh-CN" sz="3200" dirty="0" smtClean="0">
+              <a:rPr lang="en-US" altLang="zh-CN" sz="3200" dirty="0">
                 <a:solidFill>
                   <a:sysClr val="windowText" lastClr="000000"/>
                 </a:solidFill>
@@ -3681,7 +3648,7 @@
           <a:p>
             <a:pPr algn="ctr"/>
             <a:r>
-              <a:rPr lang="en-US" altLang="zh-CN" sz="3200" dirty="0" smtClean="0">
+              <a:rPr lang="en-US" altLang="zh-CN" sz="3200" dirty="0">
                 <a:solidFill>
                   <a:sysClr val="windowText" lastClr="000000"/>
                 </a:solidFill>
@@ -4001,7 +3968,7 @@
           <a:p>
             <a:pPr algn="ctr"/>
             <a:r>
-              <a:rPr lang="en-US" altLang="zh-CN" sz="3200" dirty="0" smtClean="0">
+              <a:rPr lang="en-US" altLang="zh-CN" sz="3200" dirty="0">
                 <a:solidFill>
                   <a:sysClr val="windowText" lastClr="000000"/>
                 </a:solidFill>
@@ -4065,7 +4032,7 @@
           <a:p>
             <a:pPr algn="ctr"/>
             <a:r>
-              <a:rPr lang="en-US" altLang="zh-CN" sz="3200" dirty="0" smtClean="0">
+              <a:rPr lang="en-US" altLang="zh-CN" sz="3200" dirty="0">
                 <a:solidFill>
                   <a:sysClr val="windowText" lastClr="000000"/>
                 </a:solidFill>
@@ -4142,7 +4109,7 @@
           <a:lstStyle/>
           <a:p>
             <a:r>
-              <a:rPr lang="zh-CN" altLang="en-US" sz="3200" dirty="0" smtClean="0">
+              <a:rPr lang="zh-CN" altLang="en-US" sz="3200" dirty="0">
                 <a:latin typeface="Times New Roman" panose="02020603050405020304" pitchFamily="18" charset="0"/>
                 <a:cs typeface="Times New Roman" panose="02020603050405020304" pitchFamily="18" charset="0"/>
               </a:rPr>
@@ -4445,7 +4412,7 @@
           <a:lstStyle/>
           <a:p>
             <a:r>
-              <a:rPr lang="en-US" altLang="zh-CN" sz="3200" dirty="0" smtClean="0">
+              <a:rPr lang="en-US" altLang="zh-CN" sz="3200" dirty="0">
                 <a:latin typeface="Times New Roman" panose="02020603050405020304" pitchFamily="18" charset="0"/>
                 <a:cs typeface="Times New Roman" panose="02020603050405020304" pitchFamily="18" charset="0"/>
               </a:rPr>
@@ -5029,7 +4996,7 @@
           <a:p>
             <a:pPr algn="ctr"/>
             <a:r>
-              <a:rPr lang="en-US" altLang="zh-CN" sz="3200" dirty="0" smtClean="0">
+              <a:rPr lang="en-US" altLang="zh-CN" sz="3200" dirty="0">
                 <a:solidFill>
                   <a:sysClr val="windowText" lastClr="000000"/>
                 </a:solidFill>
@@ -5148,7 +5115,7 @@
           <a:lstStyle/>
           <a:p>
             <a:r>
-              <a:rPr lang="en-US" altLang="zh-CN" sz="3200" dirty="0" smtClean="0">
+              <a:rPr lang="en-US" altLang="zh-CN" sz="3200" dirty="0">
                 <a:latin typeface="Times New Roman" panose="02020603050405020304" pitchFamily="18" charset="0"/>
                 <a:cs typeface="Times New Roman" panose="02020603050405020304" pitchFamily="18" charset="0"/>
               </a:rPr>
@@ -5206,7 +5173,7 @@
           <a:p>
             <a:pPr algn="ctr"/>
             <a:r>
-              <a:rPr lang="en-US" altLang="zh-CN" sz="3200" dirty="0" smtClean="0">
+              <a:rPr lang="en-US" altLang="zh-CN" sz="3200" dirty="0">
                 <a:solidFill>
                   <a:sysClr val="windowText" lastClr="000000"/>
                 </a:solidFill>
@@ -5334,7 +5301,7 @@
           <a:p>
             <a:pPr algn="ctr"/>
             <a:r>
-              <a:rPr lang="en-US" altLang="zh-CN" sz="3200" dirty="0" smtClean="0">
+              <a:rPr lang="en-US" altLang="zh-CN" sz="3200" dirty="0">
                 <a:solidFill>
                   <a:sysClr val="windowText" lastClr="000000"/>
                 </a:solidFill>
@@ -5398,7 +5365,7 @@
           <a:p>
             <a:pPr algn="ctr"/>
             <a:r>
-              <a:rPr lang="en-US" altLang="zh-CN" sz="3200" dirty="0" smtClean="0">
+              <a:rPr lang="en-US" altLang="zh-CN" sz="3200" dirty="0">
                 <a:solidFill>
                   <a:sysClr val="windowText" lastClr="000000"/>
                 </a:solidFill>
@@ -5462,7 +5429,7 @@
           <a:p>
             <a:pPr algn="ctr"/>
             <a:r>
-              <a:rPr lang="en-US" altLang="zh-CN" sz="3200" dirty="0" smtClean="0">
+              <a:rPr lang="en-US" altLang="zh-CN" sz="3200" dirty="0">
                 <a:solidFill>
                   <a:sysClr val="windowText" lastClr="000000"/>
                 </a:solidFill>
@@ -5834,48 +5801,20 @@
           <a:lstStyle/>
           <a:p>
             <a:r>
-              <a:rPr lang="zh-CN" altLang="en-US" sz="3200" dirty="0" smtClean="0">
+              <a:rPr lang="zh-CN" altLang="en-US" sz="3200" dirty="0">
                 <a:latin typeface="Times New Roman" panose="02020603050405020304" pitchFamily="18" charset="0"/>
                 <a:cs typeface="Times New Roman" panose="02020603050405020304" pitchFamily="18" charset="0"/>
               </a:rPr>
-              <a:t>基于顺序</a:t>
-            </a:r>
-            <a:r>
-              <a:rPr lang="zh-CN" altLang="en-US" sz="3200" dirty="0" smtClean="0">
+              <a:t>基于顺序交叉（</a:t>
+            </a:r>
+            <a:r>
+              <a:rPr lang="en-US" altLang="zh-CN" sz="3200" dirty="0">
                 <a:latin typeface="Times New Roman" panose="02020603050405020304" pitchFamily="18" charset="0"/>
                 <a:cs typeface="Times New Roman" panose="02020603050405020304" pitchFamily="18" charset="0"/>
               </a:rPr>
-              <a:t>交叉（</a:t>
-            </a:r>
-            <a:r>
-              <a:rPr lang="en-US" altLang="zh-CN" sz="3200" dirty="0" smtClean="0">
-                <a:latin typeface="Times New Roman" panose="02020603050405020304" pitchFamily="18" charset="0"/>
-                <a:cs typeface="Times New Roman" panose="02020603050405020304" pitchFamily="18" charset="0"/>
-              </a:rPr>
-              <a:t>Order-based </a:t>
-            </a:r>
-            <a:r>
-              <a:rPr lang="en-US" altLang="zh-CN" sz="3200" dirty="0" smtClean="0">
-                <a:latin typeface="Times New Roman" panose="02020603050405020304" pitchFamily="18" charset="0"/>
-                <a:cs typeface="Times New Roman" panose="02020603050405020304" pitchFamily="18" charset="0"/>
-              </a:rPr>
-              <a:t>crossover, </a:t>
-            </a:r>
-            <a:r>
-              <a:rPr lang="en-US" altLang="zh-CN" sz="3200" dirty="0" smtClean="0">
-                <a:latin typeface="Times New Roman" panose="02020603050405020304" pitchFamily="18" charset="0"/>
-                <a:cs typeface="Times New Roman" panose="02020603050405020304" pitchFamily="18" charset="0"/>
-              </a:rPr>
-              <a:t>OBX</a:t>
-            </a:r>
-            <a:r>
-              <a:rPr lang="en-US" altLang="zh-CN" sz="3200" dirty="0" smtClean="0">
-                <a:latin typeface="Times New Roman" panose="02020603050405020304" pitchFamily="18" charset="0"/>
-                <a:cs typeface="Times New Roman" panose="02020603050405020304" pitchFamily="18" charset="0"/>
-              </a:rPr>
-              <a:t>)</a:t>
-            </a:r>
-            <a:endParaRPr lang="zh-CN" altLang="en-US" sz="3200" dirty="0" smtClean="0">
+              <a:t>Order-based crossover, OBX)</a:t>
+            </a:r>
+            <a:endParaRPr lang="zh-CN" altLang="en-US" sz="3200" dirty="0">
               <a:latin typeface="Times New Roman" panose="02020603050405020304" pitchFamily="18" charset="0"/>
               <a:cs typeface="Times New Roman" panose="02020603050405020304" pitchFamily="18" charset="0"/>
             </a:endParaRPr>
@@ -8376,6 +8315,5879 @@
       <p:bldP spid="70" grpId="0" animBg="1"/>
       <p:bldP spid="54" grpId="0" animBg="1"/>
       <p:bldP spid="60" grpId="0" animBg="1"/>
+      <p:bldP spid="61" grpId="0" animBg="1"/>
+      <p:bldP spid="64" grpId="0" animBg="1"/>
+      <p:bldP spid="71" grpId="0" animBg="1"/>
+    </p:bldLst>
+  </p:timing>
+</p:sld>
+</file>
+
+<file path=ppt/slides/slide2.xml><?xml version="1.0" encoding="utf-8"?>
+<p:sld xmlns:a="http://schemas.openxmlformats.org/drawingml/2006/main" xmlns:r="http://schemas.openxmlformats.org/officeDocument/2006/relationships" xmlns:p="http://schemas.openxmlformats.org/presentationml/2006/main">
+  <p:cSld>
+    <p:spTree>
+      <p:nvGrpSpPr>
+        <p:cNvPr id="1" name=""/>
+        <p:cNvGrpSpPr/>
+        <p:nvPr/>
+      </p:nvGrpSpPr>
+      <p:grpSpPr>
+        <a:xfrm>
+          <a:off x="0" y="0"/>
+          <a:ext cx="0" cy="0"/>
+          <a:chOff x="0" y="0"/>
+          <a:chExt cx="0" cy="0"/>
+        </a:xfrm>
+      </p:grpSpPr>
+      <p:sp>
+        <p:nvSpPr>
+          <p:cNvPr id="99" name="矩形 98"/>
+          <p:cNvSpPr/>
+          <p:nvPr/>
+        </p:nvSpPr>
+        <p:spPr>
+          <a:xfrm>
+            <a:off x="4189112" y="3324302"/>
+            <a:ext cx="716175" cy="515259"/>
+          </a:xfrm>
+          <a:prstGeom prst="rect">
+            <a:avLst/>
+          </a:prstGeom>
+          <a:solidFill>
+            <a:srgbClr val="FFC000"/>
+          </a:solidFill>
+          <a:ln w="6350">
+            <a:solidFill>
+              <a:schemeClr val="tx1"/>
+            </a:solidFill>
+          </a:ln>
+        </p:spPr>
+        <p:style>
+          <a:lnRef idx="2">
+            <a:schemeClr val="accent1">
+              <a:shade val="50000"/>
+            </a:schemeClr>
+          </a:lnRef>
+          <a:fillRef idx="1">
+            <a:schemeClr val="accent1"/>
+          </a:fillRef>
+          <a:effectRef idx="0">
+            <a:schemeClr val="accent1"/>
+          </a:effectRef>
+          <a:fontRef idx="minor">
+            <a:schemeClr val="lt1"/>
+          </a:fontRef>
+        </p:style>
+        <p:txBody>
+          <a:bodyPr rtlCol="0" anchor="ctr"/>
+          <a:lstStyle/>
+          <a:p>
+            <a:pPr algn="ctr"/>
+            <a:r>
+              <a:rPr lang="en-US" altLang="zh-CN" sz="3200" dirty="0">
+                <a:solidFill>
+                  <a:sysClr val="windowText" lastClr="000000"/>
+                </a:solidFill>
+                <a:latin typeface="Times New Roman" panose="02020603050405020304" pitchFamily="18" charset="0"/>
+                <a:cs typeface="Times New Roman" panose="02020603050405020304" pitchFamily="18" charset="0"/>
+              </a:rPr>
+              <a:t>1</a:t>
+            </a:r>
+            <a:endParaRPr lang="zh-CN" altLang="en-US" sz="3200" dirty="0">
+              <a:solidFill>
+                <a:sysClr val="windowText" lastClr="000000"/>
+              </a:solidFill>
+              <a:latin typeface="Times New Roman" panose="02020603050405020304" pitchFamily="18" charset="0"/>
+              <a:cs typeface="Times New Roman" panose="02020603050405020304" pitchFamily="18" charset="0"/>
+            </a:endParaRPr>
+          </a:p>
+        </p:txBody>
+      </p:sp>
+      <p:sp>
+        <p:nvSpPr>
+          <p:cNvPr id="122" name="矩形 121"/>
+          <p:cNvSpPr/>
+          <p:nvPr/>
+        </p:nvSpPr>
+        <p:spPr>
+          <a:xfrm>
+            <a:off x="2095256" y="3324302"/>
+            <a:ext cx="1518364" cy="584776"/>
+          </a:xfrm>
+          <a:prstGeom prst="rect">
+            <a:avLst/>
+          </a:prstGeom>
+        </p:spPr>
+        <p:txBody>
+          <a:bodyPr wrap="none">
+            <a:spAutoFit/>
+          </a:bodyPr>
+          <a:lstStyle/>
+          <a:p>
+            <a:r>
+              <a:rPr lang="zh-CN" altLang="en-US" sz="3200" dirty="0">
+                <a:latin typeface="Times New Roman" panose="02020603050405020304" pitchFamily="18" charset="0"/>
+                <a:cs typeface="Times New Roman" panose="02020603050405020304" pitchFamily="18" charset="0"/>
+              </a:rPr>
+              <a:t>parent1 </a:t>
+            </a:r>
+          </a:p>
+        </p:txBody>
+      </p:sp>
+      <p:sp>
+        <p:nvSpPr>
+          <p:cNvPr id="96" name="矩形 95"/>
+          <p:cNvSpPr/>
+          <p:nvPr/>
+        </p:nvSpPr>
+        <p:spPr>
+          <a:xfrm>
+            <a:off x="4905286" y="3324302"/>
+            <a:ext cx="716175" cy="515259"/>
+          </a:xfrm>
+          <a:prstGeom prst="rect">
+            <a:avLst/>
+          </a:prstGeom>
+          <a:solidFill>
+            <a:srgbClr val="FFC000"/>
+          </a:solidFill>
+          <a:ln w="6350">
+            <a:solidFill>
+              <a:schemeClr val="tx1"/>
+            </a:solidFill>
+          </a:ln>
+        </p:spPr>
+        <p:style>
+          <a:lnRef idx="2">
+            <a:schemeClr val="accent1">
+              <a:shade val="50000"/>
+            </a:schemeClr>
+          </a:lnRef>
+          <a:fillRef idx="1">
+            <a:schemeClr val="accent1"/>
+          </a:fillRef>
+          <a:effectRef idx="0">
+            <a:schemeClr val="accent1"/>
+          </a:effectRef>
+          <a:fontRef idx="minor">
+            <a:schemeClr val="lt1"/>
+          </a:fontRef>
+        </p:style>
+        <p:txBody>
+          <a:bodyPr rtlCol="0" anchor="ctr"/>
+          <a:lstStyle/>
+          <a:p>
+            <a:pPr algn="ctr"/>
+            <a:r>
+              <a:rPr lang="en-US" altLang="zh-CN" sz="3200" dirty="0">
+                <a:solidFill>
+                  <a:sysClr val="windowText" lastClr="000000"/>
+                </a:solidFill>
+                <a:latin typeface="Times New Roman" panose="02020603050405020304" pitchFamily="18" charset="0"/>
+                <a:cs typeface="Times New Roman" panose="02020603050405020304" pitchFamily="18" charset="0"/>
+              </a:rPr>
+              <a:t>2</a:t>
+            </a:r>
+            <a:endParaRPr lang="zh-CN" altLang="en-US" sz="3200" dirty="0">
+              <a:solidFill>
+                <a:sysClr val="windowText" lastClr="000000"/>
+              </a:solidFill>
+              <a:latin typeface="Times New Roman" panose="02020603050405020304" pitchFamily="18" charset="0"/>
+              <a:cs typeface="Times New Roman" panose="02020603050405020304" pitchFamily="18" charset="0"/>
+            </a:endParaRPr>
+          </a:p>
+        </p:txBody>
+      </p:sp>
+      <p:sp>
+        <p:nvSpPr>
+          <p:cNvPr id="97" name="矩形 96"/>
+          <p:cNvSpPr/>
+          <p:nvPr/>
+        </p:nvSpPr>
+        <p:spPr>
+          <a:xfrm>
+            <a:off x="5621461" y="3324302"/>
+            <a:ext cx="716175" cy="515259"/>
+          </a:xfrm>
+          <a:prstGeom prst="rect">
+            <a:avLst/>
+          </a:prstGeom>
+          <a:solidFill>
+            <a:srgbClr val="FFC000"/>
+          </a:solidFill>
+          <a:ln w="6350">
+            <a:solidFill>
+              <a:schemeClr val="tx1"/>
+            </a:solidFill>
+          </a:ln>
+        </p:spPr>
+        <p:style>
+          <a:lnRef idx="2">
+            <a:schemeClr val="accent1">
+              <a:shade val="50000"/>
+            </a:schemeClr>
+          </a:lnRef>
+          <a:fillRef idx="1">
+            <a:schemeClr val="accent1"/>
+          </a:fillRef>
+          <a:effectRef idx="0">
+            <a:schemeClr val="accent1"/>
+          </a:effectRef>
+          <a:fontRef idx="minor">
+            <a:schemeClr val="lt1"/>
+          </a:fontRef>
+        </p:style>
+        <p:txBody>
+          <a:bodyPr rtlCol="0" anchor="ctr"/>
+          <a:lstStyle/>
+          <a:p>
+            <a:pPr algn="ctr"/>
+            <a:r>
+              <a:rPr lang="en-US" altLang="zh-CN" sz="3200" dirty="0">
+                <a:solidFill>
+                  <a:sysClr val="windowText" lastClr="000000"/>
+                </a:solidFill>
+                <a:latin typeface="Times New Roman" panose="02020603050405020304" pitchFamily="18" charset="0"/>
+                <a:cs typeface="Times New Roman" panose="02020603050405020304" pitchFamily="18" charset="0"/>
+              </a:rPr>
+              <a:t>3</a:t>
+            </a:r>
+            <a:endParaRPr lang="zh-CN" altLang="en-US" sz="3200" dirty="0">
+              <a:solidFill>
+                <a:sysClr val="windowText" lastClr="000000"/>
+              </a:solidFill>
+              <a:latin typeface="Times New Roman" panose="02020603050405020304" pitchFamily="18" charset="0"/>
+              <a:cs typeface="Times New Roman" panose="02020603050405020304" pitchFamily="18" charset="0"/>
+            </a:endParaRPr>
+          </a:p>
+        </p:txBody>
+      </p:sp>
+      <p:sp>
+        <p:nvSpPr>
+          <p:cNvPr id="98" name="矩形 97"/>
+          <p:cNvSpPr/>
+          <p:nvPr/>
+        </p:nvSpPr>
+        <p:spPr>
+          <a:xfrm>
+            <a:off x="6337636" y="3324302"/>
+            <a:ext cx="716175" cy="515259"/>
+          </a:xfrm>
+          <a:prstGeom prst="rect">
+            <a:avLst/>
+          </a:prstGeom>
+          <a:solidFill>
+            <a:srgbClr val="FFC000"/>
+          </a:solidFill>
+          <a:ln w="6350">
+            <a:solidFill>
+              <a:schemeClr val="tx1"/>
+            </a:solidFill>
+          </a:ln>
+        </p:spPr>
+        <p:style>
+          <a:lnRef idx="2">
+            <a:schemeClr val="accent1">
+              <a:shade val="50000"/>
+            </a:schemeClr>
+          </a:lnRef>
+          <a:fillRef idx="1">
+            <a:schemeClr val="accent1"/>
+          </a:fillRef>
+          <a:effectRef idx="0">
+            <a:schemeClr val="accent1"/>
+          </a:effectRef>
+          <a:fontRef idx="minor">
+            <a:schemeClr val="lt1"/>
+          </a:fontRef>
+        </p:style>
+        <p:txBody>
+          <a:bodyPr rtlCol="0" anchor="ctr"/>
+          <a:lstStyle/>
+          <a:p>
+            <a:pPr algn="ctr"/>
+            <a:r>
+              <a:rPr lang="en-US" altLang="zh-CN" sz="3200" dirty="0">
+                <a:solidFill>
+                  <a:sysClr val="windowText" lastClr="000000"/>
+                </a:solidFill>
+                <a:latin typeface="Times New Roman" panose="02020603050405020304" pitchFamily="18" charset="0"/>
+                <a:cs typeface="Times New Roman" panose="02020603050405020304" pitchFamily="18" charset="0"/>
+              </a:rPr>
+              <a:t>4</a:t>
+            </a:r>
+            <a:endParaRPr lang="zh-CN" altLang="en-US" sz="3200" dirty="0">
+              <a:solidFill>
+                <a:sysClr val="windowText" lastClr="000000"/>
+              </a:solidFill>
+              <a:latin typeface="Times New Roman" panose="02020603050405020304" pitchFamily="18" charset="0"/>
+              <a:cs typeface="Times New Roman" panose="02020603050405020304" pitchFamily="18" charset="0"/>
+            </a:endParaRPr>
+          </a:p>
+        </p:txBody>
+      </p:sp>
+      <p:sp>
+        <p:nvSpPr>
+          <p:cNvPr id="121" name="矩形 120"/>
+          <p:cNvSpPr/>
+          <p:nvPr/>
+        </p:nvSpPr>
+        <p:spPr>
+          <a:xfrm>
+            <a:off x="7053810" y="3324302"/>
+            <a:ext cx="716175" cy="515259"/>
+          </a:xfrm>
+          <a:prstGeom prst="rect">
+            <a:avLst/>
+          </a:prstGeom>
+          <a:solidFill>
+            <a:srgbClr val="FFC000"/>
+          </a:solidFill>
+          <a:ln w="6350">
+            <a:solidFill>
+              <a:schemeClr val="tx1"/>
+            </a:solidFill>
+          </a:ln>
+        </p:spPr>
+        <p:style>
+          <a:lnRef idx="2">
+            <a:schemeClr val="accent1">
+              <a:shade val="50000"/>
+            </a:schemeClr>
+          </a:lnRef>
+          <a:fillRef idx="1">
+            <a:schemeClr val="accent1"/>
+          </a:fillRef>
+          <a:effectRef idx="0">
+            <a:schemeClr val="accent1"/>
+          </a:effectRef>
+          <a:fontRef idx="minor">
+            <a:schemeClr val="lt1"/>
+          </a:fontRef>
+        </p:style>
+        <p:txBody>
+          <a:bodyPr rtlCol="0" anchor="ctr"/>
+          <a:lstStyle/>
+          <a:p>
+            <a:pPr algn="ctr"/>
+            <a:r>
+              <a:rPr lang="en-US" altLang="zh-CN" sz="3200" dirty="0">
+                <a:solidFill>
+                  <a:sysClr val="windowText" lastClr="000000"/>
+                </a:solidFill>
+                <a:latin typeface="Times New Roman" panose="02020603050405020304" pitchFamily="18" charset="0"/>
+                <a:cs typeface="Times New Roman" panose="02020603050405020304" pitchFamily="18" charset="0"/>
+              </a:rPr>
+              <a:t>5</a:t>
+            </a:r>
+            <a:endParaRPr lang="zh-CN" altLang="en-US" sz="3200" dirty="0">
+              <a:solidFill>
+                <a:sysClr val="windowText" lastClr="000000"/>
+              </a:solidFill>
+              <a:latin typeface="Times New Roman" panose="02020603050405020304" pitchFamily="18" charset="0"/>
+              <a:cs typeface="Times New Roman" panose="02020603050405020304" pitchFamily="18" charset="0"/>
+            </a:endParaRPr>
+          </a:p>
+        </p:txBody>
+      </p:sp>
+      <p:sp>
+        <p:nvSpPr>
+          <p:cNvPr id="194" name="矩形 193"/>
+          <p:cNvSpPr/>
+          <p:nvPr/>
+        </p:nvSpPr>
+        <p:spPr>
+          <a:xfrm>
+            <a:off x="7769985" y="3324302"/>
+            <a:ext cx="716175" cy="515259"/>
+          </a:xfrm>
+          <a:prstGeom prst="rect">
+            <a:avLst/>
+          </a:prstGeom>
+          <a:solidFill>
+            <a:srgbClr val="FFC000"/>
+          </a:solidFill>
+          <a:ln w="6350">
+            <a:solidFill>
+              <a:schemeClr val="tx1"/>
+            </a:solidFill>
+          </a:ln>
+        </p:spPr>
+        <p:style>
+          <a:lnRef idx="2">
+            <a:schemeClr val="accent1">
+              <a:shade val="50000"/>
+            </a:schemeClr>
+          </a:lnRef>
+          <a:fillRef idx="1">
+            <a:schemeClr val="accent1"/>
+          </a:fillRef>
+          <a:effectRef idx="0">
+            <a:schemeClr val="accent1"/>
+          </a:effectRef>
+          <a:fontRef idx="minor">
+            <a:schemeClr val="lt1"/>
+          </a:fontRef>
+        </p:style>
+        <p:txBody>
+          <a:bodyPr rtlCol="0" anchor="ctr"/>
+          <a:lstStyle/>
+          <a:p>
+            <a:pPr algn="ctr"/>
+            <a:r>
+              <a:rPr lang="en-US" altLang="zh-CN" sz="3200" dirty="0">
+                <a:solidFill>
+                  <a:sysClr val="windowText" lastClr="000000"/>
+                </a:solidFill>
+                <a:latin typeface="Times New Roman" panose="02020603050405020304" pitchFamily="18" charset="0"/>
+                <a:cs typeface="Times New Roman" panose="02020603050405020304" pitchFamily="18" charset="0"/>
+              </a:rPr>
+              <a:t>6</a:t>
+            </a:r>
+            <a:endParaRPr lang="zh-CN" altLang="en-US" sz="3200" dirty="0">
+              <a:solidFill>
+                <a:sysClr val="windowText" lastClr="000000"/>
+              </a:solidFill>
+              <a:latin typeface="Times New Roman" panose="02020603050405020304" pitchFamily="18" charset="0"/>
+              <a:cs typeface="Times New Roman" panose="02020603050405020304" pitchFamily="18" charset="0"/>
+            </a:endParaRPr>
+          </a:p>
+        </p:txBody>
+      </p:sp>
+      <p:sp>
+        <p:nvSpPr>
+          <p:cNvPr id="195" name="矩形 194"/>
+          <p:cNvSpPr/>
+          <p:nvPr/>
+        </p:nvSpPr>
+        <p:spPr>
+          <a:xfrm>
+            <a:off x="8486160" y="3324302"/>
+            <a:ext cx="716175" cy="515259"/>
+          </a:xfrm>
+          <a:prstGeom prst="rect">
+            <a:avLst/>
+          </a:prstGeom>
+          <a:solidFill>
+            <a:srgbClr val="FFC000"/>
+          </a:solidFill>
+          <a:ln w="6350">
+            <a:solidFill>
+              <a:schemeClr val="tx1"/>
+            </a:solidFill>
+          </a:ln>
+        </p:spPr>
+        <p:style>
+          <a:lnRef idx="2">
+            <a:schemeClr val="accent1">
+              <a:shade val="50000"/>
+            </a:schemeClr>
+          </a:lnRef>
+          <a:fillRef idx="1">
+            <a:schemeClr val="accent1"/>
+          </a:fillRef>
+          <a:effectRef idx="0">
+            <a:schemeClr val="accent1"/>
+          </a:effectRef>
+          <a:fontRef idx="minor">
+            <a:schemeClr val="lt1"/>
+          </a:fontRef>
+        </p:style>
+        <p:txBody>
+          <a:bodyPr rtlCol="0" anchor="ctr"/>
+          <a:lstStyle/>
+          <a:p>
+            <a:pPr algn="ctr"/>
+            <a:r>
+              <a:rPr lang="en-US" altLang="zh-CN" sz="3200" dirty="0">
+                <a:solidFill>
+                  <a:sysClr val="windowText" lastClr="000000"/>
+                </a:solidFill>
+                <a:latin typeface="Times New Roman" panose="02020603050405020304" pitchFamily="18" charset="0"/>
+                <a:cs typeface="Times New Roman" panose="02020603050405020304" pitchFamily="18" charset="0"/>
+              </a:rPr>
+              <a:t>7</a:t>
+            </a:r>
+            <a:endParaRPr lang="zh-CN" altLang="en-US" sz="3200" dirty="0">
+              <a:solidFill>
+                <a:sysClr val="windowText" lastClr="000000"/>
+              </a:solidFill>
+              <a:latin typeface="Times New Roman" panose="02020603050405020304" pitchFamily="18" charset="0"/>
+              <a:cs typeface="Times New Roman" panose="02020603050405020304" pitchFamily="18" charset="0"/>
+            </a:endParaRPr>
+          </a:p>
+        </p:txBody>
+      </p:sp>
+      <p:sp>
+        <p:nvSpPr>
+          <p:cNvPr id="196" name="矩形 195"/>
+          <p:cNvSpPr/>
+          <p:nvPr/>
+        </p:nvSpPr>
+        <p:spPr>
+          <a:xfrm>
+            <a:off x="9202334" y="3324302"/>
+            <a:ext cx="716175" cy="515259"/>
+          </a:xfrm>
+          <a:prstGeom prst="rect">
+            <a:avLst/>
+          </a:prstGeom>
+          <a:solidFill>
+            <a:srgbClr val="FFC000"/>
+          </a:solidFill>
+          <a:ln w="6350">
+            <a:solidFill>
+              <a:schemeClr val="tx1"/>
+            </a:solidFill>
+          </a:ln>
+        </p:spPr>
+        <p:style>
+          <a:lnRef idx="2">
+            <a:schemeClr val="accent1">
+              <a:shade val="50000"/>
+            </a:schemeClr>
+          </a:lnRef>
+          <a:fillRef idx="1">
+            <a:schemeClr val="accent1"/>
+          </a:fillRef>
+          <a:effectRef idx="0">
+            <a:schemeClr val="accent1"/>
+          </a:effectRef>
+          <a:fontRef idx="minor">
+            <a:schemeClr val="lt1"/>
+          </a:fontRef>
+        </p:style>
+        <p:txBody>
+          <a:bodyPr rtlCol="0" anchor="ctr"/>
+          <a:lstStyle/>
+          <a:p>
+            <a:pPr algn="ctr"/>
+            <a:r>
+              <a:rPr lang="en-US" altLang="zh-CN" sz="3200" dirty="0">
+                <a:solidFill>
+                  <a:sysClr val="windowText" lastClr="000000"/>
+                </a:solidFill>
+                <a:latin typeface="Times New Roman" panose="02020603050405020304" pitchFamily="18" charset="0"/>
+                <a:cs typeface="Times New Roman" panose="02020603050405020304" pitchFamily="18" charset="0"/>
+              </a:rPr>
+              <a:t>8</a:t>
+            </a:r>
+            <a:endParaRPr lang="zh-CN" altLang="en-US" sz="3200" dirty="0">
+              <a:solidFill>
+                <a:sysClr val="windowText" lastClr="000000"/>
+              </a:solidFill>
+              <a:latin typeface="Times New Roman" panose="02020603050405020304" pitchFamily="18" charset="0"/>
+              <a:cs typeface="Times New Roman" panose="02020603050405020304" pitchFamily="18" charset="0"/>
+            </a:endParaRPr>
+          </a:p>
+        </p:txBody>
+      </p:sp>
+      <p:cxnSp>
+        <p:nvCxnSpPr>
+          <p:cNvPr id="3" name="直接箭头连接符 2"/>
+          <p:cNvCxnSpPr/>
+          <p:nvPr/>
+        </p:nvCxnSpPr>
+        <p:spPr>
+          <a:xfrm>
+            <a:off x="5267079" y="2446020"/>
+            <a:ext cx="2470" cy="878282"/>
+          </a:xfrm>
+          <a:prstGeom prst="straightConnector1">
+            <a:avLst/>
+          </a:prstGeom>
+          <a:ln w="19050">
+            <a:solidFill>
+              <a:srgbClr val="FF0000"/>
+            </a:solidFill>
+            <a:tailEnd type="triangle"/>
+          </a:ln>
+        </p:spPr>
+        <p:style>
+          <a:lnRef idx="1">
+            <a:schemeClr val="accent1"/>
+          </a:lnRef>
+          <a:fillRef idx="0">
+            <a:schemeClr val="accent1"/>
+          </a:fillRef>
+          <a:effectRef idx="0">
+            <a:schemeClr val="accent1"/>
+          </a:effectRef>
+          <a:fontRef idx="minor">
+            <a:schemeClr val="tx1"/>
+          </a:fontRef>
+        </p:style>
+      </p:cxnSp>
+      <p:sp>
+        <p:nvSpPr>
+          <p:cNvPr id="205" name="矩形 204"/>
+          <p:cNvSpPr/>
+          <p:nvPr/>
+        </p:nvSpPr>
+        <p:spPr>
+          <a:xfrm>
+            <a:off x="4905286" y="1498953"/>
+            <a:ext cx="5519460" cy="584775"/>
+          </a:xfrm>
+          <a:prstGeom prst="rect">
+            <a:avLst/>
+          </a:prstGeom>
+        </p:spPr>
+        <p:txBody>
+          <a:bodyPr wrap="none">
+            <a:spAutoFit/>
+          </a:bodyPr>
+          <a:lstStyle/>
+          <a:p>
+            <a:r>
+              <a:rPr lang="zh-CN" altLang="en-US" sz="3200" dirty="0">
+                <a:latin typeface="Times New Roman" panose="02020603050405020304" pitchFamily="18" charset="0"/>
+                <a:cs typeface="Times New Roman" panose="02020603050405020304" pitchFamily="18" charset="0"/>
+              </a:rPr>
+              <a:t>随机选择几个不同位置的基因</a:t>
+            </a:r>
+          </a:p>
+        </p:txBody>
+      </p:sp>
+      <p:cxnSp>
+        <p:nvCxnSpPr>
+          <p:cNvPr id="30" name="直接箭头连接符 29"/>
+          <p:cNvCxnSpPr/>
+          <p:nvPr/>
+        </p:nvCxnSpPr>
+        <p:spPr>
+          <a:xfrm>
+            <a:off x="7408193" y="2446020"/>
+            <a:ext cx="2470" cy="878282"/>
+          </a:xfrm>
+          <a:prstGeom prst="straightConnector1">
+            <a:avLst/>
+          </a:prstGeom>
+          <a:ln w="19050">
+            <a:solidFill>
+              <a:srgbClr val="FF0000"/>
+            </a:solidFill>
+            <a:tailEnd type="triangle"/>
+          </a:ln>
+        </p:spPr>
+        <p:style>
+          <a:lnRef idx="1">
+            <a:schemeClr val="accent1"/>
+          </a:lnRef>
+          <a:fillRef idx="0">
+            <a:schemeClr val="accent1"/>
+          </a:fillRef>
+          <a:effectRef idx="0">
+            <a:schemeClr val="accent1"/>
+          </a:effectRef>
+          <a:fontRef idx="minor">
+            <a:schemeClr val="tx1"/>
+          </a:fontRef>
+        </p:style>
+      </p:cxnSp>
+      <p:sp>
+        <p:nvSpPr>
+          <p:cNvPr id="42" name="矩形 41"/>
+          <p:cNvSpPr/>
+          <p:nvPr/>
+        </p:nvSpPr>
+        <p:spPr>
+          <a:xfrm>
+            <a:off x="4905286" y="3324302"/>
+            <a:ext cx="716175" cy="515259"/>
+          </a:xfrm>
+          <a:prstGeom prst="rect">
+            <a:avLst/>
+          </a:prstGeom>
+          <a:solidFill>
+            <a:srgbClr val="FFC000"/>
+          </a:solidFill>
+          <a:ln w="6350">
+            <a:solidFill>
+              <a:schemeClr val="tx1"/>
+            </a:solidFill>
+          </a:ln>
+        </p:spPr>
+        <p:style>
+          <a:lnRef idx="2">
+            <a:schemeClr val="accent1">
+              <a:shade val="50000"/>
+            </a:schemeClr>
+          </a:lnRef>
+          <a:fillRef idx="1">
+            <a:schemeClr val="accent1"/>
+          </a:fillRef>
+          <a:effectRef idx="0">
+            <a:schemeClr val="accent1"/>
+          </a:effectRef>
+          <a:fontRef idx="minor">
+            <a:schemeClr val="lt1"/>
+          </a:fontRef>
+        </p:style>
+        <p:txBody>
+          <a:bodyPr rtlCol="0" anchor="ctr"/>
+          <a:lstStyle/>
+          <a:p>
+            <a:pPr algn="ctr"/>
+            <a:r>
+              <a:rPr lang="en-US" altLang="zh-CN" sz="3200" dirty="0">
+                <a:solidFill>
+                  <a:sysClr val="windowText" lastClr="000000"/>
+                </a:solidFill>
+                <a:latin typeface="Times New Roman" panose="02020603050405020304" pitchFamily="18" charset="0"/>
+                <a:cs typeface="Times New Roman" panose="02020603050405020304" pitchFamily="18" charset="0"/>
+              </a:rPr>
+              <a:t>2</a:t>
+            </a:r>
+            <a:endParaRPr lang="zh-CN" altLang="en-US" sz="3200" dirty="0">
+              <a:solidFill>
+                <a:sysClr val="windowText" lastClr="000000"/>
+              </a:solidFill>
+              <a:latin typeface="Times New Roman" panose="02020603050405020304" pitchFamily="18" charset="0"/>
+              <a:cs typeface="Times New Roman" panose="02020603050405020304" pitchFamily="18" charset="0"/>
+            </a:endParaRPr>
+          </a:p>
+        </p:txBody>
+      </p:sp>
+      <p:sp>
+        <p:nvSpPr>
+          <p:cNvPr id="43" name="矩形 42"/>
+          <p:cNvSpPr/>
+          <p:nvPr/>
+        </p:nvSpPr>
+        <p:spPr>
+          <a:xfrm>
+            <a:off x="5621461" y="3324302"/>
+            <a:ext cx="716175" cy="515259"/>
+          </a:xfrm>
+          <a:prstGeom prst="rect">
+            <a:avLst/>
+          </a:prstGeom>
+          <a:solidFill>
+            <a:srgbClr val="FFC000"/>
+          </a:solidFill>
+          <a:ln w="6350">
+            <a:solidFill>
+              <a:schemeClr val="tx1"/>
+            </a:solidFill>
+          </a:ln>
+        </p:spPr>
+        <p:style>
+          <a:lnRef idx="2">
+            <a:schemeClr val="accent1">
+              <a:shade val="50000"/>
+            </a:schemeClr>
+          </a:lnRef>
+          <a:fillRef idx="1">
+            <a:schemeClr val="accent1"/>
+          </a:fillRef>
+          <a:effectRef idx="0">
+            <a:schemeClr val="accent1"/>
+          </a:effectRef>
+          <a:fontRef idx="minor">
+            <a:schemeClr val="lt1"/>
+          </a:fontRef>
+        </p:style>
+        <p:txBody>
+          <a:bodyPr rtlCol="0" anchor="ctr"/>
+          <a:lstStyle/>
+          <a:p>
+            <a:pPr algn="ctr"/>
+            <a:r>
+              <a:rPr lang="en-US" altLang="zh-CN" sz="3200" dirty="0">
+                <a:solidFill>
+                  <a:sysClr val="windowText" lastClr="000000"/>
+                </a:solidFill>
+                <a:latin typeface="Times New Roman" panose="02020603050405020304" pitchFamily="18" charset="0"/>
+                <a:cs typeface="Times New Roman" panose="02020603050405020304" pitchFamily="18" charset="0"/>
+              </a:rPr>
+              <a:t>3</a:t>
+            </a:r>
+            <a:endParaRPr lang="zh-CN" altLang="en-US" sz="3200" dirty="0">
+              <a:solidFill>
+                <a:sysClr val="windowText" lastClr="000000"/>
+              </a:solidFill>
+              <a:latin typeface="Times New Roman" panose="02020603050405020304" pitchFamily="18" charset="0"/>
+              <a:cs typeface="Times New Roman" panose="02020603050405020304" pitchFamily="18" charset="0"/>
+            </a:endParaRPr>
+          </a:p>
+        </p:txBody>
+      </p:sp>
+      <p:sp>
+        <p:nvSpPr>
+          <p:cNvPr id="44" name="矩形 43"/>
+          <p:cNvSpPr/>
+          <p:nvPr/>
+        </p:nvSpPr>
+        <p:spPr>
+          <a:xfrm>
+            <a:off x="6337636" y="3324302"/>
+            <a:ext cx="716175" cy="515259"/>
+          </a:xfrm>
+          <a:prstGeom prst="rect">
+            <a:avLst/>
+          </a:prstGeom>
+          <a:solidFill>
+            <a:srgbClr val="FFC000"/>
+          </a:solidFill>
+          <a:ln w="6350">
+            <a:solidFill>
+              <a:schemeClr val="tx1"/>
+            </a:solidFill>
+          </a:ln>
+        </p:spPr>
+        <p:style>
+          <a:lnRef idx="2">
+            <a:schemeClr val="accent1">
+              <a:shade val="50000"/>
+            </a:schemeClr>
+          </a:lnRef>
+          <a:fillRef idx="1">
+            <a:schemeClr val="accent1"/>
+          </a:fillRef>
+          <a:effectRef idx="0">
+            <a:schemeClr val="accent1"/>
+          </a:effectRef>
+          <a:fontRef idx="minor">
+            <a:schemeClr val="lt1"/>
+          </a:fontRef>
+        </p:style>
+        <p:txBody>
+          <a:bodyPr rtlCol="0" anchor="ctr"/>
+          <a:lstStyle/>
+          <a:p>
+            <a:pPr algn="ctr"/>
+            <a:r>
+              <a:rPr lang="en-US" altLang="zh-CN" sz="3200" dirty="0">
+                <a:solidFill>
+                  <a:sysClr val="windowText" lastClr="000000"/>
+                </a:solidFill>
+                <a:latin typeface="Times New Roman" panose="02020603050405020304" pitchFamily="18" charset="0"/>
+                <a:cs typeface="Times New Roman" panose="02020603050405020304" pitchFamily="18" charset="0"/>
+              </a:rPr>
+              <a:t>4</a:t>
+            </a:r>
+            <a:endParaRPr lang="zh-CN" altLang="en-US" sz="3200" dirty="0">
+              <a:solidFill>
+                <a:sysClr val="windowText" lastClr="000000"/>
+              </a:solidFill>
+              <a:latin typeface="Times New Roman" panose="02020603050405020304" pitchFamily="18" charset="0"/>
+              <a:cs typeface="Times New Roman" panose="02020603050405020304" pitchFamily="18" charset="0"/>
+            </a:endParaRPr>
+          </a:p>
+        </p:txBody>
+      </p:sp>
+      <p:sp>
+        <p:nvSpPr>
+          <p:cNvPr id="49" name="矩形 48"/>
+          <p:cNvSpPr/>
+          <p:nvPr/>
+        </p:nvSpPr>
+        <p:spPr>
+          <a:xfrm>
+            <a:off x="7053810" y="3324302"/>
+            <a:ext cx="716175" cy="515259"/>
+          </a:xfrm>
+          <a:prstGeom prst="rect">
+            <a:avLst/>
+          </a:prstGeom>
+          <a:solidFill>
+            <a:srgbClr val="FFC000"/>
+          </a:solidFill>
+          <a:ln w="6350">
+            <a:solidFill>
+              <a:schemeClr val="tx1"/>
+            </a:solidFill>
+          </a:ln>
+        </p:spPr>
+        <p:style>
+          <a:lnRef idx="2">
+            <a:schemeClr val="accent1">
+              <a:shade val="50000"/>
+            </a:schemeClr>
+          </a:lnRef>
+          <a:fillRef idx="1">
+            <a:schemeClr val="accent1"/>
+          </a:fillRef>
+          <a:effectRef idx="0">
+            <a:schemeClr val="accent1"/>
+          </a:effectRef>
+          <a:fontRef idx="minor">
+            <a:schemeClr val="lt1"/>
+          </a:fontRef>
+        </p:style>
+        <p:txBody>
+          <a:bodyPr rtlCol="0" anchor="ctr"/>
+          <a:lstStyle/>
+          <a:p>
+            <a:pPr algn="ctr"/>
+            <a:r>
+              <a:rPr lang="en-US" altLang="zh-CN" sz="3200" dirty="0">
+                <a:solidFill>
+                  <a:sysClr val="windowText" lastClr="000000"/>
+                </a:solidFill>
+                <a:latin typeface="Times New Roman" panose="02020603050405020304" pitchFamily="18" charset="0"/>
+                <a:cs typeface="Times New Roman" panose="02020603050405020304" pitchFamily="18" charset="0"/>
+              </a:rPr>
+              <a:t>5</a:t>
+            </a:r>
+            <a:endParaRPr lang="zh-CN" altLang="en-US" sz="3200" dirty="0">
+              <a:solidFill>
+                <a:sysClr val="windowText" lastClr="000000"/>
+              </a:solidFill>
+              <a:latin typeface="Times New Roman" panose="02020603050405020304" pitchFamily="18" charset="0"/>
+              <a:cs typeface="Times New Roman" panose="02020603050405020304" pitchFamily="18" charset="0"/>
+            </a:endParaRPr>
+          </a:p>
+        </p:txBody>
+      </p:sp>
+      <p:cxnSp>
+        <p:nvCxnSpPr>
+          <p:cNvPr id="52" name="直接箭头连接符 51"/>
+          <p:cNvCxnSpPr/>
+          <p:nvPr/>
+        </p:nvCxnSpPr>
+        <p:spPr>
+          <a:xfrm>
+            <a:off x="6699606" y="2446020"/>
+            <a:ext cx="2470" cy="878282"/>
+          </a:xfrm>
+          <a:prstGeom prst="straightConnector1">
+            <a:avLst/>
+          </a:prstGeom>
+          <a:ln w="19050">
+            <a:solidFill>
+              <a:srgbClr val="FF0000"/>
+            </a:solidFill>
+            <a:tailEnd type="triangle"/>
+          </a:ln>
+        </p:spPr>
+        <p:style>
+          <a:lnRef idx="1">
+            <a:schemeClr val="accent1"/>
+          </a:lnRef>
+          <a:fillRef idx="0">
+            <a:schemeClr val="accent1"/>
+          </a:fillRef>
+          <a:effectRef idx="0">
+            <a:schemeClr val="accent1"/>
+          </a:effectRef>
+          <a:fontRef idx="minor">
+            <a:schemeClr val="tx1"/>
+          </a:fontRef>
+        </p:style>
+      </p:cxnSp>
+    </p:spTree>
+    <p:extLst>
+      <p:ext uri="{BB962C8B-B14F-4D97-AF65-F5344CB8AC3E}">
+        <p14:creationId xmlns:p14="http://schemas.microsoft.com/office/powerpoint/2010/main" val="1417368992"/>
+      </p:ext>
+    </p:extLst>
+  </p:cSld>
+  <p:clrMapOvr>
+    <a:masterClrMapping/>
+  </p:clrMapOvr>
+  <p:timing>
+    <p:tnLst>
+      <p:par>
+        <p:cTn id="1" dur="indefinite" restart="never" nodeType="tmRoot">
+          <p:childTnLst>
+            <p:seq concurrent="1" nextAc="seek">
+              <p:cTn id="2" dur="indefinite" nodeType="mainSeq">
+                <p:childTnLst>
+                  <p:par>
+                    <p:cTn id="3" fill="hold">
+                      <p:stCondLst>
+                        <p:cond delay="indefinite"/>
+                        <p:cond evt="onBegin" delay="0">
+                          <p:tn val="2"/>
+                        </p:cond>
+                      </p:stCondLst>
+                      <p:childTnLst>
+                        <p:par>
+                          <p:cTn id="4" fill="hold">
+                            <p:stCondLst>
+                              <p:cond delay="0"/>
+                            </p:stCondLst>
+                            <p:childTnLst>
+                              <p:par>
+                                <p:cTn id="5" presetID="10" presetClass="entr" presetSubtype="0" fill="hold" grpId="0" nodeType="withEffect">
+                                  <p:stCondLst>
+                                    <p:cond delay="1000"/>
+                                  </p:stCondLst>
+                                  <p:childTnLst>
+                                    <p:set>
+                                      <p:cBhvr>
+                                        <p:cTn id="6" dur="1" fill="hold">
+                                          <p:stCondLst>
+                                            <p:cond delay="0"/>
+                                          </p:stCondLst>
+                                        </p:cTn>
+                                        <p:tgtEl>
+                                          <p:spTgt spid="205"/>
+                                        </p:tgtEl>
+                                        <p:attrNameLst>
+                                          <p:attrName>style.visibility</p:attrName>
+                                        </p:attrNameLst>
+                                      </p:cBhvr>
+                                      <p:to>
+                                        <p:strVal val="visible"/>
+                                      </p:to>
+                                    </p:set>
+                                    <p:animEffect transition="in" filter="fade">
+                                      <p:cBhvr>
+                                        <p:cTn id="7" dur="1000"/>
+                                        <p:tgtEl>
+                                          <p:spTgt spid="205"/>
+                                        </p:tgtEl>
+                                      </p:cBhvr>
+                                    </p:animEffect>
+                                  </p:childTnLst>
+                                </p:cTn>
+                              </p:par>
+                            </p:childTnLst>
+                          </p:cTn>
+                        </p:par>
+                        <p:par>
+                          <p:cTn id="8" fill="hold">
+                            <p:stCondLst>
+                              <p:cond delay="2000"/>
+                            </p:stCondLst>
+                            <p:childTnLst>
+                              <p:par>
+                                <p:cTn id="9" presetID="10" presetClass="entr" presetSubtype="0" fill="hold" nodeType="afterEffect">
+                                  <p:stCondLst>
+                                    <p:cond delay="500"/>
+                                  </p:stCondLst>
+                                  <p:childTnLst>
+                                    <p:set>
+                                      <p:cBhvr>
+                                        <p:cTn id="10" dur="1" fill="hold">
+                                          <p:stCondLst>
+                                            <p:cond delay="0"/>
+                                          </p:stCondLst>
+                                        </p:cTn>
+                                        <p:tgtEl>
+                                          <p:spTgt spid="3"/>
+                                        </p:tgtEl>
+                                        <p:attrNameLst>
+                                          <p:attrName>style.visibility</p:attrName>
+                                        </p:attrNameLst>
+                                      </p:cBhvr>
+                                      <p:to>
+                                        <p:strVal val="visible"/>
+                                      </p:to>
+                                    </p:set>
+                                    <p:animEffect transition="in" filter="fade">
+                                      <p:cBhvr>
+                                        <p:cTn id="11" dur="1000"/>
+                                        <p:tgtEl>
+                                          <p:spTgt spid="3"/>
+                                        </p:tgtEl>
+                                      </p:cBhvr>
+                                    </p:animEffect>
+                                  </p:childTnLst>
+                                </p:cTn>
+                              </p:par>
+                            </p:childTnLst>
+                          </p:cTn>
+                        </p:par>
+                        <p:par>
+                          <p:cTn id="12" fill="hold">
+                            <p:stCondLst>
+                              <p:cond delay="3500"/>
+                            </p:stCondLst>
+                            <p:childTnLst>
+                              <p:par>
+                                <p:cTn id="13" presetID="10" presetClass="entr" presetSubtype="0" fill="hold" nodeType="afterEffect">
+                                  <p:stCondLst>
+                                    <p:cond delay="500"/>
+                                  </p:stCondLst>
+                                  <p:childTnLst>
+                                    <p:set>
+                                      <p:cBhvr>
+                                        <p:cTn id="14" dur="1" fill="hold">
+                                          <p:stCondLst>
+                                            <p:cond delay="0"/>
+                                          </p:stCondLst>
+                                        </p:cTn>
+                                        <p:tgtEl>
+                                          <p:spTgt spid="52"/>
+                                        </p:tgtEl>
+                                        <p:attrNameLst>
+                                          <p:attrName>style.visibility</p:attrName>
+                                        </p:attrNameLst>
+                                      </p:cBhvr>
+                                      <p:to>
+                                        <p:strVal val="visible"/>
+                                      </p:to>
+                                    </p:set>
+                                    <p:animEffect transition="in" filter="fade">
+                                      <p:cBhvr>
+                                        <p:cTn id="15" dur="1000"/>
+                                        <p:tgtEl>
+                                          <p:spTgt spid="52"/>
+                                        </p:tgtEl>
+                                      </p:cBhvr>
+                                    </p:animEffect>
+                                  </p:childTnLst>
+                                </p:cTn>
+                              </p:par>
+                            </p:childTnLst>
+                          </p:cTn>
+                        </p:par>
+                        <p:par>
+                          <p:cTn id="16" fill="hold">
+                            <p:stCondLst>
+                              <p:cond delay="5000"/>
+                            </p:stCondLst>
+                            <p:childTnLst>
+                              <p:par>
+                                <p:cTn id="17" presetID="10" presetClass="entr" presetSubtype="0" fill="hold" nodeType="afterEffect">
+                                  <p:stCondLst>
+                                    <p:cond delay="500"/>
+                                  </p:stCondLst>
+                                  <p:childTnLst>
+                                    <p:set>
+                                      <p:cBhvr>
+                                        <p:cTn id="18" dur="1" fill="hold">
+                                          <p:stCondLst>
+                                            <p:cond delay="0"/>
+                                          </p:stCondLst>
+                                        </p:cTn>
+                                        <p:tgtEl>
+                                          <p:spTgt spid="30"/>
+                                        </p:tgtEl>
+                                        <p:attrNameLst>
+                                          <p:attrName>style.visibility</p:attrName>
+                                        </p:attrNameLst>
+                                      </p:cBhvr>
+                                      <p:to>
+                                        <p:strVal val="visible"/>
+                                      </p:to>
+                                    </p:set>
+                                    <p:animEffect transition="in" filter="fade">
+                                      <p:cBhvr>
+                                        <p:cTn id="19" dur="1000"/>
+                                        <p:tgtEl>
+                                          <p:spTgt spid="30"/>
+                                        </p:tgtEl>
+                                      </p:cBhvr>
+                                    </p:animEffect>
+                                  </p:childTnLst>
+                                </p:cTn>
+                              </p:par>
+                            </p:childTnLst>
+                          </p:cTn>
+                        </p:par>
+                      </p:childTnLst>
+                    </p:cTn>
+                  </p:par>
+                </p:childTnLst>
+              </p:cTn>
+              <p:prevCondLst>
+                <p:cond evt="onPrev" delay="0">
+                  <p:tgtEl>
+                    <p:sldTgt/>
+                  </p:tgtEl>
+                </p:cond>
+              </p:prevCondLst>
+              <p:nextCondLst>
+                <p:cond evt="onNext" delay="0">
+                  <p:tgtEl>
+                    <p:sldTgt/>
+                  </p:tgtEl>
+                </p:cond>
+              </p:nextCondLst>
+            </p:seq>
+          </p:childTnLst>
+        </p:cTn>
+      </p:par>
+    </p:tnLst>
+    <p:bldLst>
+      <p:bldP spid="205" grpId="0"/>
+    </p:bldLst>
+  </p:timing>
+</p:sld>
+</file>
+
+<file path=ppt/slides/slide3.xml><?xml version="1.0" encoding="utf-8"?>
+<p:sld xmlns:a="http://schemas.openxmlformats.org/drawingml/2006/main" xmlns:r="http://schemas.openxmlformats.org/officeDocument/2006/relationships" xmlns:p="http://schemas.openxmlformats.org/presentationml/2006/main">
+  <p:cSld>
+    <p:spTree>
+      <p:nvGrpSpPr>
+        <p:cNvPr id="1" name=""/>
+        <p:cNvGrpSpPr/>
+        <p:nvPr/>
+      </p:nvGrpSpPr>
+      <p:grpSpPr>
+        <a:xfrm>
+          <a:off x="0" y="0"/>
+          <a:ext cx="0" cy="0"/>
+          <a:chOff x="0" y="0"/>
+          <a:chExt cx="0" cy="0"/>
+        </a:xfrm>
+      </p:grpSpPr>
+      <p:sp>
+        <p:nvSpPr>
+          <p:cNvPr id="37" name="矩形 36"/>
+          <p:cNvSpPr/>
+          <p:nvPr/>
+        </p:nvSpPr>
+        <p:spPr>
+          <a:xfrm>
+            <a:off x="2282474" y="3817248"/>
+            <a:ext cx="1210588" cy="584775"/>
+          </a:xfrm>
+          <a:prstGeom prst="rect">
+            <a:avLst/>
+          </a:prstGeom>
+        </p:spPr>
+        <p:txBody>
+          <a:bodyPr wrap="none">
+            <a:spAutoFit/>
+          </a:bodyPr>
+          <a:lstStyle/>
+          <a:p>
+            <a:r>
+              <a:rPr lang="en-US" altLang="zh-CN" sz="3200" dirty="0">
+                <a:latin typeface="Times New Roman" panose="02020603050405020304" pitchFamily="18" charset="0"/>
+                <a:cs typeface="Times New Roman" panose="02020603050405020304" pitchFamily="18" charset="0"/>
+              </a:rPr>
+              <a:t>child1</a:t>
+            </a:r>
+            <a:endParaRPr lang="zh-CN" altLang="en-US" sz="3200" dirty="0">
+              <a:latin typeface="Times New Roman" panose="02020603050405020304" pitchFamily="18" charset="0"/>
+              <a:cs typeface="Times New Roman" panose="02020603050405020304" pitchFamily="18" charset="0"/>
+            </a:endParaRPr>
+          </a:p>
+        </p:txBody>
+      </p:sp>
+      <p:sp>
+        <p:nvSpPr>
+          <p:cNvPr id="40" name="矩形 39"/>
+          <p:cNvSpPr/>
+          <p:nvPr/>
+        </p:nvSpPr>
+        <p:spPr>
+          <a:xfrm>
+            <a:off x="4184348" y="3846385"/>
+            <a:ext cx="716175" cy="515259"/>
+          </a:xfrm>
+          <a:prstGeom prst="rect">
+            <a:avLst/>
+          </a:prstGeom>
+          <a:solidFill>
+            <a:srgbClr val="00B0F0"/>
+          </a:solidFill>
+          <a:ln w="6350">
+            <a:solidFill>
+              <a:schemeClr val="tx1"/>
+            </a:solidFill>
+          </a:ln>
+        </p:spPr>
+        <p:style>
+          <a:lnRef idx="2">
+            <a:schemeClr val="accent1">
+              <a:shade val="50000"/>
+            </a:schemeClr>
+          </a:lnRef>
+          <a:fillRef idx="1">
+            <a:schemeClr val="accent1"/>
+          </a:fillRef>
+          <a:effectRef idx="0">
+            <a:schemeClr val="accent1"/>
+          </a:effectRef>
+          <a:fontRef idx="minor">
+            <a:schemeClr val="lt1"/>
+          </a:fontRef>
+        </p:style>
+        <p:txBody>
+          <a:bodyPr rtlCol="0" anchor="ctr"/>
+          <a:lstStyle/>
+          <a:p>
+            <a:pPr algn="ctr"/>
+            <a:r>
+              <a:rPr lang="en-US" altLang="zh-CN" sz="3200" dirty="0">
+                <a:solidFill>
+                  <a:sysClr val="windowText" lastClr="000000"/>
+                </a:solidFill>
+                <a:latin typeface="Times New Roman" panose="02020603050405020304" pitchFamily="18" charset="0"/>
+                <a:cs typeface="Times New Roman" panose="02020603050405020304" pitchFamily="18" charset="0"/>
+              </a:rPr>
+              <a:t>3</a:t>
+            </a:r>
+            <a:endParaRPr lang="zh-CN" altLang="en-US" sz="3200" dirty="0">
+              <a:solidFill>
+                <a:sysClr val="windowText" lastClr="000000"/>
+              </a:solidFill>
+              <a:latin typeface="Times New Roman" panose="02020603050405020304" pitchFamily="18" charset="0"/>
+              <a:cs typeface="Times New Roman" panose="02020603050405020304" pitchFamily="18" charset="0"/>
+            </a:endParaRPr>
+          </a:p>
+        </p:txBody>
+      </p:sp>
+      <p:sp>
+        <p:nvSpPr>
+          <p:cNvPr id="50" name="矩形 49"/>
+          <p:cNvSpPr/>
+          <p:nvPr/>
+        </p:nvSpPr>
+        <p:spPr>
+          <a:xfrm>
+            <a:off x="6334703" y="3850094"/>
+            <a:ext cx="716175" cy="515259"/>
+          </a:xfrm>
+          <a:prstGeom prst="rect">
+            <a:avLst/>
+          </a:prstGeom>
+          <a:solidFill>
+            <a:srgbClr val="00B0F0"/>
+          </a:solidFill>
+          <a:ln w="6350">
+            <a:solidFill>
+              <a:schemeClr val="tx1"/>
+            </a:solidFill>
+          </a:ln>
+        </p:spPr>
+        <p:style>
+          <a:lnRef idx="2">
+            <a:schemeClr val="accent1">
+              <a:shade val="50000"/>
+            </a:schemeClr>
+          </a:lnRef>
+          <a:fillRef idx="1">
+            <a:schemeClr val="accent1"/>
+          </a:fillRef>
+          <a:effectRef idx="0">
+            <a:schemeClr val="accent1"/>
+          </a:effectRef>
+          <a:fontRef idx="minor">
+            <a:schemeClr val="lt1"/>
+          </a:fontRef>
+        </p:style>
+        <p:txBody>
+          <a:bodyPr rtlCol="0" anchor="ctr"/>
+          <a:lstStyle/>
+          <a:p>
+            <a:pPr algn="ctr"/>
+            <a:r>
+              <a:rPr lang="en-US" altLang="zh-CN" sz="3200" dirty="0">
+                <a:solidFill>
+                  <a:sysClr val="windowText" lastClr="000000"/>
+                </a:solidFill>
+                <a:latin typeface="Times New Roman" panose="02020603050405020304" pitchFamily="18" charset="0"/>
+                <a:cs typeface="Times New Roman" panose="02020603050405020304" pitchFamily="18" charset="0"/>
+              </a:rPr>
+              <a:t>1</a:t>
+            </a:r>
+            <a:endParaRPr lang="zh-CN" altLang="en-US" sz="3200" dirty="0">
+              <a:solidFill>
+                <a:sysClr val="windowText" lastClr="000000"/>
+              </a:solidFill>
+              <a:latin typeface="Times New Roman" panose="02020603050405020304" pitchFamily="18" charset="0"/>
+              <a:cs typeface="Times New Roman" panose="02020603050405020304" pitchFamily="18" charset="0"/>
+            </a:endParaRPr>
+          </a:p>
+        </p:txBody>
+      </p:sp>
+      <p:sp>
+        <p:nvSpPr>
+          <p:cNvPr id="56" name="矩形 55"/>
+          <p:cNvSpPr/>
+          <p:nvPr/>
+        </p:nvSpPr>
+        <p:spPr>
+          <a:xfrm>
+            <a:off x="7055535" y="3850094"/>
+            <a:ext cx="716175" cy="515259"/>
+          </a:xfrm>
+          <a:prstGeom prst="rect">
+            <a:avLst/>
+          </a:prstGeom>
+          <a:solidFill>
+            <a:srgbClr val="00B0F0"/>
+          </a:solidFill>
+          <a:ln w="6350">
+            <a:solidFill>
+              <a:schemeClr val="tx1"/>
+            </a:solidFill>
+          </a:ln>
+        </p:spPr>
+        <p:style>
+          <a:lnRef idx="2">
+            <a:schemeClr val="accent1">
+              <a:shade val="50000"/>
+            </a:schemeClr>
+          </a:lnRef>
+          <a:fillRef idx="1">
+            <a:schemeClr val="accent1"/>
+          </a:fillRef>
+          <a:effectRef idx="0">
+            <a:schemeClr val="accent1"/>
+          </a:effectRef>
+          <a:fontRef idx="minor">
+            <a:schemeClr val="lt1"/>
+          </a:fontRef>
+        </p:style>
+        <p:txBody>
+          <a:bodyPr rtlCol="0" anchor="ctr"/>
+          <a:lstStyle/>
+          <a:p>
+            <a:pPr algn="ctr"/>
+            <a:r>
+              <a:rPr lang="en-US" altLang="zh-CN" sz="3200" dirty="0">
+                <a:solidFill>
+                  <a:sysClr val="windowText" lastClr="000000"/>
+                </a:solidFill>
+                <a:latin typeface="Times New Roman" panose="02020603050405020304" pitchFamily="18" charset="0"/>
+                <a:cs typeface="Times New Roman" panose="02020603050405020304" pitchFamily="18" charset="0"/>
+              </a:rPr>
+              <a:t>7</a:t>
+            </a:r>
+            <a:endParaRPr lang="zh-CN" altLang="en-US" sz="3200" dirty="0">
+              <a:solidFill>
+                <a:sysClr val="windowText" lastClr="000000"/>
+              </a:solidFill>
+              <a:latin typeface="Times New Roman" panose="02020603050405020304" pitchFamily="18" charset="0"/>
+              <a:cs typeface="Times New Roman" panose="02020603050405020304" pitchFamily="18" charset="0"/>
+            </a:endParaRPr>
+          </a:p>
+        </p:txBody>
+      </p:sp>
+      <p:sp>
+        <p:nvSpPr>
+          <p:cNvPr id="57" name="矩形 56"/>
+          <p:cNvSpPr/>
+          <p:nvPr/>
+        </p:nvSpPr>
+        <p:spPr>
+          <a:xfrm>
+            <a:off x="9207091" y="3851146"/>
+            <a:ext cx="716175" cy="515259"/>
+          </a:xfrm>
+          <a:prstGeom prst="rect">
+            <a:avLst/>
+          </a:prstGeom>
+          <a:solidFill>
+            <a:srgbClr val="00B0F0"/>
+          </a:solidFill>
+          <a:ln w="6350">
+            <a:solidFill>
+              <a:schemeClr val="tx1"/>
+            </a:solidFill>
+          </a:ln>
+        </p:spPr>
+        <p:style>
+          <a:lnRef idx="2">
+            <a:schemeClr val="accent1">
+              <a:shade val="50000"/>
+            </a:schemeClr>
+          </a:lnRef>
+          <a:fillRef idx="1">
+            <a:schemeClr val="accent1"/>
+          </a:fillRef>
+          <a:effectRef idx="0">
+            <a:schemeClr val="accent1"/>
+          </a:effectRef>
+          <a:fontRef idx="minor">
+            <a:schemeClr val="lt1"/>
+          </a:fontRef>
+        </p:style>
+        <p:txBody>
+          <a:bodyPr rtlCol="0" anchor="ctr"/>
+          <a:lstStyle/>
+          <a:p>
+            <a:pPr algn="ctr"/>
+            <a:r>
+              <a:rPr lang="en-US" altLang="zh-CN" sz="3200" dirty="0">
+                <a:solidFill>
+                  <a:sysClr val="windowText" lastClr="000000"/>
+                </a:solidFill>
+                <a:latin typeface="Times New Roman" panose="02020603050405020304" pitchFamily="18" charset="0"/>
+                <a:cs typeface="Times New Roman" panose="02020603050405020304" pitchFamily="18" charset="0"/>
+              </a:rPr>
+              <a:t>6</a:t>
+            </a:r>
+            <a:endParaRPr lang="zh-CN" altLang="en-US" sz="3200" dirty="0">
+              <a:solidFill>
+                <a:sysClr val="windowText" lastClr="000000"/>
+              </a:solidFill>
+              <a:latin typeface="Times New Roman" panose="02020603050405020304" pitchFamily="18" charset="0"/>
+              <a:cs typeface="Times New Roman" panose="02020603050405020304" pitchFamily="18" charset="0"/>
+            </a:endParaRPr>
+          </a:p>
+        </p:txBody>
+      </p:sp>
+      <p:sp>
+        <p:nvSpPr>
+          <p:cNvPr id="54" name="矩形 53"/>
+          <p:cNvSpPr/>
+          <p:nvPr/>
+        </p:nvSpPr>
+        <p:spPr>
+          <a:xfrm>
+            <a:off x="5618528" y="3850094"/>
+            <a:ext cx="713247" cy="515259"/>
+          </a:xfrm>
+          <a:prstGeom prst="rect">
+            <a:avLst/>
+          </a:prstGeom>
+          <a:solidFill>
+            <a:srgbClr val="00B0F0"/>
+          </a:solidFill>
+          <a:ln w="6350">
+            <a:solidFill>
+              <a:schemeClr val="tx1"/>
+            </a:solidFill>
+          </a:ln>
+        </p:spPr>
+        <p:style>
+          <a:lnRef idx="2">
+            <a:schemeClr val="accent1">
+              <a:shade val="50000"/>
+            </a:schemeClr>
+          </a:lnRef>
+          <a:fillRef idx="1">
+            <a:schemeClr val="accent1"/>
+          </a:fillRef>
+          <a:effectRef idx="0">
+            <a:schemeClr val="accent1"/>
+          </a:effectRef>
+          <a:fontRef idx="minor">
+            <a:schemeClr val="lt1"/>
+          </a:fontRef>
+        </p:style>
+        <p:txBody>
+          <a:bodyPr rtlCol="0" anchor="ctr"/>
+          <a:lstStyle/>
+          <a:p>
+            <a:pPr algn="ctr"/>
+            <a:r>
+              <a:rPr lang="en-US" altLang="zh-CN" sz="3200" dirty="0">
+                <a:solidFill>
+                  <a:sysClr val="windowText" lastClr="000000"/>
+                </a:solidFill>
+                <a:latin typeface="Times New Roman" panose="02020603050405020304" pitchFamily="18" charset="0"/>
+                <a:cs typeface="Times New Roman" panose="02020603050405020304" pitchFamily="18" charset="0"/>
+              </a:rPr>
+              <a:t>8</a:t>
+            </a:r>
+            <a:endParaRPr lang="zh-CN" altLang="en-US" sz="3200" dirty="0">
+              <a:solidFill>
+                <a:sysClr val="windowText" lastClr="000000"/>
+              </a:solidFill>
+              <a:latin typeface="Times New Roman" panose="02020603050405020304" pitchFamily="18" charset="0"/>
+              <a:cs typeface="Times New Roman" panose="02020603050405020304" pitchFamily="18" charset="0"/>
+            </a:endParaRPr>
+          </a:p>
+        </p:txBody>
+      </p:sp>
+      <p:sp>
+        <p:nvSpPr>
+          <p:cNvPr id="75" name="矩形 74">
+            <a:extLst>
+              <a:ext uri="{FF2B5EF4-FFF2-40B4-BE49-F238E27FC236}">
+                <a16:creationId xmlns:a16="http://schemas.microsoft.com/office/drawing/2014/main" id="{53C78537-7502-4940-8C77-B06080B7E419}"/>
+              </a:ext>
+            </a:extLst>
+          </p:cNvPr>
+          <p:cNvSpPr/>
+          <p:nvPr/>
+        </p:nvSpPr>
+        <p:spPr>
+          <a:xfrm>
+            <a:off x="4189112" y="2836622"/>
+            <a:ext cx="716175" cy="515259"/>
+          </a:xfrm>
+          <a:prstGeom prst="rect">
+            <a:avLst/>
+          </a:prstGeom>
+          <a:solidFill>
+            <a:srgbClr val="FFC000"/>
+          </a:solidFill>
+          <a:ln w="6350">
+            <a:solidFill>
+              <a:schemeClr val="tx1"/>
+            </a:solidFill>
+          </a:ln>
+        </p:spPr>
+        <p:style>
+          <a:lnRef idx="2">
+            <a:schemeClr val="accent1">
+              <a:shade val="50000"/>
+            </a:schemeClr>
+          </a:lnRef>
+          <a:fillRef idx="1">
+            <a:schemeClr val="accent1"/>
+          </a:fillRef>
+          <a:effectRef idx="0">
+            <a:schemeClr val="accent1"/>
+          </a:effectRef>
+          <a:fontRef idx="minor">
+            <a:schemeClr val="lt1"/>
+          </a:fontRef>
+        </p:style>
+        <p:txBody>
+          <a:bodyPr rtlCol="0" anchor="ctr"/>
+          <a:lstStyle/>
+          <a:p>
+            <a:pPr algn="ctr"/>
+            <a:r>
+              <a:rPr lang="en-US" altLang="zh-CN" sz="3200" dirty="0">
+                <a:solidFill>
+                  <a:sysClr val="windowText" lastClr="000000"/>
+                </a:solidFill>
+                <a:latin typeface="Times New Roman" panose="02020603050405020304" pitchFamily="18" charset="0"/>
+                <a:cs typeface="Times New Roman" panose="02020603050405020304" pitchFamily="18" charset="0"/>
+              </a:rPr>
+              <a:t>1</a:t>
+            </a:r>
+            <a:endParaRPr lang="zh-CN" altLang="en-US" sz="3200" dirty="0">
+              <a:solidFill>
+                <a:sysClr val="windowText" lastClr="000000"/>
+              </a:solidFill>
+              <a:latin typeface="Times New Roman" panose="02020603050405020304" pitchFamily="18" charset="0"/>
+              <a:cs typeface="Times New Roman" panose="02020603050405020304" pitchFamily="18" charset="0"/>
+            </a:endParaRPr>
+          </a:p>
+        </p:txBody>
+      </p:sp>
+      <p:sp>
+        <p:nvSpPr>
+          <p:cNvPr id="76" name="矩形 75">
+            <a:extLst>
+              <a:ext uri="{FF2B5EF4-FFF2-40B4-BE49-F238E27FC236}">
+                <a16:creationId xmlns:a16="http://schemas.microsoft.com/office/drawing/2014/main" id="{B02ED254-9580-4B04-A2A1-EE8B3F809F8C}"/>
+              </a:ext>
+            </a:extLst>
+          </p:cNvPr>
+          <p:cNvSpPr/>
+          <p:nvPr/>
+        </p:nvSpPr>
+        <p:spPr>
+          <a:xfrm>
+            <a:off x="2095256" y="2836622"/>
+            <a:ext cx="1518364" cy="584776"/>
+          </a:xfrm>
+          <a:prstGeom prst="rect">
+            <a:avLst/>
+          </a:prstGeom>
+        </p:spPr>
+        <p:txBody>
+          <a:bodyPr wrap="none">
+            <a:spAutoFit/>
+          </a:bodyPr>
+          <a:lstStyle/>
+          <a:p>
+            <a:r>
+              <a:rPr lang="zh-CN" altLang="en-US" sz="3200" dirty="0">
+                <a:latin typeface="Times New Roman" panose="02020603050405020304" pitchFamily="18" charset="0"/>
+                <a:cs typeface="Times New Roman" panose="02020603050405020304" pitchFamily="18" charset="0"/>
+              </a:rPr>
+              <a:t>parent1 </a:t>
+            </a:r>
+          </a:p>
+        </p:txBody>
+      </p:sp>
+      <p:sp>
+        <p:nvSpPr>
+          <p:cNvPr id="77" name="矩形 76">
+            <a:extLst>
+              <a:ext uri="{FF2B5EF4-FFF2-40B4-BE49-F238E27FC236}">
+                <a16:creationId xmlns:a16="http://schemas.microsoft.com/office/drawing/2014/main" id="{80090357-9819-406B-BEB2-6AE0D3C5B5CE}"/>
+              </a:ext>
+            </a:extLst>
+          </p:cNvPr>
+          <p:cNvSpPr/>
+          <p:nvPr/>
+        </p:nvSpPr>
+        <p:spPr>
+          <a:xfrm>
+            <a:off x="4905286" y="2836622"/>
+            <a:ext cx="716175" cy="515259"/>
+          </a:xfrm>
+          <a:prstGeom prst="rect">
+            <a:avLst/>
+          </a:prstGeom>
+          <a:solidFill>
+            <a:srgbClr val="FFC000"/>
+          </a:solidFill>
+          <a:ln w="6350">
+            <a:solidFill>
+              <a:schemeClr val="tx1"/>
+            </a:solidFill>
+          </a:ln>
+        </p:spPr>
+        <p:style>
+          <a:lnRef idx="2">
+            <a:schemeClr val="accent1">
+              <a:shade val="50000"/>
+            </a:schemeClr>
+          </a:lnRef>
+          <a:fillRef idx="1">
+            <a:schemeClr val="accent1"/>
+          </a:fillRef>
+          <a:effectRef idx="0">
+            <a:schemeClr val="accent1"/>
+          </a:effectRef>
+          <a:fontRef idx="minor">
+            <a:schemeClr val="lt1"/>
+          </a:fontRef>
+        </p:style>
+        <p:txBody>
+          <a:bodyPr rtlCol="0" anchor="ctr"/>
+          <a:lstStyle/>
+          <a:p>
+            <a:pPr algn="ctr"/>
+            <a:r>
+              <a:rPr lang="en-US" altLang="zh-CN" sz="3200" dirty="0">
+                <a:solidFill>
+                  <a:sysClr val="windowText" lastClr="000000"/>
+                </a:solidFill>
+                <a:latin typeface="Times New Roman" panose="02020603050405020304" pitchFamily="18" charset="0"/>
+                <a:cs typeface="Times New Roman" panose="02020603050405020304" pitchFamily="18" charset="0"/>
+              </a:rPr>
+              <a:t>2</a:t>
+            </a:r>
+            <a:endParaRPr lang="zh-CN" altLang="en-US" sz="3200" dirty="0">
+              <a:solidFill>
+                <a:sysClr val="windowText" lastClr="000000"/>
+              </a:solidFill>
+              <a:latin typeface="Times New Roman" panose="02020603050405020304" pitchFamily="18" charset="0"/>
+              <a:cs typeface="Times New Roman" panose="02020603050405020304" pitchFamily="18" charset="0"/>
+            </a:endParaRPr>
+          </a:p>
+        </p:txBody>
+      </p:sp>
+      <p:sp>
+        <p:nvSpPr>
+          <p:cNvPr id="78" name="矩形 77">
+            <a:extLst>
+              <a:ext uri="{FF2B5EF4-FFF2-40B4-BE49-F238E27FC236}">
+                <a16:creationId xmlns:a16="http://schemas.microsoft.com/office/drawing/2014/main" id="{8B0FACA1-E061-4852-8C5F-C833D7B0DD87}"/>
+              </a:ext>
+            </a:extLst>
+          </p:cNvPr>
+          <p:cNvSpPr/>
+          <p:nvPr/>
+        </p:nvSpPr>
+        <p:spPr>
+          <a:xfrm>
+            <a:off x="5621461" y="2836622"/>
+            <a:ext cx="716175" cy="515259"/>
+          </a:xfrm>
+          <a:prstGeom prst="rect">
+            <a:avLst/>
+          </a:prstGeom>
+          <a:solidFill>
+            <a:srgbClr val="FFC000"/>
+          </a:solidFill>
+          <a:ln w="6350">
+            <a:solidFill>
+              <a:schemeClr val="tx1"/>
+            </a:solidFill>
+          </a:ln>
+        </p:spPr>
+        <p:style>
+          <a:lnRef idx="2">
+            <a:schemeClr val="accent1">
+              <a:shade val="50000"/>
+            </a:schemeClr>
+          </a:lnRef>
+          <a:fillRef idx="1">
+            <a:schemeClr val="accent1"/>
+          </a:fillRef>
+          <a:effectRef idx="0">
+            <a:schemeClr val="accent1"/>
+          </a:effectRef>
+          <a:fontRef idx="minor">
+            <a:schemeClr val="lt1"/>
+          </a:fontRef>
+        </p:style>
+        <p:txBody>
+          <a:bodyPr rtlCol="0" anchor="ctr"/>
+          <a:lstStyle/>
+          <a:p>
+            <a:pPr algn="ctr"/>
+            <a:r>
+              <a:rPr lang="en-US" altLang="zh-CN" sz="3200" dirty="0">
+                <a:solidFill>
+                  <a:sysClr val="windowText" lastClr="000000"/>
+                </a:solidFill>
+                <a:latin typeface="Times New Roman" panose="02020603050405020304" pitchFamily="18" charset="0"/>
+                <a:cs typeface="Times New Roman" panose="02020603050405020304" pitchFamily="18" charset="0"/>
+              </a:rPr>
+              <a:t>3</a:t>
+            </a:r>
+            <a:endParaRPr lang="zh-CN" altLang="en-US" sz="3200" dirty="0">
+              <a:solidFill>
+                <a:sysClr val="windowText" lastClr="000000"/>
+              </a:solidFill>
+              <a:latin typeface="Times New Roman" panose="02020603050405020304" pitchFamily="18" charset="0"/>
+              <a:cs typeface="Times New Roman" panose="02020603050405020304" pitchFamily="18" charset="0"/>
+            </a:endParaRPr>
+          </a:p>
+        </p:txBody>
+      </p:sp>
+      <p:sp>
+        <p:nvSpPr>
+          <p:cNvPr id="79" name="矩形 78">
+            <a:extLst>
+              <a:ext uri="{FF2B5EF4-FFF2-40B4-BE49-F238E27FC236}">
+                <a16:creationId xmlns:a16="http://schemas.microsoft.com/office/drawing/2014/main" id="{5BB18912-0957-4600-A571-C2AD3237386F}"/>
+              </a:ext>
+            </a:extLst>
+          </p:cNvPr>
+          <p:cNvSpPr/>
+          <p:nvPr/>
+        </p:nvSpPr>
+        <p:spPr>
+          <a:xfrm>
+            <a:off x="6337636" y="2836622"/>
+            <a:ext cx="716175" cy="515259"/>
+          </a:xfrm>
+          <a:prstGeom prst="rect">
+            <a:avLst/>
+          </a:prstGeom>
+          <a:solidFill>
+            <a:srgbClr val="FFC000"/>
+          </a:solidFill>
+          <a:ln w="6350">
+            <a:solidFill>
+              <a:schemeClr val="tx1"/>
+            </a:solidFill>
+          </a:ln>
+        </p:spPr>
+        <p:style>
+          <a:lnRef idx="2">
+            <a:schemeClr val="accent1">
+              <a:shade val="50000"/>
+            </a:schemeClr>
+          </a:lnRef>
+          <a:fillRef idx="1">
+            <a:schemeClr val="accent1"/>
+          </a:fillRef>
+          <a:effectRef idx="0">
+            <a:schemeClr val="accent1"/>
+          </a:effectRef>
+          <a:fontRef idx="minor">
+            <a:schemeClr val="lt1"/>
+          </a:fontRef>
+        </p:style>
+        <p:txBody>
+          <a:bodyPr rtlCol="0" anchor="ctr"/>
+          <a:lstStyle/>
+          <a:p>
+            <a:pPr algn="ctr"/>
+            <a:r>
+              <a:rPr lang="en-US" altLang="zh-CN" sz="3200" dirty="0">
+                <a:solidFill>
+                  <a:sysClr val="windowText" lastClr="000000"/>
+                </a:solidFill>
+                <a:latin typeface="Times New Roman" panose="02020603050405020304" pitchFamily="18" charset="0"/>
+                <a:cs typeface="Times New Roman" panose="02020603050405020304" pitchFamily="18" charset="0"/>
+              </a:rPr>
+              <a:t>4</a:t>
+            </a:r>
+            <a:endParaRPr lang="zh-CN" altLang="en-US" sz="3200" dirty="0">
+              <a:solidFill>
+                <a:sysClr val="windowText" lastClr="000000"/>
+              </a:solidFill>
+              <a:latin typeface="Times New Roman" panose="02020603050405020304" pitchFamily="18" charset="0"/>
+              <a:cs typeface="Times New Roman" panose="02020603050405020304" pitchFamily="18" charset="0"/>
+            </a:endParaRPr>
+          </a:p>
+        </p:txBody>
+      </p:sp>
+      <p:sp>
+        <p:nvSpPr>
+          <p:cNvPr id="80" name="矩形 79">
+            <a:extLst>
+              <a:ext uri="{FF2B5EF4-FFF2-40B4-BE49-F238E27FC236}">
+                <a16:creationId xmlns:a16="http://schemas.microsoft.com/office/drawing/2014/main" id="{C20BF5CB-6868-4EEF-BD1C-2CE814C06BCF}"/>
+              </a:ext>
+            </a:extLst>
+          </p:cNvPr>
+          <p:cNvSpPr/>
+          <p:nvPr/>
+        </p:nvSpPr>
+        <p:spPr>
+          <a:xfrm>
+            <a:off x="7053810" y="2836622"/>
+            <a:ext cx="716175" cy="515259"/>
+          </a:xfrm>
+          <a:prstGeom prst="rect">
+            <a:avLst/>
+          </a:prstGeom>
+          <a:solidFill>
+            <a:srgbClr val="FFC000"/>
+          </a:solidFill>
+          <a:ln w="6350">
+            <a:solidFill>
+              <a:schemeClr val="tx1"/>
+            </a:solidFill>
+          </a:ln>
+        </p:spPr>
+        <p:style>
+          <a:lnRef idx="2">
+            <a:schemeClr val="accent1">
+              <a:shade val="50000"/>
+            </a:schemeClr>
+          </a:lnRef>
+          <a:fillRef idx="1">
+            <a:schemeClr val="accent1"/>
+          </a:fillRef>
+          <a:effectRef idx="0">
+            <a:schemeClr val="accent1"/>
+          </a:effectRef>
+          <a:fontRef idx="minor">
+            <a:schemeClr val="lt1"/>
+          </a:fontRef>
+        </p:style>
+        <p:txBody>
+          <a:bodyPr rtlCol="0" anchor="ctr"/>
+          <a:lstStyle/>
+          <a:p>
+            <a:pPr algn="ctr"/>
+            <a:r>
+              <a:rPr lang="en-US" altLang="zh-CN" sz="3200" dirty="0">
+                <a:solidFill>
+                  <a:sysClr val="windowText" lastClr="000000"/>
+                </a:solidFill>
+                <a:latin typeface="Times New Roman" panose="02020603050405020304" pitchFamily="18" charset="0"/>
+                <a:cs typeface="Times New Roman" panose="02020603050405020304" pitchFamily="18" charset="0"/>
+              </a:rPr>
+              <a:t>5</a:t>
+            </a:r>
+            <a:endParaRPr lang="zh-CN" altLang="en-US" sz="3200" dirty="0">
+              <a:solidFill>
+                <a:sysClr val="windowText" lastClr="000000"/>
+              </a:solidFill>
+              <a:latin typeface="Times New Roman" panose="02020603050405020304" pitchFamily="18" charset="0"/>
+              <a:cs typeface="Times New Roman" panose="02020603050405020304" pitchFamily="18" charset="0"/>
+            </a:endParaRPr>
+          </a:p>
+        </p:txBody>
+      </p:sp>
+      <p:sp>
+        <p:nvSpPr>
+          <p:cNvPr id="81" name="矩形 80">
+            <a:extLst>
+              <a:ext uri="{FF2B5EF4-FFF2-40B4-BE49-F238E27FC236}">
+                <a16:creationId xmlns:a16="http://schemas.microsoft.com/office/drawing/2014/main" id="{824BF6FE-0334-4D7C-ADE2-A098C61CA294}"/>
+              </a:ext>
+            </a:extLst>
+          </p:cNvPr>
+          <p:cNvSpPr/>
+          <p:nvPr/>
+        </p:nvSpPr>
+        <p:spPr>
+          <a:xfrm>
+            <a:off x="7769985" y="2836622"/>
+            <a:ext cx="716175" cy="515259"/>
+          </a:xfrm>
+          <a:prstGeom prst="rect">
+            <a:avLst/>
+          </a:prstGeom>
+          <a:solidFill>
+            <a:srgbClr val="FFC000"/>
+          </a:solidFill>
+          <a:ln w="6350">
+            <a:solidFill>
+              <a:schemeClr val="tx1"/>
+            </a:solidFill>
+          </a:ln>
+        </p:spPr>
+        <p:style>
+          <a:lnRef idx="2">
+            <a:schemeClr val="accent1">
+              <a:shade val="50000"/>
+            </a:schemeClr>
+          </a:lnRef>
+          <a:fillRef idx="1">
+            <a:schemeClr val="accent1"/>
+          </a:fillRef>
+          <a:effectRef idx="0">
+            <a:schemeClr val="accent1"/>
+          </a:effectRef>
+          <a:fontRef idx="minor">
+            <a:schemeClr val="lt1"/>
+          </a:fontRef>
+        </p:style>
+        <p:txBody>
+          <a:bodyPr rtlCol="0" anchor="ctr"/>
+          <a:lstStyle/>
+          <a:p>
+            <a:pPr algn="ctr"/>
+            <a:r>
+              <a:rPr lang="en-US" altLang="zh-CN" sz="3200" dirty="0">
+                <a:solidFill>
+                  <a:sysClr val="windowText" lastClr="000000"/>
+                </a:solidFill>
+                <a:latin typeface="Times New Roman" panose="02020603050405020304" pitchFamily="18" charset="0"/>
+                <a:cs typeface="Times New Roman" panose="02020603050405020304" pitchFamily="18" charset="0"/>
+              </a:rPr>
+              <a:t>6</a:t>
+            </a:r>
+            <a:endParaRPr lang="zh-CN" altLang="en-US" sz="3200" dirty="0">
+              <a:solidFill>
+                <a:sysClr val="windowText" lastClr="000000"/>
+              </a:solidFill>
+              <a:latin typeface="Times New Roman" panose="02020603050405020304" pitchFamily="18" charset="0"/>
+              <a:cs typeface="Times New Roman" panose="02020603050405020304" pitchFamily="18" charset="0"/>
+            </a:endParaRPr>
+          </a:p>
+        </p:txBody>
+      </p:sp>
+      <p:sp>
+        <p:nvSpPr>
+          <p:cNvPr id="82" name="矩形 81">
+            <a:extLst>
+              <a:ext uri="{FF2B5EF4-FFF2-40B4-BE49-F238E27FC236}">
+                <a16:creationId xmlns:a16="http://schemas.microsoft.com/office/drawing/2014/main" id="{D99B39D6-BF9C-4A6F-A179-7E843F8682C1}"/>
+              </a:ext>
+            </a:extLst>
+          </p:cNvPr>
+          <p:cNvSpPr/>
+          <p:nvPr/>
+        </p:nvSpPr>
+        <p:spPr>
+          <a:xfrm>
+            <a:off x="8486160" y="2836622"/>
+            <a:ext cx="716175" cy="515259"/>
+          </a:xfrm>
+          <a:prstGeom prst="rect">
+            <a:avLst/>
+          </a:prstGeom>
+          <a:solidFill>
+            <a:srgbClr val="FFC000"/>
+          </a:solidFill>
+          <a:ln w="6350">
+            <a:solidFill>
+              <a:schemeClr val="tx1"/>
+            </a:solidFill>
+          </a:ln>
+        </p:spPr>
+        <p:style>
+          <a:lnRef idx="2">
+            <a:schemeClr val="accent1">
+              <a:shade val="50000"/>
+            </a:schemeClr>
+          </a:lnRef>
+          <a:fillRef idx="1">
+            <a:schemeClr val="accent1"/>
+          </a:fillRef>
+          <a:effectRef idx="0">
+            <a:schemeClr val="accent1"/>
+          </a:effectRef>
+          <a:fontRef idx="minor">
+            <a:schemeClr val="lt1"/>
+          </a:fontRef>
+        </p:style>
+        <p:txBody>
+          <a:bodyPr rtlCol="0" anchor="ctr"/>
+          <a:lstStyle/>
+          <a:p>
+            <a:pPr algn="ctr"/>
+            <a:r>
+              <a:rPr lang="en-US" altLang="zh-CN" sz="3200" dirty="0">
+                <a:solidFill>
+                  <a:sysClr val="windowText" lastClr="000000"/>
+                </a:solidFill>
+                <a:latin typeface="Times New Roman" panose="02020603050405020304" pitchFamily="18" charset="0"/>
+                <a:cs typeface="Times New Roman" panose="02020603050405020304" pitchFamily="18" charset="0"/>
+              </a:rPr>
+              <a:t>7</a:t>
+            </a:r>
+            <a:endParaRPr lang="zh-CN" altLang="en-US" sz="3200" dirty="0">
+              <a:solidFill>
+                <a:sysClr val="windowText" lastClr="000000"/>
+              </a:solidFill>
+              <a:latin typeface="Times New Roman" panose="02020603050405020304" pitchFamily="18" charset="0"/>
+              <a:cs typeface="Times New Roman" panose="02020603050405020304" pitchFamily="18" charset="0"/>
+            </a:endParaRPr>
+          </a:p>
+        </p:txBody>
+      </p:sp>
+      <p:sp>
+        <p:nvSpPr>
+          <p:cNvPr id="83" name="矩形 82">
+            <a:extLst>
+              <a:ext uri="{FF2B5EF4-FFF2-40B4-BE49-F238E27FC236}">
+                <a16:creationId xmlns:a16="http://schemas.microsoft.com/office/drawing/2014/main" id="{6F921644-C535-438F-9A00-E308E878B211}"/>
+              </a:ext>
+            </a:extLst>
+          </p:cNvPr>
+          <p:cNvSpPr/>
+          <p:nvPr/>
+        </p:nvSpPr>
+        <p:spPr>
+          <a:xfrm>
+            <a:off x="9202334" y="2836622"/>
+            <a:ext cx="716175" cy="515259"/>
+          </a:xfrm>
+          <a:prstGeom prst="rect">
+            <a:avLst/>
+          </a:prstGeom>
+          <a:solidFill>
+            <a:srgbClr val="FFC000"/>
+          </a:solidFill>
+          <a:ln w="6350">
+            <a:solidFill>
+              <a:schemeClr val="tx1"/>
+            </a:solidFill>
+          </a:ln>
+        </p:spPr>
+        <p:style>
+          <a:lnRef idx="2">
+            <a:schemeClr val="accent1">
+              <a:shade val="50000"/>
+            </a:schemeClr>
+          </a:lnRef>
+          <a:fillRef idx="1">
+            <a:schemeClr val="accent1"/>
+          </a:fillRef>
+          <a:effectRef idx="0">
+            <a:schemeClr val="accent1"/>
+          </a:effectRef>
+          <a:fontRef idx="minor">
+            <a:schemeClr val="lt1"/>
+          </a:fontRef>
+        </p:style>
+        <p:txBody>
+          <a:bodyPr rtlCol="0" anchor="ctr"/>
+          <a:lstStyle/>
+          <a:p>
+            <a:pPr algn="ctr"/>
+            <a:r>
+              <a:rPr lang="en-US" altLang="zh-CN" sz="3200" dirty="0">
+                <a:solidFill>
+                  <a:sysClr val="windowText" lastClr="000000"/>
+                </a:solidFill>
+                <a:latin typeface="Times New Roman" panose="02020603050405020304" pitchFamily="18" charset="0"/>
+                <a:cs typeface="Times New Roman" panose="02020603050405020304" pitchFamily="18" charset="0"/>
+              </a:rPr>
+              <a:t>8</a:t>
+            </a:r>
+            <a:endParaRPr lang="zh-CN" altLang="en-US" sz="3200" dirty="0">
+              <a:solidFill>
+                <a:sysClr val="windowText" lastClr="000000"/>
+              </a:solidFill>
+              <a:latin typeface="Times New Roman" panose="02020603050405020304" pitchFamily="18" charset="0"/>
+              <a:cs typeface="Times New Roman" panose="02020603050405020304" pitchFamily="18" charset="0"/>
+            </a:endParaRPr>
+          </a:p>
+        </p:txBody>
+      </p:sp>
+      <p:sp>
+        <p:nvSpPr>
+          <p:cNvPr id="84" name="矩形 83">
+            <a:extLst>
+              <a:ext uri="{FF2B5EF4-FFF2-40B4-BE49-F238E27FC236}">
+                <a16:creationId xmlns:a16="http://schemas.microsoft.com/office/drawing/2014/main" id="{8A66FAAF-CCCE-4E7C-BE81-4E0D0B5E41E2}"/>
+              </a:ext>
+            </a:extLst>
+          </p:cNvPr>
+          <p:cNvSpPr/>
+          <p:nvPr/>
+        </p:nvSpPr>
+        <p:spPr>
+          <a:xfrm>
+            <a:off x="4905286" y="2836622"/>
+            <a:ext cx="716175" cy="515259"/>
+          </a:xfrm>
+          <a:prstGeom prst="rect">
+            <a:avLst/>
+          </a:prstGeom>
+          <a:solidFill>
+            <a:srgbClr val="FFC000"/>
+          </a:solidFill>
+          <a:ln w="6350">
+            <a:solidFill>
+              <a:schemeClr val="tx1"/>
+            </a:solidFill>
+          </a:ln>
+        </p:spPr>
+        <p:style>
+          <a:lnRef idx="2">
+            <a:schemeClr val="accent1">
+              <a:shade val="50000"/>
+            </a:schemeClr>
+          </a:lnRef>
+          <a:fillRef idx="1">
+            <a:schemeClr val="accent1"/>
+          </a:fillRef>
+          <a:effectRef idx="0">
+            <a:schemeClr val="accent1"/>
+          </a:effectRef>
+          <a:fontRef idx="minor">
+            <a:schemeClr val="lt1"/>
+          </a:fontRef>
+        </p:style>
+        <p:txBody>
+          <a:bodyPr rtlCol="0" anchor="ctr"/>
+          <a:lstStyle/>
+          <a:p>
+            <a:pPr algn="ctr"/>
+            <a:r>
+              <a:rPr lang="en-US" altLang="zh-CN" sz="3200" dirty="0">
+                <a:solidFill>
+                  <a:sysClr val="windowText" lastClr="000000"/>
+                </a:solidFill>
+                <a:latin typeface="Times New Roman" panose="02020603050405020304" pitchFamily="18" charset="0"/>
+                <a:cs typeface="Times New Roman" panose="02020603050405020304" pitchFamily="18" charset="0"/>
+              </a:rPr>
+              <a:t>2</a:t>
+            </a:r>
+            <a:endParaRPr lang="zh-CN" altLang="en-US" sz="3200" dirty="0">
+              <a:solidFill>
+                <a:sysClr val="windowText" lastClr="000000"/>
+              </a:solidFill>
+              <a:latin typeface="Times New Roman" panose="02020603050405020304" pitchFamily="18" charset="0"/>
+              <a:cs typeface="Times New Roman" panose="02020603050405020304" pitchFamily="18" charset="0"/>
+            </a:endParaRPr>
+          </a:p>
+        </p:txBody>
+      </p:sp>
+      <p:sp>
+        <p:nvSpPr>
+          <p:cNvPr id="85" name="矩形 84">
+            <a:extLst>
+              <a:ext uri="{FF2B5EF4-FFF2-40B4-BE49-F238E27FC236}">
+                <a16:creationId xmlns:a16="http://schemas.microsoft.com/office/drawing/2014/main" id="{6DA30125-811F-488D-9507-D70C2E8BA0F6}"/>
+              </a:ext>
+            </a:extLst>
+          </p:cNvPr>
+          <p:cNvSpPr/>
+          <p:nvPr/>
+        </p:nvSpPr>
+        <p:spPr>
+          <a:xfrm>
+            <a:off x="5621461" y="2836622"/>
+            <a:ext cx="716175" cy="515259"/>
+          </a:xfrm>
+          <a:prstGeom prst="rect">
+            <a:avLst/>
+          </a:prstGeom>
+          <a:solidFill>
+            <a:srgbClr val="FFC000"/>
+          </a:solidFill>
+          <a:ln w="6350">
+            <a:solidFill>
+              <a:schemeClr val="tx1"/>
+            </a:solidFill>
+          </a:ln>
+        </p:spPr>
+        <p:style>
+          <a:lnRef idx="2">
+            <a:schemeClr val="accent1">
+              <a:shade val="50000"/>
+            </a:schemeClr>
+          </a:lnRef>
+          <a:fillRef idx="1">
+            <a:schemeClr val="accent1"/>
+          </a:fillRef>
+          <a:effectRef idx="0">
+            <a:schemeClr val="accent1"/>
+          </a:effectRef>
+          <a:fontRef idx="minor">
+            <a:schemeClr val="lt1"/>
+          </a:fontRef>
+        </p:style>
+        <p:txBody>
+          <a:bodyPr rtlCol="0" anchor="ctr"/>
+          <a:lstStyle/>
+          <a:p>
+            <a:pPr algn="ctr"/>
+            <a:r>
+              <a:rPr lang="en-US" altLang="zh-CN" sz="3200" dirty="0">
+                <a:solidFill>
+                  <a:sysClr val="windowText" lastClr="000000"/>
+                </a:solidFill>
+                <a:latin typeface="Times New Roman" panose="02020603050405020304" pitchFamily="18" charset="0"/>
+                <a:cs typeface="Times New Roman" panose="02020603050405020304" pitchFamily="18" charset="0"/>
+              </a:rPr>
+              <a:t>3</a:t>
+            </a:r>
+            <a:endParaRPr lang="zh-CN" altLang="en-US" sz="3200" dirty="0">
+              <a:solidFill>
+                <a:sysClr val="windowText" lastClr="000000"/>
+              </a:solidFill>
+              <a:latin typeface="Times New Roman" panose="02020603050405020304" pitchFamily="18" charset="0"/>
+              <a:cs typeface="Times New Roman" panose="02020603050405020304" pitchFamily="18" charset="0"/>
+            </a:endParaRPr>
+          </a:p>
+        </p:txBody>
+      </p:sp>
+      <p:sp>
+        <p:nvSpPr>
+          <p:cNvPr id="86" name="矩形 85">
+            <a:extLst>
+              <a:ext uri="{FF2B5EF4-FFF2-40B4-BE49-F238E27FC236}">
+                <a16:creationId xmlns:a16="http://schemas.microsoft.com/office/drawing/2014/main" id="{73333D30-0144-4E18-B590-48573C51E28D}"/>
+              </a:ext>
+            </a:extLst>
+          </p:cNvPr>
+          <p:cNvSpPr/>
+          <p:nvPr/>
+        </p:nvSpPr>
+        <p:spPr>
+          <a:xfrm>
+            <a:off x="6337636" y="2836622"/>
+            <a:ext cx="716175" cy="515259"/>
+          </a:xfrm>
+          <a:prstGeom prst="rect">
+            <a:avLst/>
+          </a:prstGeom>
+          <a:solidFill>
+            <a:srgbClr val="FFC000"/>
+          </a:solidFill>
+          <a:ln w="6350">
+            <a:solidFill>
+              <a:schemeClr val="tx1"/>
+            </a:solidFill>
+          </a:ln>
+        </p:spPr>
+        <p:style>
+          <a:lnRef idx="2">
+            <a:schemeClr val="accent1">
+              <a:shade val="50000"/>
+            </a:schemeClr>
+          </a:lnRef>
+          <a:fillRef idx="1">
+            <a:schemeClr val="accent1"/>
+          </a:fillRef>
+          <a:effectRef idx="0">
+            <a:schemeClr val="accent1"/>
+          </a:effectRef>
+          <a:fontRef idx="minor">
+            <a:schemeClr val="lt1"/>
+          </a:fontRef>
+        </p:style>
+        <p:txBody>
+          <a:bodyPr rtlCol="0" anchor="ctr"/>
+          <a:lstStyle/>
+          <a:p>
+            <a:pPr algn="ctr"/>
+            <a:r>
+              <a:rPr lang="en-US" altLang="zh-CN" sz="3200" dirty="0">
+                <a:solidFill>
+                  <a:sysClr val="windowText" lastClr="000000"/>
+                </a:solidFill>
+                <a:latin typeface="Times New Roman" panose="02020603050405020304" pitchFamily="18" charset="0"/>
+                <a:cs typeface="Times New Roman" panose="02020603050405020304" pitchFamily="18" charset="0"/>
+              </a:rPr>
+              <a:t>4</a:t>
+            </a:r>
+            <a:endParaRPr lang="zh-CN" altLang="en-US" sz="3200" dirty="0">
+              <a:solidFill>
+                <a:sysClr val="windowText" lastClr="000000"/>
+              </a:solidFill>
+              <a:latin typeface="Times New Roman" panose="02020603050405020304" pitchFamily="18" charset="0"/>
+              <a:cs typeface="Times New Roman" panose="02020603050405020304" pitchFamily="18" charset="0"/>
+            </a:endParaRPr>
+          </a:p>
+        </p:txBody>
+      </p:sp>
+      <p:sp>
+        <p:nvSpPr>
+          <p:cNvPr id="87" name="矩形 86">
+            <a:extLst>
+              <a:ext uri="{FF2B5EF4-FFF2-40B4-BE49-F238E27FC236}">
+                <a16:creationId xmlns:a16="http://schemas.microsoft.com/office/drawing/2014/main" id="{A5D01C31-98D7-4811-AC11-2AB60DEAB5C0}"/>
+              </a:ext>
+            </a:extLst>
+          </p:cNvPr>
+          <p:cNvSpPr/>
+          <p:nvPr/>
+        </p:nvSpPr>
+        <p:spPr>
+          <a:xfrm>
+            <a:off x="7053810" y="2836622"/>
+            <a:ext cx="716175" cy="515259"/>
+          </a:xfrm>
+          <a:prstGeom prst="rect">
+            <a:avLst/>
+          </a:prstGeom>
+          <a:solidFill>
+            <a:srgbClr val="FFC000"/>
+          </a:solidFill>
+          <a:ln w="6350">
+            <a:solidFill>
+              <a:schemeClr val="tx1"/>
+            </a:solidFill>
+          </a:ln>
+        </p:spPr>
+        <p:style>
+          <a:lnRef idx="2">
+            <a:schemeClr val="accent1">
+              <a:shade val="50000"/>
+            </a:schemeClr>
+          </a:lnRef>
+          <a:fillRef idx="1">
+            <a:schemeClr val="accent1"/>
+          </a:fillRef>
+          <a:effectRef idx="0">
+            <a:schemeClr val="accent1"/>
+          </a:effectRef>
+          <a:fontRef idx="minor">
+            <a:schemeClr val="lt1"/>
+          </a:fontRef>
+        </p:style>
+        <p:txBody>
+          <a:bodyPr rtlCol="0" anchor="ctr"/>
+          <a:lstStyle/>
+          <a:p>
+            <a:pPr algn="ctr"/>
+            <a:r>
+              <a:rPr lang="en-US" altLang="zh-CN" sz="3200" dirty="0">
+                <a:solidFill>
+                  <a:sysClr val="windowText" lastClr="000000"/>
+                </a:solidFill>
+                <a:latin typeface="Times New Roman" panose="02020603050405020304" pitchFamily="18" charset="0"/>
+                <a:cs typeface="Times New Roman" panose="02020603050405020304" pitchFamily="18" charset="0"/>
+              </a:rPr>
+              <a:t>5</a:t>
+            </a:r>
+            <a:endParaRPr lang="zh-CN" altLang="en-US" sz="3200" dirty="0">
+              <a:solidFill>
+                <a:sysClr val="windowText" lastClr="000000"/>
+              </a:solidFill>
+              <a:latin typeface="Times New Roman" panose="02020603050405020304" pitchFamily="18" charset="0"/>
+              <a:cs typeface="Times New Roman" panose="02020603050405020304" pitchFamily="18" charset="0"/>
+            </a:endParaRPr>
+          </a:p>
+        </p:txBody>
+      </p:sp>
+      <p:sp>
+        <p:nvSpPr>
+          <p:cNvPr id="88" name="矩形 87">
+            <a:extLst>
+              <a:ext uri="{FF2B5EF4-FFF2-40B4-BE49-F238E27FC236}">
+                <a16:creationId xmlns:a16="http://schemas.microsoft.com/office/drawing/2014/main" id="{3CEC4066-218F-4ED4-8624-4C930FC8BE57}"/>
+              </a:ext>
+            </a:extLst>
+          </p:cNvPr>
+          <p:cNvSpPr/>
+          <p:nvPr/>
+        </p:nvSpPr>
+        <p:spPr>
+          <a:xfrm>
+            <a:off x="4902459" y="3850093"/>
+            <a:ext cx="716175" cy="515259"/>
+          </a:xfrm>
+          <a:prstGeom prst="rect">
+            <a:avLst/>
+          </a:prstGeom>
+          <a:solidFill>
+            <a:srgbClr val="FFC000"/>
+          </a:solidFill>
+          <a:ln w="6350">
+            <a:solidFill>
+              <a:schemeClr val="tx1"/>
+            </a:solidFill>
+          </a:ln>
+        </p:spPr>
+        <p:style>
+          <a:lnRef idx="2">
+            <a:schemeClr val="accent1">
+              <a:shade val="50000"/>
+            </a:schemeClr>
+          </a:lnRef>
+          <a:fillRef idx="1">
+            <a:schemeClr val="accent1"/>
+          </a:fillRef>
+          <a:effectRef idx="0">
+            <a:schemeClr val="accent1"/>
+          </a:effectRef>
+          <a:fontRef idx="minor">
+            <a:schemeClr val="lt1"/>
+          </a:fontRef>
+        </p:style>
+        <p:txBody>
+          <a:bodyPr rtlCol="0" anchor="ctr"/>
+          <a:lstStyle/>
+          <a:p>
+            <a:pPr algn="ctr"/>
+            <a:r>
+              <a:rPr lang="en-US" altLang="zh-CN" sz="3200" dirty="0">
+                <a:solidFill>
+                  <a:sysClr val="windowText" lastClr="000000"/>
+                </a:solidFill>
+                <a:latin typeface="Times New Roman" panose="02020603050405020304" pitchFamily="18" charset="0"/>
+                <a:cs typeface="Times New Roman" panose="02020603050405020304" pitchFamily="18" charset="0"/>
+              </a:rPr>
+              <a:t>2</a:t>
+            </a:r>
+            <a:endParaRPr lang="zh-CN" altLang="en-US" sz="3200" dirty="0">
+              <a:solidFill>
+                <a:sysClr val="windowText" lastClr="000000"/>
+              </a:solidFill>
+              <a:latin typeface="Times New Roman" panose="02020603050405020304" pitchFamily="18" charset="0"/>
+              <a:cs typeface="Times New Roman" panose="02020603050405020304" pitchFamily="18" charset="0"/>
+            </a:endParaRPr>
+          </a:p>
+        </p:txBody>
+      </p:sp>
+      <p:sp>
+        <p:nvSpPr>
+          <p:cNvPr id="89" name="矩形 88">
+            <a:extLst>
+              <a:ext uri="{FF2B5EF4-FFF2-40B4-BE49-F238E27FC236}">
+                <a16:creationId xmlns:a16="http://schemas.microsoft.com/office/drawing/2014/main" id="{8367093B-E86A-4859-BE23-91B6AD5957C4}"/>
+              </a:ext>
+            </a:extLst>
+          </p:cNvPr>
+          <p:cNvSpPr/>
+          <p:nvPr/>
+        </p:nvSpPr>
+        <p:spPr>
+          <a:xfrm>
+            <a:off x="7771919" y="3851013"/>
+            <a:ext cx="716175" cy="515259"/>
+          </a:xfrm>
+          <a:prstGeom prst="rect">
+            <a:avLst/>
+          </a:prstGeom>
+          <a:solidFill>
+            <a:srgbClr val="FFC000"/>
+          </a:solidFill>
+          <a:ln w="6350">
+            <a:solidFill>
+              <a:schemeClr val="tx1"/>
+            </a:solidFill>
+          </a:ln>
+        </p:spPr>
+        <p:style>
+          <a:lnRef idx="2">
+            <a:schemeClr val="accent1">
+              <a:shade val="50000"/>
+            </a:schemeClr>
+          </a:lnRef>
+          <a:fillRef idx="1">
+            <a:schemeClr val="accent1"/>
+          </a:fillRef>
+          <a:effectRef idx="0">
+            <a:schemeClr val="accent1"/>
+          </a:effectRef>
+          <a:fontRef idx="minor">
+            <a:schemeClr val="lt1"/>
+          </a:fontRef>
+        </p:style>
+        <p:txBody>
+          <a:bodyPr rtlCol="0" anchor="ctr"/>
+          <a:lstStyle/>
+          <a:p>
+            <a:pPr algn="ctr"/>
+            <a:r>
+              <a:rPr lang="en-US" altLang="zh-CN" sz="3200" dirty="0">
+                <a:solidFill>
+                  <a:sysClr val="windowText" lastClr="000000"/>
+                </a:solidFill>
+                <a:latin typeface="Times New Roman" panose="02020603050405020304" pitchFamily="18" charset="0"/>
+                <a:cs typeface="Times New Roman" panose="02020603050405020304" pitchFamily="18" charset="0"/>
+              </a:rPr>
+              <a:t>4</a:t>
+            </a:r>
+            <a:endParaRPr lang="zh-CN" altLang="en-US" sz="3200" dirty="0">
+              <a:solidFill>
+                <a:sysClr val="windowText" lastClr="000000"/>
+              </a:solidFill>
+              <a:latin typeface="Times New Roman" panose="02020603050405020304" pitchFamily="18" charset="0"/>
+              <a:cs typeface="Times New Roman" panose="02020603050405020304" pitchFamily="18" charset="0"/>
+            </a:endParaRPr>
+          </a:p>
+        </p:txBody>
+      </p:sp>
+      <p:sp>
+        <p:nvSpPr>
+          <p:cNvPr id="90" name="矩形 89">
+            <a:extLst>
+              <a:ext uri="{FF2B5EF4-FFF2-40B4-BE49-F238E27FC236}">
+                <a16:creationId xmlns:a16="http://schemas.microsoft.com/office/drawing/2014/main" id="{AABC1E70-2B1C-46D2-87AD-7968EDFEC483}"/>
+              </a:ext>
+            </a:extLst>
+          </p:cNvPr>
+          <p:cNvSpPr/>
+          <p:nvPr/>
+        </p:nvSpPr>
+        <p:spPr>
+          <a:xfrm>
+            <a:off x="8488094" y="3851013"/>
+            <a:ext cx="716175" cy="515259"/>
+          </a:xfrm>
+          <a:prstGeom prst="rect">
+            <a:avLst/>
+          </a:prstGeom>
+          <a:solidFill>
+            <a:srgbClr val="FFC000"/>
+          </a:solidFill>
+          <a:ln w="6350">
+            <a:solidFill>
+              <a:schemeClr val="tx1"/>
+            </a:solidFill>
+          </a:ln>
+        </p:spPr>
+        <p:style>
+          <a:lnRef idx="2">
+            <a:schemeClr val="accent1">
+              <a:shade val="50000"/>
+            </a:schemeClr>
+          </a:lnRef>
+          <a:fillRef idx="1">
+            <a:schemeClr val="accent1"/>
+          </a:fillRef>
+          <a:effectRef idx="0">
+            <a:schemeClr val="accent1"/>
+          </a:effectRef>
+          <a:fontRef idx="minor">
+            <a:schemeClr val="lt1"/>
+          </a:fontRef>
+        </p:style>
+        <p:txBody>
+          <a:bodyPr rtlCol="0" anchor="ctr"/>
+          <a:lstStyle/>
+          <a:p>
+            <a:pPr algn="ctr"/>
+            <a:r>
+              <a:rPr lang="en-US" altLang="zh-CN" sz="3200" dirty="0">
+                <a:solidFill>
+                  <a:sysClr val="windowText" lastClr="000000"/>
+                </a:solidFill>
+                <a:latin typeface="Times New Roman" panose="02020603050405020304" pitchFamily="18" charset="0"/>
+                <a:cs typeface="Times New Roman" panose="02020603050405020304" pitchFamily="18" charset="0"/>
+              </a:rPr>
+              <a:t>5</a:t>
+            </a:r>
+            <a:endParaRPr lang="zh-CN" altLang="en-US" sz="3200" dirty="0">
+              <a:solidFill>
+                <a:sysClr val="windowText" lastClr="000000"/>
+              </a:solidFill>
+              <a:latin typeface="Times New Roman" panose="02020603050405020304" pitchFamily="18" charset="0"/>
+              <a:cs typeface="Times New Roman" panose="02020603050405020304" pitchFamily="18" charset="0"/>
+            </a:endParaRPr>
+          </a:p>
+        </p:txBody>
+      </p:sp>
+      <p:cxnSp>
+        <p:nvCxnSpPr>
+          <p:cNvPr id="91" name="直接箭头连接符 90">
+            <a:extLst>
+              <a:ext uri="{FF2B5EF4-FFF2-40B4-BE49-F238E27FC236}">
+                <a16:creationId xmlns:a16="http://schemas.microsoft.com/office/drawing/2014/main" id="{0F67FC1E-8C3C-4682-A532-425815253890}"/>
+              </a:ext>
+            </a:extLst>
+          </p:cNvPr>
+          <p:cNvCxnSpPr>
+            <a:cxnSpLocks/>
+            <a:stCxn id="84" idx="2"/>
+            <a:endCxn id="88" idx="0"/>
+          </p:cNvCxnSpPr>
+          <p:nvPr/>
+        </p:nvCxnSpPr>
+        <p:spPr>
+          <a:xfrm flipH="1">
+            <a:off x="5260547" y="3351881"/>
+            <a:ext cx="2827" cy="498212"/>
+          </a:xfrm>
+          <a:prstGeom prst="straightConnector1">
+            <a:avLst/>
+          </a:prstGeom>
+          <a:ln w="19050">
+            <a:solidFill>
+              <a:srgbClr val="FF0000"/>
+            </a:solidFill>
+            <a:tailEnd type="triangle"/>
+          </a:ln>
+        </p:spPr>
+        <p:style>
+          <a:lnRef idx="1">
+            <a:schemeClr val="accent1"/>
+          </a:lnRef>
+          <a:fillRef idx="0">
+            <a:schemeClr val="accent1"/>
+          </a:fillRef>
+          <a:effectRef idx="0">
+            <a:schemeClr val="accent1"/>
+          </a:effectRef>
+          <a:fontRef idx="minor">
+            <a:schemeClr val="tx1"/>
+          </a:fontRef>
+        </p:style>
+      </p:cxnSp>
+      <p:cxnSp>
+        <p:nvCxnSpPr>
+          <p:cNvPr id="92" name="直接箭头连接符 91">
+            <a:extLst>
+              <a:ext uri="{FF2B5EF4-FFF2-40B4-BE49-F238E27FC236}">
+                <a16:creationId xmlns:a16="http://schemas.microsoft.com/office/drawing/2014/main" id="{C4AC22DC-3817-4CAD-8FE5-3F4F285A83B8}"/>
+              </a:ext>
+            </a:extLst>
+          </p:cNvPr>
+          <p:cNvCxnSpPr>
+            <a:cxnSpLocks/>
+            <a:stCxn id="86" idx="2"/>
+            <a:endCxn id="89" idx="0"/>
+          </p:cNvCxnSpPr>
+          <p:nvPr/>
+        </p:nvCxnSpPr>
+        <p:spPr>
+          <a:xfrm>
+            <a:off x="6695724" y="3351881"/>
+            <a:ext cx="1434283" cy="499132"/>
+          </a:xfrm>
+          <a:prstGeom prst="straightConnector1">
+            <a:avLst/>
+          </a:prstGeom>
+          <a:ln w="19050">
+            <a:solidFill>
+              <a:srgbClr val="FF0000"/>
+            </a:solidFill>
+            <a:tailEnd type="triangle"/>
+          </a:ln>
+        </p:spPr>
+        <p:style>
+          <a:lnRef idx="1">
+            <a:schemeClr val="accent1"/>
+          </a:lnRef>
+          <a:fillRef idx="0">
+            <a:schemeClr val="accent1"/>
+          </a:fillRef>
+          <a:effectRef idx="0">
+            <a:schemeClr val="accent1"/>
+          </a:effectRef>
+          <a:fontRef idx="minor">
+            <a:schemeClr val="tx1"/>
+          </a:fontRef>
+        </p:style>
+      </p:cxnSp>
+      <p:cxnSp>
+        <p:nvCxnSpPr>
+          <p:cNvPr id="93" name="直接箭头连接符 92">
+            <a:extLst>
+              <a:ext uri="{FF2B5EF4-FFF2-40B4-BE49-F238E27FC236}">
+                <a16:creationId xmlns:a16="http://schemas.microsoft.com/office/drawing/2014/main" id="{BA9C32CF-33BC-4957-9E10-C8FCA94F7B33}"/>
+              </a:ext>
+            </a:extLst>
+          </p:cNvPr>
+          <p:cNvCxnSpPr>
+            <a:cxnSpLocks/>
+            <a:stCxn id="87" idx="2"/>
+            <a:endCxn id="90" idx="0"/>
+          </p:cNvCxnSpPr>
+          <p:nvPr/>
+        </p:nvCxnSpPr>
+        <p:spPr>
+          <a:xfrm>
+            <a:off x="7411898" y="3351881"/>
+            <a:ext cx="1434284" cy="499132"/>
+          </a:xfrm>
+          <a:prstGeom prst="straightConnector1">
+            <a:avLst/>
+          </a:prstGeom>
+          <a:ln w="19050">
+            <a:solidFill>
+              <a:srgbClr val="FF0000"/>
+            </a:solidFill>
+            <a:tailEnd type="triangle"/>
+          </a:ln>
+        </p:spPr>
+        <p:style>
+          <a:lnRef idx="1">
+            <a:schemeClr val="accent1"/>
+          </a:lnRef>
+          <a:fillRef idx="0">
+            <a:schemeClr val="accent1"/>
+          </a:fillRef>
+          <a:effectRef idx="0">
+            <a:schemeClr val="accent1"/>
+          </a:effectRef>
+          <a:fontRef idx="minor">
+            <a:schemeClr val="tx1"/>
+          </a:fontRef>
+        </p:style>
+      </p:cxnSp>
+    </p:spTree>
+    <p:extLst>
+      <p:ext uri="{BB962C8B-B14F-4D97-AF65-F5344CB8AC3E}">
+        <p14:creationId xmlns:p14="http://schemas.microsoft.com/office/powerpoint/2010/main" val="2852994974"/>
+      </p:ext>
+    </p:extLst>
+  </p:cSld>
+  <p:clrMapOvr>
+    <a:masterClrMapping/>
+  </p:clrMapOvr>
+  <p:timing>
+    <p:tnLst>
+      <p:par>
+        <p:cTn id="1" dur="indefinite" restart="never" nodeType="tmRoot">
+          <p:childTnLst>
+            <p:seq concurrent="1" nextAc="seek">
+              <p:cTn id="2" dur="indefinite" nodeType="mainSeq">
+                <p:childTnLst>
+                  <p:par>
+                    <p:cTn id="3" fill="hold">
+                      <p:stCondLst>
+                        <p:cond delay="indefinite"/>
+                        <p:cond evt="onBegin" delay="0">
+                          <p:tn val="2"/>
+                        </p:cond>
+                      </p:stCondLst>
+                      <p:childTnLst>
+                        <p:par>
+                          <p:cTn id="4" fill="hold">
+                            <p:stCondLst>
+                              <p:cond delay="0"/>
+                            </p:stCondLst>
+                            <p:childTnLst>
+                              <p:par>
+                                <p:cTn id="5" presetID="1" presetClass="entr" presetSubtype="0" fill="hold" grpId="0" nodeType="afterEffect">
+                                  <p:stCondLst>
+                                    <p:cond delay="500"/>
+                                  </p:stCondLst>
+                                  <p:childTnLst>
+                                    <p:set>
+                                      <p:cBhvr>
+                                        <p:cTn id="6" dur="1" fill="hold">
+                                          <p:stCondLst>
+                                            <p:cond delay="0"/>
+                                          </p:stCondLst>
+                                        </p:cTn>
+                                        <p:tgtEl>
+                                          <p:spTgt spid="37"/>
+                                        </p:tgtEl>
+                                        <p:attrNameLst>
+                                          <p:attrName>style.visibility</p:attrName>
+                                        </p:attrNameLst>
+                                      </p:cBhvr>
+                                      <p:to>
+                                        <p:strVal val="visible"/>
+                                      </p:to>
+                                    </p:set>
+                                  </p:childTnLst>
+                                </p:cTn>
+                              </p:par>
+                            </p:childTnLst>
+                          </p:cTn>
+                        </p:par>
+                        <p:par>
+                          <p:cTn id="7" fill="hold">
+                            <p:stCondLst>
+                              <p:cond delay="500"/>
+                            </p:stCondLst>
+                            <p:childTnLst>
+                              <p:par>
+                                <p:cTn id="8" presetID="1" presetClass="entr" presetSubtype="0" fill="hold" grpId="0" nodeType="afterEffect">
+                                  <p:stCondLst>
+                                    <p:cond delay="0"/>
+                                  </p:stCondLst>
+                                  <p:childTnLst>
+                                    <p:set>
+                                      <p:cBhvr>
+                                        <p:cTn id="9" dur="1" fill="hold">
+                                          <p:stCondLst>
+                                            <p:cond delay="0"/>
+                                          </p:stCondLst>
+                                        </p:cTn>
+                                        <p:tgtEl>
+                                          <p:spTgt spid="40"/>
+                                        </p:tgtEl>
+                                        <p:attrNameLst>
+                                          <p:attrName>style.visibility</p:attrName>
+                                        </p:attrNameLst>
+                                      </p:cBhvr>
+                                      <p:to>
+                                        <p:strVal val="visible"/>
+                                      </p:to>
+                                    </p:set>
+                                  </p:childTnLst>
+                                </p:cTn>
+                              </p:par>
+                            </p:childTnLst>
+                          </p:cTn>
+                        </p:par>
+                        <p:par>
+                          <p:cTn id="10" fill="hold">
+                            <p:stCondLst>
+                              <p:cond delay="500"/>
+                            </p:stCondLst>
+                            <p:childTnLst>
+                              <p:par>
+                                <p:cTn id="11" presetID="1" presetClass="entr" presetSubtype="0" fill="hold" grpId="0" nodeType="afterEffect">
+                                  <p:stCondLst>
+                                    <p:cond delay="0"/>
+                                  </p:stCondLst>
+                                  <p:childTnLst>
+                                    <p:set>
+                                      <p:cBhvr>
+                                        <p:cTn id="12" dur="1" fill="hold">
+                                          <p:stCondLst>
+                                            <p:cond delay="0"/>
+                                          </p:stCondLst>
+                                        </p:cTn>
+                                        <p:tgtEl>
+                                          <p:spTgt spid="54"/>
+                                        </p:tgtEl>
+                                        <p:attrNameLst>
+                                          <p:attrName>style.visibility</p:attrName>
+                                        </p:attrNameLst>
+                                      </p:cBhvr>
+                                      <p:to>
+                                        <p:strVal val="visible"/>
+                                      </p:to>
+                                    </p:set>
+                                  </p:childTnLst>
+                                </p:cTn>
+                              </p:par>
+                            </p:childTnLst>
+                          </p:cTn>
+                        </p:par>
+                        <p:par>
+                          <p:cTn id="13" fill="hold">
+                            <p:stCondLst>
+                              <p:cond delay="500"/>
+                            </p:stCondLst>
+                            <p:childTnLst>
+                              <p:par>
+                                <p:cTn id="14" presetID="1" presetClass="entr" presetSubtype="0" fill="hold" grpId="0" nodeType="afterEffect">
+                                  <p:stCondLst>
+                                    <p:cond delay="0"/>
+                                  </p:stCondLst>
+                                  <p:childTnLst>
+                                    <p:set>
+                                      <p:cBhvr>
+                                        <p:cTn id="15" dur="1" fill="hold">
+                                          <p:stCondLst>
+                                            <p:cond delay="0"/>
+                                          </p:stCondLst>
+                                        </p:cTn>
+                                        <p:tgtEl>
+                                          <p:spTgt spid="50"/>
+                                        </p:tgtEl>
+                                        <p:attrNameLst>
+                                          <p:attrName>style.visibility</p:attrName>
+                                        </p:attrNameLst>
+                                      </p:cBhvr>
+                                      <p:to>
+                                        <p:strVal val="visible"/>
+                                      </p:to>
+                                    </p:set>
+                                  </p:childTnLst>
+                                </p:cTn>
+                              </p:par>
+                            </p:childTnLst>
+                          </p:cTn>
+                        </p:par>
+                        <p:par>
+                          <p:cTn id="16" fill="hold">
+                            <p:stCondLst>
+                              <p:cond delay="500"/>
+                            </p:stCondLst>
+                            <p:childTnLst>
+                              <p:par>
+                                <p:cTn id="17" presetID="1" presetClass="entr" presetSubtype="0" fill="hold" grpId="0" nodeType="afterEffect">
+                                  <p:stCondLst>
+                                    <p:cond delay="0"/>
+                                  </p:stCondLst>
+                                  <p:childTnLst>
+                                    <p:set>
+                                      <p:cBhvr>
+                                        <p:cTn id="18" dur="1" fill="hold">
+                                          <p:stCondLst>
+                                            <p:cond delay="0"/>
+                                          </p:stCondLst>
+                                        </p:cTn>
+                                        <p:tgtEl>
+                                          <p:spTgt spid="56"/>
+                                        </p:tgtEl>
+                                        <p:attrNameLst>
+                                          <p:attrName>style.visibility</p:attrName>
+                                        </p:attrNameLst>
+                                      </p:cBhvr>
+                                      <p:to>
+                                        <p:strVal val="visible"/>
+                                      </p:to>
+                                    </p:set>
+                                  </p:childTnLst>
+                                </p:cTn>
+                              </p:par>
+                            </p:childTnLst>
+                          </p:cTn>
+                        </p:par>
+                        <p:par>
+                          <p:cTn id="19" fill="hold">
+                            <p:stCondLst>
+                              <p:cond delay="500"/>
+                            </p:stCondLst>
+                            <p:childTnLst>
+                              <p:par>
+                                <p:cTn id="20" presetID="1" presetClass="entr" presetSubtype="0" fill="hold" grpId="0" nodeType="afterEffect">
+                                  <p:stCondLst>
+                                    <p:cond delay="0"/>
+                                  </p:stCondLst>
+                                  <p:childTnLst>
+                                    <p:set>
+                                      <p:cBhvr>
+                                        <p:cTn id="21" dur="1" fill="hold">
+                                          <p:stCondLst>
+                                            <p:cond delay="0"/>
+                                          </p:stCondLst>
+                                        </p:cTn>
+                                        <p:tgtEl>
+                                          <p:spTgt spid="57"/>
+                                        </p:tgtEl>
+                                        <p:attrNameLst>
+                                          <p:attrName>style.visibility</p:attrName>
+                                        </p:attrNameLst>
+                                      </p:cBhvr>
+                                      <p:to>
+                                        <p:strVal val="visible"/>
+                                      </p:to>
+                                    </p:set>
+                                  </p:childTnLst>
+                                </p:cTn>
+                              </p:par>
+                            </p:childTnLst>
+                          </p:cTn>
+                        </p:par>
+                        <p:par>
+                          <p:cTn id="22" fill="hold">
+                            <p:stCondLst>
+                              <p:cond delay="500"/>
+                            </p:stCondLst>
+                            <p:childTnLst>
+                              <p:par>
+                                <p:cTn id="23" presetID="22" presetClass="entr" presetSubtype="4" fill="hold" nodeType="afterEffect">
+                                  <p:stCondLst>
+                                    <p:cond delay="500"/>
+                                  </p:stCondLst>
+                                  <p:childTnLst>
+                                    <p:set>
+                                      <p:cBhvr>
+                                        <p:cTn id="24" dur="1" fill="hold">
+                                          <p:stCondLst>
+                                            <p:cond delay="0"/>
+                                          </p:stCondLst>
+                                        </p:cTn>
+                                        <p:tgtEl>
+                                          <p:spTgt spid="91"/>
+                                        </p:tgtEl>
+                                        <p:attrNameLst>
+                                          <p:attrName>style.visibility</p:attrName>
+                                        </p:attrNameLst>
+                                      </p:cBhvr>
+                                      <p:to>
+                                        <p:strVal val="visible"/>
+                                      </p:to>
+                                    </p:set>
+                                    <p:animEffect transition="in" filter="wipe(down)">
+                                      <p:cBhvr>
+                                        <p:cTn id="25" dur="500"/>
+                                        <p:tgtEl>
+                                          <p:spTgt spid="91"/>
+                                        </p:tgtEl>
+                                      </p:cBhvr>
+                                    </p:animEffect>
+                                  </p:childTnLst>
+                                </p:cTn>
+                              </p:par>
+                            </p:childTnLst>
+                          </p:cTn>
+                        </p:par>
+                        <p:par>
+                          <p:cTn id="26" fill="hold">
+                            <p:stCondLst>
+                              <p:cond delay="1500"/>
+                            </p:stCondLst>
+                            <p:childTnLst>
+                              <p:par>
+                                <p:cTn id="27" presetID="1" presetClass="exit" presetSubtype="0" fill="hold" nodeType="afterEffect">
+                                  <p:stCondLst>
+                                    <p:cond delay="0"/>
+                                  </p:stCondLst>
+                                  <p:childTnLst>
+                                    <p:set>
+                                      <p:cBhvr>
+                                        <p:cTn id="28" dur="1" fill="hold">
+                                          <p:stCondLst>
+                                            <p:cond delay="0"/>
+                                          </p:stCondLst>
+                                        </p:cTn>
+                                        <p:tgtEl>
+                                          <p:spTgt spid="91"/>
+                                        </p:tgtEl>
+                                        <p:attrNameLst>
+                                          <p:attrName>style.visibility</p:attrName>
+                                        </p:attrNameLst>
+                                      </p:cBhvr>
+                                      <p:to>
+                                        <p:strVal val="hidden"/>
+                                      </p:to>
+                                    </p:set>
+                                  </p:childTnLst>
+                                </p:cTn>
+                              </p:par>
+                            </p:childTnLst>
+                          </p:cTn>
+                        </p:par>
+                        <p:par>
+                          <p:cTn id="29" fill="hold">
+                            <p:stCondLst>
+                              <p:cond delay="1500"/>
+                            </p:stCondLst>
+                            <p:childTnLst>
+                              <p:par>
+                                <p:cTn id="30" presetID="22" presetClass="entr" presetSubtype="4" fill="hold" nodeType="afterEffect">
+                                  <p:stCondLst>
+                                    <p:cond delay="500"/>
+                                  </p:stCondLst>
+                                  <p:childTnLst>
+                                    <p:set>
+                                      <p:cBhvr>
+                                        <p:cTn id="31" dur="1" fill="hold">
+                                          <p:stCondLst>
+                                            <p:cond delay="0"/>
+                                          </p:stCondLst>
+                                        </p:cTn>
+                                        <p:tgtEl>
+                                          <p:spTgt spid="92"/>
+                                        </p:tgtEl>
+                                        <p:attrNameLst>
+                                          <p:attrName>style.visibility</p:attrName>
+                                        </p:attrNameLst>
+                                      </p:cBhvr>
+                                      <p:to>
+                                        <p:strVal val="visible"/>
+                                      </p:to>
+                                    </p:set>
+                                    <p:animEffect transition="in" filter="wipe(down)">
+                                      <p:cBhvr>
+                                        <p:cTn id="32" dur="500"/>
+                                        <p:tgtEl>
+                                          <p:spTgt spid="92"/>
+                                        </p:tgtEl>
+                                      </p:cBhvr>
+                                    </p:animEffect>
+                                  </p:childTnLst>
+                                </p:cTn>
+                              </p:par>
+                            </p:childTnLst>
+                          </p:cTn>
+                        </p:par>
+                        <p:par>
+                          <p:cTn id="33" fill="hold">
+                            <p:stCondLst>
+                              <p:cond delay="2500"/>
+                            </p:stCondLst>
+                            <p:childTnLst>
+                              <p:par>
+                                <p:cTn id="34" presetID="1" presetClass="exit" presetSubtype="0" fill="hold" nodeType="afterEffect">
+                                  <p:stCondLst>
+                                    <p:cond delay="0"/>
+                                  </p:stCondLst>
+                                  <p:childTnLst>
+                                    <p:set>
+                                      <p:cBhvr>
+                                        <p:cTn id="35" dur="1" fill="hold">
+                                          <p:stCondLst>
+                                            <p:cond delay="0"/>
+                                          </p:stCondLst>
+                                        </p:cTn>
+                                        <p:tgtEl>
+                                          <p:spTgt spid="92"/>
+                                        </p:tgtEl>
+                                        <p:attrNameLst>
+                                          <p:attrName>style.visibility</p:attrName>
+                                        </p:attrNameLst>
+                                      </p:cBhvr>
+                                      <p:to>
+                                        <p:strVal val="hidden"/>
+                                      </p:to>
+                                    </p:set>
+                                  </p:childTnLst>
+                                </p:cTn>
+                              </p:par>
+                            </p:childTnLst>
+                          </p:cTn>
+                        </p:par>
+                        <p:par>
+                          <p:cTn id="36" fill="hold">
+                            <p:stCondLst>
+                              <p:cond delay="2500"/>
+                            </p:stCondLst>
+                            <p:childTnLst>
+                              <p:par>
+                                <p:cTn id="37" presetID="22" presetClass="entr" presetSubtype="4" fill="hold" nodeType="afterEffect">
+                                  <p:stCondLst>
+                                    <p:cond delay="500"/>
+                                  </p:stCondLst>
+                                  <p:childTnLst>
+                                    <p:set>
+                                      <p:cBhvr>
+                                        <p:cTn id="38" dur="1" fill="hold">
+                                          <p:stCondLst>
+                                            <p:cond delay="0"/>
+                                          </p:stCondLst>
+                                        </p:cTn>
+                                        <p:tgtEl>
+                                          <p:spTgt spid="93"/>
+                                        </p:tgtEl>
+                                        <p:attrNameLst>
+                                          <p:attrName>style.visibility</p:attrName>
+                                        </p:attrNameLst>
+                                      </p:cBhvr>
+                                      <p:to>
+                                        <p:strVal val="visible"/>
+                                      </p:to>
+                                    </p:set>
+                                    <p:animEffect transition="in" filter="wipe(down)">
+                                      <p:cBhvr>
+                                        <p:cTn id="39" dur="500"/>
+                                        <p:tgtEl>
+                                          <p:spTgt spid="93"/>
+                                        </p:tgtEl>
+                                      </p:cBhvr>
+                                    </p:animEffect>
+                                  </p:childTnLst>
+                                </p:cTn>
+                              </p:par>
+                            </p:childTnLst>
+                          </p:cTn>
+                        </p:par>
+                        <p:par>
+                          <p:cTn id="40" fill="hold">
+                            <p:stCondLst>
+                              <p:cond delay="3500"/>
+                            </p:stCondLst>
+                            <p:childTnLst>
+                              <p:par>
+                                <p:cTn id="41" presetID="1" presetClass="exit" presetSubtype="0" fill="hold" nodeType="afterEffect">
+                                  <p:stCondLst>
+                                    <p:cond delay="0"/>
+                                  </p:stCondLst>
+                                  <p:childTnLst>
+                                    <p:set>
+                                      <p:cBhvr>
+                                        <p:cTn id="42" dur="1" fill="hold">
+                                          <p:stCondLst>
+                                            <p:cond delay="0"/>
+                                          </p:stCondLst>
+                                        </p:cTn>
+                                        <p:tgtEl>
+                                          <p:spTgt spid="93"/>
+                                        </p:tgtEl>
+                                        <p:attrNameLst>
+                                          <p:attrName>style.visibility</p:attrName>
+                                        </p:attrNameLst>
+                                      </p:cBhvr>
+                                      <p:to>
+                                        <p:strVal val="hidden"/>
+                                      </p:to>
+                                    </p:set>
+                                  </p:childTnLst>
+                                </p:cTn>
+                              </p:par>
+                            </p:childTnLst>
+                          </p:cTn>
+                        </p:par>
+                      </p:childTnLst>
+                    </p:cTn>
+                  </p:par>
+                </p:childTnLst>
+              </p:cTn>
+              <p:prevCondLst>
+                <p:cond evt="onPrev" delay="0">
+                  <p:tgtEl>
+                    <p:sldTgt/>
+                  </p:tgtEl>
+                </p:cond>
+              </p:prevCondLst>
+              <p:nextCondLst>
+                <p:cond evt="onNext" delay="0">
+                  <p:tgtEl>
+                    <p:sldTgt/>
+                  </p:tgtEl>
+                </p:cond>
+              </p:nextCondLst>
+            </p:seq>
+          </p:childTnLst>
+        </p:cTn>
+      </p:par>
+    </p:tnLst>
+    <p:bldLst>
+      <p:bldP spid="37" grpId="0"/>
+      <p:bldP spid="40" grpId="0" animBg="1"/>
+      <p:bldP spid="50" grpId="0" animBg="1"/>
+      <p:bldP spid="56" grpId="0" animBg="1"/>
+      <p:bldP spid="57" grpId="0" animBg="1"/>
+      <p:bldP spid="54" grpId="0" animBg="1"/>
+    </p:bldLst>
+  </p:timing>
+</p:sld>
+</file>
+
+<file path=ppt/slides/slide4.xml><?xml version="1.0" encoding="utf-8"?>
+<p:sld xmlns:a="http://schemas.openxmlformats.org/drawingml/2006/main" xmlns:r="http://schemas.openxmlformats.org/officeDocument/2006/relationships" xmlns:p="http://schemas.openxmlformats.org/presentationml/2006/main">
+  <p:cSld>
+    <p:spTree>
+      <p:nvGrpSpPr>
+        <p:cNvPr id="1" name=""/>
+        <p:cNvGrpSpPr/>
+        <p:nvPr/>
+      </p:nvGrpSpPr>
+      <p:grpSpPr>
+        <a:xfrm>
+          <a:off x="0" y="0"/>
+          <a:ext cx="0" cy="0"/>
+          <a:chOff x="0" y="0"/>
+          <a:chExt cx="0" cy="0"/>
+        </a:xfrm>
+      </p:grpSpPr>
+      <p:sp>
+        <p:nvSpPr>
+          <p:cNvPr id="110" name="矩形 109"/>
+          <p:cNvSpPr/>
+          <p:nvPr/>
+        </p:nvSpPr>
+        <p:spPr>
+          <a:xfrm>
+            <a:off x="4189112" y="3674714"/>
+            <a:ext cx="716175" cy="515259"/>
+          </a:xfrm>
+          <a:prstGeom prst="rect">
+            <a:avLst/>
+          </a:prstGeom>
+          <a:solidFill>
+            <a:srgbClr val="00B0F0"/>
+          </a:solidFill>
+          <a:ln w="6350">
+            <a:solidFill>
+              <a:schemeClr val="tx1"/>
+            </a:solidFill>
+          </a:ln>
+        </p:spPr>
+        <p:style>
+          <a:lnRef idx="2">
+            <a:schemeClr val="accent1">
+              <a:shade val="50000"/>
+            </a:schemeClr>
+          </a:lnRef>
+          <a:fillRef idx="1">
+            <a:schemeClr val="accent1"/>
+          </a:fillRef>
+          <a:effectRef idx="0">
+            <a:schemeClr val="accent1"/>
+          </a:effectRef>
+          <a:fontRef idx="minor">
+            <a:schemeClr val="lt1"/>
+          </a:fontRef>
+        </p:style>
+        <p:txBody>
+          <a:bodyPr rtlCol="0" anchor="ctr"/>
+          <a:lstStyle/>
+          <a:p>
+            <a:pPr algn="ctr"/>
+            <a:r>
+              <a:rPr lang="en-US" altLang="zh-CN" sz="3200" dirty="0">
+                <a:solidFill>
+                  <a:sysClr val="windowText" lastClr="000000"/>
+                </a:solidFill>
+                <a:latin typeface="Times New Roman" panose="02020603050405020304" pitchFamily="18" charset="0"/>
+                <a:cs typeface="Times New Roman" panose="02020603050405020304" pitchFamily="18" charset="0"/>
+              </a:rPr>
+              <a:t>3</a:t>
+            </a:r>
+            <a:endParaRPr lang="zh-CN" altLang="en-US" sz="3200" dirty="0">
+              <a:solidFill>
+                <a:sysClr val="windowText" lastClr="000000"/>
+              </a:solidFill>
+              <a:latin typeface="Times New Roman" panose="02020603050405020304" pitchFamily="18" charset="0"/>
+              <a:cs typeface="Times New Roman" panose="02020603050405020304" pitchFamily="18" charset="0"/>
+            </a:endParaRPr>
+          </a:p>
+        </p:txBody>
+      </p:sp>
+      <p:sp>
+        <p:nvSpPr>
+          <p:cNvPr id="123" name="矩形 122"/>
+          <p:cNvSpPr/>
+          <p:nvPr/>
+        </p:nvSpPr>
+        <p:spPr>
+          <a:xfrm>
+            <a:off x="2082449" y="3634996"/>
+            <a:ext cx="1518364" cy="584776"/>
+          </a:xfrm>
+          <a:prstGeom prst="rect">
+            <a:avLst/>
+          </a:prstGeom>
+        </p:spPr>
+        <p:txBody>
+          <a:bodyPr wrap="none">
+            <a:spAutoFit/>
+          </a:bodyPr>
+          <a:lstStyle/>
+          <a:p>
+            <a:r>
+              <a:rPr lang="zh-CN" altLang="en-US" sz="3200" dirty="0">
+                <a:latin typeface="Times New Roman" panose="02020603050405020304" pitchFamily="18" charset="0"/>
+                <a:cs typeface="Times New Roman" panose="02020603050405020304" pitchFamily="18" charset="0"/>
+              </a:rPr>
+              <a:t>parent</a:t>
+            </a:r>
+            <a:r>
+              <a:rPr lang="en-US" altLang="zh-CN" sz="3200" dirty="0">
+                <a:latin typeface="Times New Roman" panose="02020603050405020304" pitchFamily="18" charset="0"/>
+                <a:cs typeface="Times New Roman" panose="02020603050405020304" pitchFamily="18" charset="0"/>
+              </a:rPr>
+              <a:t>2</a:t>
+            </a:r>
+            <a:r>
+              <a:rPr lang="zh-CN" altLang="en-US" sz="3200" dirty="0">
+                <a:latin typeface="Times New Roman" panose="02020603050405020304" pitchFamily="18" charset="0"/>
+                <a:cs typeface="Times New Roman" panose="02020603050405020304" pitchFamily="18" charset="0"/>
+              </a:rPr>
+              <a:t> </a:t>
+            </a:r>
+          </a:p>
+        </p:txBody>
+      </p:sp>
+      <p:sp>
+        <p:nvSpPr>
+          <p:cNvPr id="197" name="矩形 196"/>
+          <p:cNvSpPr/>
+          <p:nvPr/>
+        </p:nvSpPr>
+        <p:spPr>
+          <a:xfrm>
+            <a:off x="4905286" y="3674714"/>
+            <a:ext cx="716175" cy="515259"/>
+          </a:xfrm>
+          <a:prstGeom prst="rect">
+            <a:avLst/>
+          </a:prstGeom>
+          <a:solidFill>
+            <a:srgbClr val="FF0000"/>
+          </a:solidFill>
+          <a:ln w="6350">
+            <a:solidFill>
+              <a:schemeClr val="tx1"/>
+            </a:solidFill>
+          </a:ln>
+        </p:spPr>
+        <p:style>
+          <a:lnRef idx="2">
+            <a:schemeClr val="accent1">
+              <a:shade val="50000"/>
+            </a:schemeClr>
+          </a:lnRef>
+          <a:fillRef idx="1">
+            <a:schemeClr val="accent1"/>
+          </a:fillRef>
+          <a:effectRef idx="0">
+            <a:schemeClr val="accent1"/>
+          </a:effectRef>
+          <a:fontRef idx="minor">
+            <a:schemeClr val="lt1"/>
+          </a:fontRef>
+        </p:style>
+        <p:txBody>
+          <a:bodyPr rtlCol="0" anchor="ctr"/>
+          <a:lstStyle/>
+          <a:p>
+            <a:pPr algn="ctr"/>
+            <a:r>
+              <a:rPr lang="en-US" altLang="zh-CN" sz="3200" dirty="0">
+                <a:solidFill>
+                  <a:sysClr val="windowText" lastClr="000000"/>
+                </a:solidFill>
+                <a:latin typeface="Times New Roman" panose="02020603050405020304" pitchFamily="18" charset="0"/>
+                <a:cs typeface="Times New Roman" panose="02020603050405020304" pitchFamily="18" charset="0"/>
+              </a:rPr>
+              <a:t>5</a:t>
+            </a:r>
+            <a:endParaRPr lang="zh-CN" altLang="en-US" sz="3200" dirty="0">
+              <a:solidFill>
+                <a:sysClr val="windowText" lastClr="000000"/>
+              </a:solidFill>
+              <a:latin typeface="Times New Roman" panose="02020603050405020304" pitchFamily="18" charset="0"/>
+              <a:cs typeface="Times New Roman" panose="02020603050405020304" pitchFamily="18" charset="0"/>
+            </a:endParaRPr>
+          </a:p>
+        </p:txBody>
+      </p:sp>
+      <p:sp>
+        <p:nvSpPr>
+          <p:cNvPr id="198" name="矩形 197"/>
+          <p:cNvSpPr/>
+          <p:nvPr/>
+        </p:nvSpPr>
+        <p:spPr>
+          <a:xfrm>
+            <a:off x="5621461" y="3674714"/>
+            <a:ext cx="716175" cy="515259"/>
+          </a:xfrm>
+          <a:prstGeom prst="rect">
+            <a:avLst/>
+          </a:prstGeom>
+          <a:solidFill>
+            <a:srgbClr val="00B0F0"/>
+          </a:solidFill>
+          <a:ln w="6350">
+            <a:solidFill>
+              <a:schemeClr val="tx1"/>
+            </a:solidFill>
+          </a:ln>
+        </p:spPr>
+        <p:style>
+          <a:lnRef idx="2">
+            <a:schemeClr val="accent1">
+              <a:shade val="50000"/>
+            </a:schemeClr>
+          </a:lnRef>
+          <a:fillRef idx="1">
+            <a:schemeClr val="accent1"/>
+          </a:fillRef>
+          <a:effectRef idx="0">
+            <a:schemeClr val="accent1"/>
+          </a:effectRef>
+          <a:fontRef idx="minor">
+            <a:schemeClr val="lt1"/>
+          </a:fontRef>
+        </p:style>
+        <p:txBody>
+          <a:bodyPr rtlCol="0" anchor="ctr"/>
+          <a:lstStyle/>
+          <a:p>
+            <a:pPr algn="ctr"/>
+            <a:r>
+              <a:rPr lang="en-US" altLang="zh-CN" sz="3200" dirty="0">
+                <a:solidFill>
+                  <a:sysClr val="windowText" lastClr="000000"/>
+                </a:solidFill>
+                <a:latin typeface="Times New Roman" panose="02020603050405020304" pitchFamily="18" charset="0"/>
+                <a:cs typeface="Times New Roman" panose="02020603050405020304" pitchFamily="18" charset="0"/>
+              </a:rPr>
+              <a:t>8</a:t>
+            </a:r>
+            <a:endParaRPr lang="zh-CN" altLang="en-US" sz="3200" dirty="0">
+              <a:solidFill>
+                <a:sysClr val="windowText" lastClr="000000"/>
+              </a:solidFill>
+              <a:latin typeface="Times New Roman" panose="02020603050405020304" pitchFamily="18" charset="0"/>
+              <a:cs typeface="Times New Roman" panose="02020603050405020304" pitchFamily="18" charset="0"/>
+            </a:endParaRPr>
+          </a:p>
+        </p:txBody>
+      </p:sp>
+      <p:sp>
+        <p:nvSpPr>
+          <p:cNvPr id="199" name="矩形 198"/>
+          <p:cNvSpPr/>
+          <p:nvPr/>
+        </p:nvSpPr>
+        <p:spPr>
+          <a:xfrm>
+            <a:off x="6337636" y="3674714"/>
+            <a:ext cx="716175" cy="515259"/>
+          </a:xfrm>
+          <a:prstGeom prst="rect">
+            <a:avLst/>
+          </a:prstGeom>
+          <a:solidFill>
+            <a:srgbClr val="00B0F0"/>
+          </a:solidFill>
+          <a:ln w="6350">
+            <a:solidFill>
+              <a:schemeClr val="tx1"/>
+            </a:solidFill>
+          </a:ln>
+        </p:spPr>
+        <p:style>
+          <a:lnRef idx="2">
+            <a:schemeClr val="accent1">
+              <a:shade val="50000"/>
+            </a:schemeClr>
+          </a:lnRef>
+          <a:fillRef idx="1">
+            <a:schemeClr val="accent1"/>
+          </a:fillRef>
+          <a:effectRef idx="0">
+            <a:schemeClr val="accent1"/>
+          </a:effectRef>
+          <a:fontRef idx="minor">
+            <a:schemeClr val="lt1"/>
+          </a:fontRef>
+        </p:style>
+        <p:txBody>
+          <a:bodyPr rtlCol="0" anchor="ctr"/>
+          <a:lstStyle/>
+          <a:p>
+            <a:pPr algn="ctr"/>
+            <a:r>
+              <a:rPr lang="en-US" altLang="zh-CN" sz="3200" dirty="0">
+                <a:solidFill>
+                  <a:sysClr val="windowText" lastClr="000000"/>
+                </a:solidFill>
+                <a:latin typeface="Times New Roman" panose="02020603050405020304" pitchFamily="18" charset="0"/>
+                <a:cs typeface="Times New Roman" panose="02020603050405020304" pitchFamily="18" charset="0"/>
+              </a:rPr>
+              <a:t>1</a:t>
+            </a:r>
+            <a:endParaRPr lang="zh-CN" altLang="en-US" sz="3200" dirty="0">
+              <a:solidFill>
+                <a:sysClr val="windowText" lastClr="000000"/>
+              </a:solidFill>
+              <a:latin typeface="Times New Roman" panose="02020603050405020304" pitchFamily="18" charset="0"/>
+              <a:cs typeface="Times New Roman" panose="02020603050405020304" pitchFamily="18" charset="0"/>
+            </a:endParaRPr>
+          </a:p>
+        </p:txBody>
+      </p:sp>
+      <p:sp>
+        <p:nvSpPr>
+          <p:cNvPr id="200" name="矩形 199"/>
+          <p:cNvSpPr/>
+          <p:nvPr/>
+        </p:nvSpPr>
+        <p:spPr>
+          <a:xfrm>
+            <a:off x="7053810" y="3674714"/>
+            <a:ext cx="716175" cy="515259"/>
+          </a:xfrm>
+          <a:prstGeom prst="rect">
+            <a:avLst/>
+          </a:prstGeom>
+          <a:solidFill>
+            <a:srgbClr val="00B0F0"/>
+          </a:solidFill>
+          <a:ln w="6350">
+            <a:solidFill>
+              <a:schemeClr val="tx1"/>
+            </a:solidFill>
+          </a:ln>
+        </p:spPr>
+        <p:style>
+          <a:lnRef idx="2">
+            <a:schemeClr val="accent1">
+              <a:shade val="50000"/>
+            </a:schemeClr>
+          </a:lnRef>
+          <a:fillRef idx="1">
+            <a:schemeClr val="accent1"/>
+          </a:fillRef>
+          <a:effectRef idx="0">
+            <a:schemeClr val="accent1"/>
+          </a:effectRef>
+          <a:fontRef idx="minor">
+            <a:schemeClr val="lt1"/>
+          </a:fontRef>
+        </p:style>
+        <p:txBody>
+          <a:bodyPr rtlCol="0" anchor="ctr"/>
+          <a:lstStyle/>
+          <a:p>
+            <a:pPr algn="ctr"/>
+            <a:r>
+              <a:rPr lang="en-US" altLang="zh-CN" sz="3200" dirty="0">
+                <a:solidFill>
+                  <a:sysClr val="windowText" lastClr="000000"/>
+                </a:solidFill>
+                <a:latin typeface="Times New Roman" panose="02020603050405020304" pitchFamily="18" charset="0"/>
+                <a:cs typeface="Times New Roman" panose="02020603050405020304" pitchFamily="18" charset="0"/>
+              </a:rPr>
+              <a:t>7</a:t>
+            </a:r>
+            <a:endParaRPr lang="zh-CN" altLang="en-US" sz="3200" dirty="0">
+              <a:solidFill>
+                <a:sysClr val="windowText" lastClr="000000"/>
+              </a:solidFill>
+              <a:latin typeface="Times New Roman" panose="02020603050405020304" pitchFamily="18" charset="0"/>
+              <a:cs typeface="Times New Roman" panose="02020603050405020304" pitchFamily="18" charset="0"/>
+            </a:endParaRPr>
+          </a:p>
+        </p:txBody>
+      </p:sp>
+      <p:sp>
+        <p:nvSpPr>
+          <p:cNvPr id="201" name="矩形 200"/>
+          <p:cNvSpPr/>
+          <p:nvPr/>
+        </p:nvSpPr>
+        <p:spPr>
+          <a:xfrm>
+            <a:off x="7769985" y="3674714"/>
+            <a:ext cx="716175" cy="515259"/>
+          </a:xfrm>
+          <a:prstGeom prst="rect">
+            <a:avLst/>
+          </a:prstGeom>
+          <a:solidFill>
+            <a:srgbClr val="00B0F0"/>
+          </a:solidFill>
+          <a:ln w="6350">
+            <a:solidFill>
+              <a:schemeClr val="tx1"/>
+            </a:solidFill>
+          </a:ln>
+        </p:spPr>
+        <p:style>
+          <a:lnRef idx="2">
+            <a:schemeClr val="accent1">
+              <a:shade val="50000"/>
+            </a:schemeClr>
+          </a:lnRef>
+          <a:fillRef idx="1">
+            <a:schemeClr val="accent1"/>
+          </a:fillRef>
+          <a:effectRef idx="0">
+            <a:schemeClr val="accent1"/>
+          </a:effectRef>
+          <a:fontRef idx="minor">
+            <a:schemeClr val="lt1"/>
+          </a:fontRef>
+        </p:style>
+        <p:txBody>
+          <a:bodyPr rtlCol="0" anchor="ctr"/>
+          <a:lstStyle/>
+          <a:p>
+            <a:pPr algn="ctr"/>
+            <a:r>
+              <a:rPr lang="en-US" altLang="zh-CN" sz="3200" dirty="0">
+                <a:solidFill>
+                  <a:sysClr val="windowText" lastClr="000000"/>
+                </a:solidFill>
+                <a:latin typeface="Times New Roman" panose="02020603050405020304" pitchFamily="18" charset="0"/>
+                <a:cs typeface="Times New Roman" panose="02020603050405020304" pitchFamily="18" charset="0"/>
+              </a:rPr>
+              <a:t>4</a:t>
+            </a:r>
+            <a:endParaRPr lang="zh-CN" altLang="en-US" sz="3200" dirty="0">
+              <a:solidFill>
+                <a:sysClr val="windowText" lastClr="000000"/>
+              </a:solidFill>
+              <a:latin typeface="Times New Roman" panose="02020603050405020304" pitchFamily="18" charset="0"/>
+              <a:cs typeface="Times New Roman" panose="02020603050405020304" pitchFamily="18" charset="0"/>
+            </a:endParaRPr>
+          </a:p>
+        </p:txBody>
+      </p:sp>
+      <p:sp>
+        <p:nvSpPr>
+          <p:cNvPr id="202" name="矩形 201"/>
+          <p:cNvSpPr/>
+          <p:nvPr/>
+        </p:nvSpPr>
+        <p:spPr>
+          <a:xfrm>
+            <a:off x="8486160" y="3674714"/>
+            <a:ext cx="716175" cy="515259"/>
+          </a:xfrm>
+          <a:prstGeom prst="rect">
+            <a:avLst/>
+          </a:prstGeom>
+          <a:solidFill>
+            <a:srgbClr val="00B0F0"/>
+          </a:solidFill>
+          <a:ln w="6350">
+            <a:solidFill>
+              <a:schemeClr val="tx1"/>
+            </a:solidFill>
+          </a:ln>
+        </p:spPr>
+        <p:style>
+          <a:lnRef idx="2">
+            <a:schemeClr val="accent1">
+              <a:shade val="50000"/>
+            </a:schemeClr>
+          </a:lnRef>
+          <a:fillRef idx="1">
+            <a:schemeClr val="accent1"/>
+          </a:fillRef>
+          <a:effectRef idx="0">
+            <a:schemeClr val="accent1"/>
+          </a:effectRef>
+          <a:fontRef idx="minor">
+            <a:schemeClr val="lt1"/>
+          </a:fontRef>
+        </p:style>
+        <p:txBody>
+          <a:bodyPr rtlCol="0" anchor="ctr"/>
+          <a:lstStyle/>
+          <a:p>
+            <a:pPr algn="ctr"/>
+            <a:r>
+              <a:rPr lang="en-US" altLang="zh-CN" sz="3200" dirty="0">
+                <a:solidFill>
+                  <a:sysClr val="windowText" lastClr="000000"/>
+                </a:solidFill>
+                <a:latin typeface="Times New Roman" panose="02020603050405020304" pitchFamily="18" charset="0"/>
+                <a:cs typeface="Times New Roman" panose="02020603050405020304" pitchFamily="18" charset="0"/>
+              </a:rPr>
+              <a:t>2</a:t>
+            </a:r>
+            <a:endParaRPr lang="zh-CN" altLang="en-US" sz="3200" dirty="0">
+              <a:solidFill>
+                <a:sysClr val="windowText" lastClr="000000"/>
+              </a:solidFill>
+              <a:latin typeface="Times New Roman" panose="02020603050405020304" pitchFamily="18" charset="0"/>
+              <a:cs typeface="Times New Roman" panose="02020603050405020304" pitchFamily="18" charset="0"/>
+            </a:endParaRPr>
+          </a:p>
+        </p:txBody>
+      </p:sp>
+      <p:sp>
+        <p:nvSpPr>
+          <p:cNvPr id="203" name="矩形 202"/>
+          <p:cNvSpPr/>
+          <p:nvPr/>
+        </p:nvSpPr>
+        <p:spPr>
+          <a:xfrm>
+            <a:off x="9202334" y="3674714"/>
+            <a:ext cx="716175" cy="515259"/>
+          </a:xfrm>
+          <a:prstGeom prst="rect">
+            <a:avLst/>
+          </a:prstGeom>
+          <a:solidFill>
+            <a:srgbClr val="00B0F0"/>
+          </a:solidFill>
+          <a:ln w="6350">
+            <a:solidFill>
+              <a:schemeClr val="tx1"/>
+            </a:solidFill>
+          </a:ln>
+        </p:spPr>
+        <p:style>
+          <a:lnRef idx="2">
+            <a:schemeClr val="accent1">
+              <a:shade val="50000"/>
+            </a:schemeClr>
+          </a:lnRef>
+          <a:fillRef idx="1">
+            <a:schemeClr val="accent1"/>
+          </a:fillRef>
+          <a:effectRef idx="0">
+            <a:schemeClr val="accent1"/>
+          </a:effectRef>
+          <a:fontRef idx="minor">
+            <a:schemeClr val="lt1"/>
+          </a:fontRef>
+        </p:style>
+        <p:txBody>
+          <a:bodyPr rtlCol="0" anchor="ctr"/>
+          <a:lstStyle/>
+          <a:p>
+            <a:pPr algn="ctr"/>
+            <a:r>
+              <a:rPr lang="en-US" altLang="zh-CN" sz="3200" dirty="0">
+                <a:solidFill>
+                  <a:sysClr val="windowText" lastClr="000000"/>
+                </a:solidFill>
+                <a:latin typeface="Times New Roman" panose="02020603050405020304" pitchFamily="18" charset="0"/>
+                <a:cs typeface="Times New Roman" panose="02020603050405020304" pitchFamily="18" charset="0"/>
+              </a:rPr>
+              <a:t>6</a:t>
+            </a:r>
+            <a:endParaRPr lang="zh-CN" altLang="en-US" sz="3200" dirty="0">
+              <a:solidFill>
+                <a:sysClr val="windowText" lastClr="000000"/>
+              </a:solidFill>
+              <a:latin typeface="Times New Roman" panose="02020603050405020304" pitchFamily="18" charset="0"/>
+              <a:cs typeface="Times New Roman" panose="02020603050405020304" pitchFamily="18" charset="0"/>
+            </a:endParaRPr>
+          </a:p>
+        </p:txBody>
+      </p:sp>
+      <p:sp>
+        <p:nvSpPr>
+          <p:cNvPr id="46" name="矩形 45"/>
+          <p:cNvSpPr/>
+          <p:nvPr/>
+        </p:nvSpPr>
+        <p:spPr>
+          <a:xfrm>
+            <a:off x="4190843" y="3675768"/>
+            <a:ext cx="716175" cy="515259"/>
+          </a:xfrm>
+          <a:prstGeom prst="rect">
+            <a:avLst/>
+          </a:prstGeom>
+          <a:solidFill>
+            <a:srgbClr val="00B0F0"/>
+          </a:solidFill>
+          <a:ln w="6350">
+            <a:solidFill>
+              <a:schemeClr val="tx1"/>
+            </a:solidFill>
+          </a:ln>
+        </p:spPr>
+        <p:style>
+          <a:lnRef idx="2">
+            <a:schemeClr val="accent1">
+              <a:shade val="50000"/>
+            </a:schemeClr>
+          </a:lnRef>
+          <a:fillRef idx="1">
+            <a:schemeClr val="accent1"/>
+          </a:fillRef>
+          <a:effectRef idx="0">
+            <a:schemeClr val="accent1"/>
+          </a:effectRef>
+          <a:fontRef idx="minor">
+            <a:schemeClr val="lt1"/>
+          </a:fontRef>
+        </p:style>
+        <p:txBody>
+          <a:bodyPr rtlCol="0" anchor="ctr"/>
+          <a:lstStyle/>
+          <a:p>
+            <a:pPr algn="ctr"/>
+            <a:r>
+              <a:rPr lang="en-US" altLang="zh-CN" sz="3200" dirty="0">
+                <a:solidFill>
+                  <a:sysClr val="windowText" lastClr="000000"/>
+                </a:solidFill>
+                <a:latin typeface="Times New Roman" panose="02020603050405020304" pitchFamily="18" charset="0"/>
+                <a:cs typeface="Times New Roman" panose="02020603050405020304" pitchFamily="18" charset="0"/>
+              </a:rPr>
+              <a:t>3</a:t>
+            </a:r>
+            <a:endParaRPr lang="zh-CN" altLang="en-US" sz="3200" dirty="0">
+              <a:solidFill>
+                <a:sysClr val="windowText" lastClr="000000"/>
+              </a:solidFill>
+              <a:latin typeface="Times New Roman" panose="02020603050405020304" pitchFamily="18" charset="0"/>
+              <a:cs typeface="Times New Roman" panose="02020603050405020304" pitchFamily="18" charset="0"/>
+            </a:endParaRPr>
+          </a:p>
+        </p:txBody>
+      </p:sp>
+      <p:sp>
+        <p:nvSpPr>
+          <p:cNvPr id="47" name="矩形 46"/>
+          <p:cNvSpPr/>
+          <p:nvPr/>
+        </p:nvSpPr>
+        <p:spPr>
+          <a:xfrm>
+            <a:off x="7769983" y="3674714"/>
+            <a:ext cx="716175" cy="515259"/>
+          </a:xfrm>
+          <a:prstGeom prst="rect">
+            <a:avLst/>
+          </a:prstGeom>
+          <a:solidFill>
+            <a:srgbClr val="FF0000"/>
+          </a:solidFill>
+          <a:ln w="6350">
+            <a:solidFill>
+              <a:schemeClr val="tx1"/>
+            </a:solidFill>
+          </a:ln>
+        </p:spPr>
+        <p:style>
+          <a:lnRef idx="2">
+            <a:schemeClr val="accent1">
+              <a:shade val="50000"/>
+            </a:schemeClr>
+          </a:lnRef>
+          <a:fillRef idx="1">
+            <a:schemeClr val="accent1"/>
+          </a:fillRef>
+          <a:effectRef idx="0">
+            <a:schemeClr val="accent1"/>
+          </a:effectRef>
+          <a:fontRef idx="minor">
+            <a:schemeClr val="lt1"/>
+          </a:fontRef>
+        </p:style>
+        <p:txBody>
+          <a:bodyPr rtlCol="0" anchor="ctr"/>
+          <a:lstStyle/>
+          <a:p>
+            <a:pPr algn="ctr"/>
+            <a:r>
+              <a:rPr lang="en-US" altLang="zh-CN" sz="3200" dirty="0">
+                <a:solidFill>
+                  <a:sysClr val="windowText" lastClr="000000"/>
+                </a:solidFill>
+                <a:latin typeface="Times New Roman" panose="02020603050405020304" pitchFamily="18" charset="0"/>
+                <a:cs typeface="Times New Roman" panose="02020603050405020304" pitchFamily="18" charset="0"/>
+              </a:rPr>
+              <a:t>4</a:t>
+            </a:r>
+            <a:endParaRPr lang="zh-CN" altLang="en-US" sz="3200" dirty="0">
+              <a:solidFill>
+                <a:sysClr val="windowText" lastClr="000000"/>
+              </a:solidFill>
+              <a:latin typeface="Times New Roman" panose="02020603050405020304" pitchFamily="18" charset="0"/>
+              <a:cs typeface="Times New Roman" panose="02020603050405020304" pitchFamily="18" charset="0"/>
+            </a:endParaRPr>
+          </a:p>
+        </p:txBody>
+      </p:sp>
+      <p:sp>
+        <p:nvSpPr>
+          <p:cNvPr id="48" name="矩形 47"/>
+          <p:cNvSpPr/>
+          <p:nvPr/>
+        </p:nvSpPr>
+        <p:spPr>
+          <a:xfrm>
+            <a:off x="8486157" y="3672649"/>
+            <a:ext cx="716175" cy="515259"/>
+          </a:xfrm>
+          <a:prstGeom prst="rect">
+            <a:avLst/>
+          </a:prstGeom>
+          <a:solidFill>
+            <a:srgbClr val="FF0000"/>
+          </a:solidFill>
+          <a:ln w="6350">
+            <a:solidFill>
+              <a:schemeClr val="tx1"/>
+            </a:solidFill>
+          </a:ln>
+        </p:spPr>
+        <p:style>
+          <a:lnRef idx="2">
+            <a:schemeClr val="accent1">
+              <a:shade val="50000"/>
+            </a:schemeClr>
+          </a:lnRef>
+          <a:fillRef idx="1">
+            <a:schemeClr val="accent1"/>
+          </a:fillRef>
+          <a:effectRef idx="0">
+            <a:schemeClr val="accent1"/>
+          </a:effectRef>
+          <a:fontRef idx="minor">
+            <a:schemeClr val="lt1"/>
+          </a:fontRef>
+        </p:style>
+        <p:txBody>
+          <a:bodyPr rtlCol="0" anchor="ctr"/>
+          <a:lstStyle/>
+          <a:p>
+            <a:pPr algn="ctr"/>
+            <a:r>
+              <a:rPr lang="en-US" altLang="zh-CN" sz="3200" dirty="0">
+                <a:solidFill>
+                  <a:sysClr val="windowText" lastClr="000000"/>
+                </a:solidFill>
+                <a:latin typeface="Times New Roman" panose="02020603050405020304" pitchFamily="18" charset="0"/>
+                <a:cs typeface="Times New Roman" panose="02020603050405020304" pitchFamily="18" charset="0"/>
+              </a:rPr>
+              <a:t>2</a:t>
+            </a:r>
+            <a:endParaRPr lang="zh-CN" altLang="en-US" sz="3200" dirty="0">
+              <a:solidFill>
+                <a:sysClr val="windowText" lastClr="000000"/>
+              </a:solidFill>
+              <a:latin typeface="Times New Roman" panose="02020603050405020304" pitchFamily="18" charset="0"/>
+              <a:cs typeface="Times New Roman" panose="02020603050405020304" pitchFamily="18" charset="0"/>
+            </a:endParaRPr>
+          </a:p>
+        </p:txBody>
+      </p:sp>
+      <p:sp>
+        <p:nvSpPr>
+          <p:cNvPr id="37" name="矩形 36"/>
+          <p:cNvSpPr/>
+          <p:nvPr/>
+        </p:nvSpPr>
+        <p:spPr>
+          <a:xfrm>
+            <a:off x="2282474" y="2247528"/>
+            <a:ext cx="1210588" cy="584775"/>
+          </a:xfrm>
+          <a:prstGeom prst="rect">
+            <a:avLst/>
+          </a:prstGeom>
+        </p:spPr>
+        <p:txBody>
+          <a:bodyPr wrap="none">
+            <a:spAutoFit/>
+          </a:bodyPr>
+          <a:lstStyle/>
+          <a:p>
+            <a:r>
+              <a:rPr lang="en-US" altLang="zh-CN" sz="3200" dirty="0">
+                <a:latin typeface="Times New Roman" panose="02020603050405020304" pitchFamily="18" charset="0"/>
+                <a:cs typeface="Times New Roman" panose="02020603050405020304" pitchFamily="18" charset="0"/>
+              </a:rPr>
+              <a:t>child1</a:t>
+            </a:r>
+            <a:endParaRPr lang="zh-CN" altLang="en-US" sz="3200" dirty="0">
+              <a:latin typeface="Times New Roman" panose="02020603050405020304" pitchFamily="18" charset="0"/>
+              <a:cs typeface="Times New Roman" panose="02020603050405020304" pitchFamily="18" charset="0"/>
+            </a:endParaRPr>
+          </a:p>
+        </p:txBody>
+      </p:sp>
+      <p:cxnSp>
+        <p:nvCxnSpPr>
+          <p:cNvPr id="4" name="直接箭头连接符 3"/>
+          <p:cNvCxnSpPr>
+            <a:stCxn id="198" idx="0"/>
+            <a:endCxn id="54" idx="2"/>
+          </p:cNvCxnSpPr>
+          <p:nvPr/>
+        </p:nvCxnSpPr>
+        <p:spPr>
+          <a:xfrm flipH="1" flipV="1">
+            <a:off x="5975152" y="2795633"/>
+            <a:ext cx="4397" cy="879081"/>
+          </a:xfrm>
+          <a:prstGeom prst="straightConnector1">
+            <a:avLst/>
+          </a:prstGeom>
+          <a:ln w="19050">
+            <a:solidFill>
+              <a:srgbClr val="FF0000"/>
+            </a:solidFill>
+            <a:tailEnd type="triangle"/>
+          </a:ln>
+        </p:spPr>
+        <p:style>
+          <a:lnRef idx="1">
+            <a:schemeClr val="accent1"/>
+          </a:lnRef>
+          <a:fillRef idx="0">
+            <a:schemeClr val="accent1"/>
+          </a:fillRef>
+          <a:effectRef idx="0">
+            <a:schemeClr val="accent1"/>
+          </a:effectRef>
+          <a:fontRef idx="minor">
+            <a:schemeClr val="tx1"/>
+          </a:fontRef>
+        </p:style>
+      </p:cxnSp>
+      <p:sp>
+        <p:nvSpPr>
+          <p:cNvPr id="40" name="矩形 39"/>
+          <p:cNvSpPr/>
+          <p:nvPr/>
+        </p:nvSpPr>
+        <p:spPr>
+          <a:xfrm>
+            <a:off x="4189111" y="2281428"/>
+            <a:ext cx="716175" cy="515259"/>
+          </a:xfrm>
+          <a:prstGeom prst="rect">
+            <a:avLst/>
+          </a:prstGeom>
+          <a:solidFill>
+            <a:srgbClr val="00B0F0"/>
+          </a:solidFill>
+          <a:ln w="6350">
+            <a:solidFill>
+              <a:schemeClr val="tx1"/>
+            </a:solidFill>
+          </a:ln>
+        </p:spPr>
+        <p:style>
+          <a:lnRef idx="2">
+            <a:schemeClr val="accent1">
+              <a:shade val="50000"/>
+            </a:schemeClr>
+          </a:lnRef>
+          <a:fillRef idx="1">
+            <a:schemeClr val="accent1"/>
+          </a:fillRef>
+          <a:effectRef idx="0">
+            <a:schemeClr val="accent1"/>
+          </a:effectRef>
+          <a:fontRef idx="minor">
+            <a:schemeClr val="lt1"/>
+          </a:fontRef>
+        </p:style>
+        <p:txBody>
+          <a:bodyPr rtlCol="0" anchor="ctr"/>
+          <a:lstStyle/>
+          <a:p>
+            <a:pPr algn="ctr"/>
+            <a:r>
+              <a:rPr lang="en-US" altLang="zh-CN" sz="3200" dirty="0">
+                <a:solidFill>
+                  <a:sysClr val="windowText" lastClr="000000"/>
+                </a:solidFill>
+                <a:latin typeface="Times New Roman" panose="02020603050405020304" pitchFamily="18" charset="0"/>
+                <a:cs typeface="Times New Roman" panose="02020603050405020304" pitchFamily="18" charset="0"/>
+              </a:rPr>
+              <a:t>3</a:t>
+            </a:r>
+            <a:endParaRPr lang="zh-CN" altLang="en-US" sz="3200" dirty="0">
+              <a:solidFill>
+                <a:sysClr val="windowText" lastClr="000000"/>
+              </a:solidFill>
+              <a:latin typeface="Times New Roman" panose="02020603050405020304" pitchFamily="18" charset="0"/>
+              <a:cs typeface="Times New Roman" panose="02020603050405020304" pitchFamily="18" charset="0"/>
+            </a:endParaRPr>
+          </a:p>
+        </p:txBody>
+      </p:sp>
+      <p:sp>
+        <p:nvSpPr>
+          <p:cNvPr id="50" name="矩形 49"/>
+          <p:cNvSpPr/>
+          <p:nvPr/>
+        </p:nvSpPr>
+        <p:spPr>
+          <a:xfrm>
+            <a:off x="6334703" y="2280374"/>
+            <a:ext cx="716175" cy="515259"/>
+          </a:xfrm>
+          <a:prstGeom prst="rect">
+            <a:avLst/>
+          </a:prstGeom>
+          <a:solidFill>
+            <a:srgbClr val="00B0F0"/>
+          </a:solidFill>
+          <a:ln w="6350">
+            <a:solidFill>
+              <a:schemeClr val="tx1"/>
+            </a:solidFill>
+          </a:ln>
+        </p:spPr>
+        <p:style>
+          <a:lnRef idx="2">
+            <a:schemeClr val="accent1">
+              <a:shade val="50000"/>
+            </a:schemeClr>
+          </a:lnRef>
+          <a:fillRef idx="1">
+            <a:schemeClr val="accent1"/>
+          </a:fillRef>
+          <a:effectRef idx="0">
+            <a:schemeClr val="accent1"/>
+          </a:effectRef>
+          <a:fontRef idx="minor">
+            <a:schemeClr val="lt1"/>
+          </a:fontRef>
+        </p:style>
+        <p:txBody>
+          <a:bodyPr rtlCol="0" anchor="ctr"/>
+          <a:lstStyle/>
+          <a:p>
+            <a:pPr algn="ctr"/>
+            <a:r>
+              <a:rPr lang="en-US" altLang="zh-CN" sz="3200" dirty="0">
+                <a:solidFill>
+                  <a:sysClr val="windowText" lastClr="000000"/>
+                </a:solidFill>
+                <a:latin typeface="Times New Roman" panose="02020603050405020304" pitchFamily="18" charset="0"/>
+                <a:cs typeface="Times New Roman" panose="02020603050405020304" pitchFamily="18" charset="0"/>
+              </a:rPr>
+              <a:t>1</a:t>
+            </a:r>
+            <a:endParaRPr lang="zh-CN" altLang="en-US" sz="3200" dirty="0">
+              <a:solidFill>
+                <a:sysClr val="windowText" lastClr="000000"/>
+              </a:solidFill>
+              <a:latin typeface="Times New Roman" panose="02020603050405020304" pitchFamily="18" charset="0"/>
+              <a:cs typeface="Times New Roman" panose="02020603050405020304" pitchFamily="18" charset="0"/>
+            </a:endParaRPr>
+          </a:p>
+        </p:txBody>
+      </p:sp>
+      <p:cxnSp>
+        <p:nvCxnSpPr>
+          <p:cNvPr id="51" name="直接箭头连接符 50"/>
+          <p:cNvCxnSpPr>
+            <a:stCxn id="199" idx="0"/>
+            <a:endCxn id="50" idx="2"/>
+          </p:cNvCxnSpPr>
+          <p:nvPr/>
+        </p:nvCxnSpPr>
+        <p:spPr>
+          <a:xfrm flipH="1" flipV="1">
+            <a:off x="6692791" y="2795633"/>
+            <a:ext cx="2933" cy="879081"/>
+          </a:xfrm>
+          <a:prstGeom prst="straightConnector1">
+            <a:avLst/>
+          </a:prstGeom>
+          <a:ln w="19050">
+            <a:solidFill>
+              <a:srgbClr val="FF0000"/>
+            </a:solidFill>
+            <a:tailEnd type="triangle"/>
+          </a:ln>
+        </p:spPr>
+        <p:style>
+          <a:lnRef idx="1">
+            <a:schemeClr val="accent1"/>
+          </a:lnRef>
+          <a:fillRef idx="0">
+            <a:schemeClr val="accent1"/>
+          </a:fillRef>
+          <a:effectRef idx="0">
+            <a:schemeClr val="accent1"/>
+          </a:effectRef>
+          <a:fontRef idx="minor">
+            <a:schemeClr val="tx1"/>
+          </a:fontRef>
+        </p:style>
+      </p:cxnSp>
+      <p:sp>
+        <p:nvSpPr>
+          <p:cNvPr id="56" name="矩形 55"/>
+          <p:cNvSpPr/>
+          <p:nvPr/>
+        </p:nvSpPr>
+        <p:spPr>
+          <a:xfrm>
+            <a:off x="7055535" y="2280374"/>
+            <a:ext cx="716175" cy="515259"/>
+          </a:xfrm>
+          <a:prstGeom prst="rect">
+            <a:avLst/>
+          </a:prstGeom>
+          <a:solidFill>
+            <a:srgbClr val="00B0F0"/>
+          </a:solidFill>
+          <a:ln w="6350">
+            <a:solidFill>
+              <a:schemeClr val="tx1"/>
+            </a:solidFill>
+          </a:ln>
+        </p:spPr>
+        <p:style>
+          <a:lnRef idx="2">
+            <a:schemeClr val="accent1">
+              <a:shade val="50000"/>
+            </a:schemeClr>
+          </a:lnRef>
+          <a:fillRef idx="1">
+            <a:schemeClr val="accent1"/>
+          </a:fillRef>
+          <a:effectRef idx="0">
+            <a:schemeClr val="accent1"/>
+          </a:effectRef>
+          <a:fontRef idx="minor">
+            <a:schemeClr val="lt1"/>
+          </a:fontRef>
+        </p:style>
+        <p:txBody>
+          <a:bodyPr rtlCol="0" anchor="ctr"/>
+          <a:lstStyle/>
+          <a:p>
+            <a:pPr algn="ctr"/>
+            <a:r>
+              <a:rPr lang="en-US" altLang="zh-CN" sz="3200" dirty="0">
+                <a:solidFill>
+                  <a:sysClr val="windowText" lastClr="000000"/>
+                </a:solidFill>
+                <a:latin typeface="Times New Roman" panose="02020603050405020304" pitchFamily="18" charset="0"/>
+                <a:cs typeface="Times New Roman" panose="02020603050405020304" pitchFamily="18" charset="0"/>
+              </a:rPr>
+              <a:t>7</a:t>
+            </a:r>
+            <a:endParaRPr lang="zh-CN" altLang="en-US" sz="3200" dirty="0">
+              <a:solidFill>
+                <a:sysClr val="windowText" lastClr="000000"/>
+              </a:solidFill>
+              <a:latin typeface="Times New Roman" panose="02020603050405020304" pitchFamily="18" charset="0"/>
+              <a:cs typeface="Times New Roman" panose="02020603050405020304" pitchFamily="18" charset="0"/>
+            </a:endParaRPr>
+          </a:p>
+        </p:txBody>
+      </p:sp>
+      <p:sp>
+        <p:nvSpPr>
+          <p:cNvPr id="57" name="矩形 56"/>
+          <p:cNvSpPr/>
+          <p:nvPr/>
+        </p:nvSpPr>
+        <p:spPr>
+          <a:xfrm>
+            <a:off x="9202328" y="2281426"/>
+            <a:ext cx="716175" cy="515259"/>
+          </a:xfrm>
+          <a:prstGeom prst="rect">
+            <a:avLst/>
+          </a:prstGeom>
+          <a:solidFill>
+            <a:srgbClr val="00B0F0"/>
+          </a:solidFill>
+          <a:ln w="6350">
+            <a:solidFill>
+              <a:schemeClr val="tx1"/>
+            </a:solidFill>
+          </a:ln>
+        </p:spPr>
+        <p:style>
+          <a:lnRef idx="2">
+            <a:schemeClr val="accent1">
+              <a:shade val="50000"/>
+            </a:schemeClr>
+          </a:lnRef>
+          <a:fillRef idx="1">
+            <a:schemeClr val="accent1"/>
+          </a:fillRef>
+          <a:effectRef idx="0">
+            <a:schemeClr val="accent1"/>
+          </a:effectRef>
+          <a:fontRef idx="minor">
+            <a:schemeClr val="lt1"/>
+          </a:fontRef>
+        </p:style>
+        <p:txBody>
+          <a:bodyPr rtlCol="0" anchor="ctr"/>
+          <a:lstStyle/>
+          <a:p>
+            <a:pPr algn="ctr"/>
+            <a:r>
+              <a:rPr lang="en-US" altLang="zh-CN" sz="3200" dirty="0">
+                <a:solidFill>
+                  <a:sysClr val="windowText" lastClr="000000"/>
+                </a:solidFill>
+                <a:latin typeface="Times New Roman" panose="02020603050405020304" pitchFamily="18" charset="0"/>
+                <a:cs typeface="Times New Roman" panose="02020603050405020304" pitchFamily="18" charset="0"/>
+              </a:rPr>
+              <a:t>6</a:t>
+            </a:r>
+            <a:endParaRPr lang="zh-CN" altLang="en-US" sz="3200" dirty="0">
+              <a:solidFill>
+                <a:sysClr val="windowText" lastClr="000000"/>
+              </a:solidFill>
+              <a:latin typeface="Times New Roman" panose="02020603050405020304" pitchFamily="18" charset="0"/>
+              <a:cs typeface="Times New Roman" panose="02020603050405020304" pitchFamily="18" charset="0"/>
+            </a:endParaRPr>
+          </a:p>
+        </p:txBody>
+      </p:sp>
+      <p:cxnSp>
+        <p:nvCxnSpPr>
+          <p:cNvPr id="58" name="直接箭头连接符 57"/>
+          <p:cNvCxnSpPr>
+            <a:stCxn id="200" idx="0"/>
+            <a:endCxn id="56" idx="2"/>
+          </p:cNvCxnSpPr>
+          <p:nvPr/>
+        </p:nvCxnSpPr>
+        <p:spPr>
+          <a:xfrm flipV="1">
+            <a:off x="7411898" y="2795633"/>
+            <a:ext cx="1725" cy="879081"/>
+          </a:xfrm>
+          <a:prstGeom prst="straightConnector1">
+            <a:avLst/>
+          </a:prstGeom>
+          <a:ln w="19050">
+            <a:solidFill>
+              <a:srgbClr val="FF0000"/>
+            </a:solidFill>
+            <a:tailEnd type="triangle"/>
+          </a:ln>
+        </p:spPr>
+        <p:style>
+          <a:lnRef idx="1">
+            <a:schemeClr val="accent1"/>
+          </a:lnRef>
+          <a:fillRef idx="0">
+            <a:schemeClr val="accent1"/>
+          </a:fillRef>
+          <a:effectRef idx="0">
+            <a:schemeClr val="accent1"/>
+          </a:effectRef>
+          <a:fontRef idx="minor">
+            <a:schemeClr val="tx1"/>
+          </a:fontRef>
+        </p:style>
+      </p:cxnSp>
+      <p:cxnSp>
+        <p:nvCxnSpPr>
+          <p:cNvPr id="59" name="直接箭头连接符 58"/>
+          <p:cNvCxnSpPr>
+            <a:stCxn id="203" idx="0"/>
+            <a:endCxn id="57" idx="2"/>
+          </p:cNvCxnSpPr>
+          <p:nvPr/>
+        </p:nvCxnSpPr>
+        <p:spPr>
+          <a:xfrm flipH="1" flipV="1">
+            <a:off x="9560416" y="2796685"/>
+            <a:ext cx="6" cy="878029"/>
+          </a:xfrm>
+          <a:prstGeom prst="straightConnector1">
+            <a:avLst/>
+          </a:prstGeom>
+          <a:ln w="19050">
+            <a:solidFill>
+              <a:srgbClr val="FF0000"/>
+            </a:solidFill>
+            <a:tailEnd type="triangle"/>
+          </a:ln>
+        </p:spPr>
+        <p:style>
+          <a:lnRef idx="1">
+            <a:schemeClr val="accent1"/>
+          </a:lnRef>
+          <a:fillRef idx="0">
+            <a:schemeClr val="accent1"/>
+          </a:fillRef>
+          <a:effectRef idx="0">
+            <a:schemeClr val="accent1"/>
+          </a:effectRef>
+          <a:fontRef idx="minor">
+            <a:schemeClr val="tx1"/>
+          </a:fontRef>
+        </p:style>
+      </p:cxnSp>
+      <p:cxnSp>
+        <p:nvCxnSpPr>
+          <p:cNvPr id="53" name="直接箭头连接符 52"/>
+          <p:cNvCxnSpPr>
+            <a:stCxn id="46" idx="0"/>
+            <a:endCxn id="40" idx="2"/>
+          </p:cNvCxnSpPr>
+          <p:nvPr/>
+        </p:nvCxnSpPr>
+        <p:spPr>
+          <a:xfrm flipH="1" flipV="1">
+            <a:off x="4547199" y="2796687"/>
+            <a:ext cx="1732" cy="879081"/>
+          </a:xfrm>
+          <a:prstGeom prst="straightConnector1">
+            <a:avLst/>
+          </a:prstGeom>
+          <a:ln w="19050">
+            <a:solidFill>
+              <a:srgbClr val="FF0000"/>
+            </a:solidFill>
+            <a:tailEnd type="triangle"/>
+          </a:ln>
+        </p:spPr>
+        <p:style>
+          <a:lnRef idx="1">
+            <a:schemeClr val="accent1"/>
+          </a:lnRef>
+          <a:fillRef idx="0">
+            <a:schemeClr val="accent1"/>
+          </a:fillRef>
+          <a:effectRef idx="0">
+            <a:schemeClr val="accent1"/>
+          </a:effectRef>
+          <a:fontRef idx="minor">
+            <a:schemeClr val="tx1"/>
+          </a:fontRef>
+        </p:style>
+      </p:cxnSp>
+      <p:sp>
+        <p:nvSpPr>
+          <p:cNvPr id="54" name="矩形 53"/>
+          <p:cNvSpPr/>
+          <p:nvPr/>
+        </p:nvSpPr>
+        <p:spPr>
+          <a:xfrm>
+            <a:off x="5618528" y="2280374"/>
+            <a:ext cx="713247" cy="515259"/>
+          </a:xfrm>
+          <a:prstGeom prst="rect">
+            <a:avLst/>
+          </a:prstGeom>
+          <a:solidFill>
+            <a:srgbClr val="00B0F0"/>
+          </a:solidFill>
+          <a:ln w="6350">
+            <a:solidFill>
+              <a:schemeClr val="tx1"/>
+            </a:solidFill>
+          </a:ln>
+        </p:spPr>
+        <p:style>
+          <a:lnRef idx="2">
+            <a:schemeClr val="accent1">
+              <a:shade val="50000"/>
+            </a:schemeClr>
+          </a:lnRef>
+          <a:fillRef idx="1">
+            <a:schemeClr val="accent1"/>
+          </a:fillRef>
+          <a:effectRef idx="0">
+            <a:schemeClr val="accent1"/>
+          </a:effectRef>
+          <a:fontRef idx="minor">
+            <a:schemeClr val="lt1"/>
+          </a:fontRef>
+        </p:style>
+        <p:txBody>
+          <a:bodyPr rtlCol="0" anchor="ctr"/>
+          <a:lstStyle/>
+          <a:p>
+            <a:pPr algn="ctr"/>
+            <a:r>
+              <a:rPr lang="en-US" altLang="zh-CN" sz="3200" dirty="0">
+                <a:solidFill>
+                  <a:sysClr val="windowText" lastClr="000000"/>
+                </a:solidFill>
+                <a:latin typeface="Times New Roman" panose="02020603050405020304" pitchFamily="18" charset="0"/>
+                <a:cs typeface="Times New Roman" panose="02020603050405020304" pitchFamily="18" charset="0"/>
+              </a:rPr>
+              <a:t>8</a:t>
+            </a:r>
+            <a:endParaRPr lang="zh-CN" altLang="en-US" sz="3200" dirty="0">
+              <a:solidFill>
+                <a:sysClr val="windowText" lastClr="000000"/>
+              </a:solidFill>
+              <a:latin typeface="Times New Roman" panose="02020603050405020304" pitchFamily="18" charset="0"/>
+              <a:cs typeface="Times New Roman" panose="02020603050405020304" pitchFamily="18" charset="0"/>
+            </a:endParaRPr>
+          </a:p>
+        </p:txBody>
+      </p:sp>
+      <p:sp>
+        <p:nvSpPr>
+          <p:cNvPr id="61" name="矩形 60"/>
+          <p:cNvSpPr/>
+          <p:nvPr/>
+        </p:nvSpPr>
+        <p:spPr>
+          <a:xfrm>
+            <a:off x="4907012" y="2281699"/>
+            <a:ext cx="716175" cy="515259"/>
+          </a:xfrm>
+          <a:prstGeom prst="rect">
+            <a:avLst/>
+          </a:prstGeom>
+          <a:noFill/>
+          <a:ln w="6350">
+            <a:solidFill>
+              <a:schemeClr val="tx1"/>
+            </a:solidFill>
+          </a:ln>
+        </p:spPr>
+        <p:style>
+          <a:lnRef idx="2">
+            <a:schemeClr val="accent1">
+              <a:shade val="50000"/>
+            </a:schemeClr>
+          </a:lnRef>
+          <a:fillRef idx="1">
+            <a:schemeClr val="accent1"/>
+          </a:fillRef>
+          <a:effectRef idx="0">
+            <a:schemeClr val="accent1"/>
+          </a:effectRef>
+          <a:fontRef idx="minor">
+            <a:schemeClr val="lt1"/>
+          </a:fontRef>
+        </p:style>
+        <p:txBody>
+          <a:bodyPr rtlCol="0" anchor="ctr"/>
+          <a:lstStyle/>
+          <a:p>
+            <a:pPr algn="ctr"/>
+            <a:endParaRPr lang="zh-CN" altLang="en-US" sz="3200" dirty="0">
+              <a:solidFill>
+                <a:sysClr val="windowText" lastClr="000000"/>
+              </a:solidFill>
+              <a:latin typeface="Times New Roman" panose="02020603050405020304" pitchFamily="18" charset="0"/>
+              <a:cs typeface="Times New Roman" panose="02020603050405020304" pitchFamily="18" charset="0"/>
+            </a:endParaRPr>
+          </a:p>
+        </p:txBody>
+      </p:sp>
+      <p:sp>
+        <p:nvSpPr>
+          <p:cNvPr id="64" name="矩形 63"/>
+          <p:cNvSpPr/>
+          <p:nvPr/>
+        </p:nvSpPr>
+        <p:spPr>
+          <a:xfrm>
+            <a:off x="7779179" y="2280372"/>
+            <a:ext cx="716175" cy="515259"/>
+          </a:xfrm>
+          <a:prstGeom prst="rect">
+            <a:avLst/>
+          </a:prstGeom>
+          <a:noFill/>
+          <a:ln w="6350">
+            <a:solidFill>
+              <a:schemeClr val="tx1"/>
+            </a:solidFill>
+          </a:ln>
+        </p:spPr>
+        <p:style>
+          <a:lnRef idx="2">
+            <a:schemeClr val="accent1">
+              <a:shade val="50000"/>
+            </a:schemeClr>
+          </a:lnRef>
+          <a:fillRef idx="1">
+            <a:schemeClr val="accent1"/>
+          </a:fillRef>
+          <a:effectRef idx="0">
+            <a:schemeClr val="accent1"/>
+          </a:effectRef>
+          <a:fontRef idx="minor">
+            <a:schemeClr val="lt1"/>
+          </a:fontRef>
+        </p:style>
+        <p:txBody>
+          <a:bodyPr rtlCol="0" anchor="ctr"/>
+          <a:lstStyle/>
+          <a:p>
+            <a:pPr algn="ctr"/>
+            <a:endParaRPr lang="zh-CN" altLang="en-US" sz="3200" dirty="0">
+              <a:solidFill>
+                <a:sysClr val="windowText" lastClr="000000"/>
+              </a:solidFill>
+              <a:latin typeface="Times New Roman" panose="02020603050405020304" pitchFamily="18" charset="0"/>
+              <a:cs typeface="Times New Roman" panose="02020603050405020304" pitchFamily="18" charset="0"/>
+            </a:endParaRPr>
+          </a:p>
+        </p:txBody>
+      </p:sp>
+      <p:sp>
+        <p:nvSpPr>
+          <p:cNvPr id="71" name="矩形 70"/>
+          <p:cNvSpPr/>
+          <p:nvPr/>
+        </p:nvSpPr>
+        <p:spPr>
+          <a:xfrm>
+            <a:off x="8495354" y="2280571"/>
+            <a:ext cx="716175" cy="515259"/>
+          </a:xfrm>
+          <a:prstGeom prst="rect">
+            <a:avLst/>
+          </a:prstGeom>
+          <a:noFill/>
+          <a:ln w="6350">
+            <a:solidFill>
+              <a:schemeClr val="tx1"/>
+            </a:solidFill>
+          </a:ln>
+        </p:spPr>
+        <p:style>
+          <a:lnRef idx="2">
+            <a:schemeClr val="accent1">
+              <a:shade val="50000"/>
+            </a:schemeClr>
+          </a:lnRef>
+          <a:fillRef idx="1">
+            <a:schemeClr val="accent1"/>
+          </a:fillRef>
+          <a:effectRef idx="0">
+            <a:schemeClr val="accent1"/>
+          </a:effectRef>
+          <a:fontRef idx="minor">
+            <a:schemeClr val="lt1"/>
+          </a:fontRef>
+        </p:style>
+        <p:txBody>
+          <a:bodyPr rtlCol="0" anchor="ctr"/>
+          <a:lstStyle/>
+          <a:p>
+            <a:pPr algn="ctr"/>
+            <a:endParaRPr lang="zh-CN" altLang="en-US" sz="3200" dirty="0">
+              <a:solidFill>
+                <a:sysClr val="windowText" lastClr="000000"/>
+              </a:solidFill>
+              <a:latin typeface="Times New Roman" panose="02020603050405020304" pitchFamily="18" charset="0"/>
+              <a:cs typeface="Times New Roman" panose="02020603050405020304" pitchFamily="18" charset="0"/>
+            </a:endParaRPr>
+          </a:p>
+        </p:txBody>
+      </p:sp>
+    </p:spTree>
+    <p:extLst>
+      <p:ext uri="{BB962C8B-B14F-4D97-AF65-F5344CB8AC3E}">
+        <p14:creationId xmlns:p14="http://schemas.microsoft.com/office/powerpoint/2010/main" val="1948817072"/>
+      </p:ext>
+    </p:extLst>
+  </p:cSld>
+  <p:clrMapOvr>
+    <a:masterClrMapping/>
+  </p:clrMapOvr>
+  <p:timing>
+    <p:tnLst>
+      <p:par>
+        <p:cTn id="1" dur="indefinite" restart="never" nodeType="tmRoot">
+          <p:childTnLst>
+            <p:seq concurrent="1" nextAc="seek">
+              <p:cTn id="2" dur="indefinite" nodeType="mainSeq">
+                <p:childTnLst>
+                  <p:par>
+                    <p:cTn id="3" fill="hold">
+                      <p:stCondLst>
+                        <p:cond delay="indefinite"/>
+                        <p:cond evt="onBegin" delay="0">
+                          <p:tn val="2"/>
+                        </p:cond>
+                      </p:stCondLst>
+                      <p:childTnLst>
+                        <p:par>
+                          <p:cTn id="4" fill="hold">
+                            <p:stCondLst>
+                              <p:cond delay="0"/>
+                            </p:stCondLst>
+                            <p:childTnLst>
+                              <p:par>
+                                <p:cTn id="5" presetID="1" presetClass="emph" presetSubtype="2" fill="hold" nodeType="afterEffect">
+                                  <p:stCondLst>
+                                    <p:cond delay="0"/>
+                                  </p:stCondLst>
+                                  <p:childTnLst>
+                                    <p:animClr clrSpc="rgb" dir="cw">
+                                      <p:cBhvr>
+                                        <p:cTn id="6" dur="2000" fill="hold"/>
+                                        <p:tgtEl>
+                                          <p:spTgt spid="197"/>
+                                        </p:tgtEl>
+                                        <p:attrNameLst>
+                                          <p:attrName>fillcolor</p:attrName>
+                                        </p:attrNameLst>
+                                      </p:cBhvr>
+                                      <p:to>
+                                        <a:srgbClr val="272625"/>
+                                      </p:to>
+                                    </p:animClr>
+                                    <p:set>
+                                      <p:cBhvr>
+                                        <p:cTn id="7" dur="2000" fill="hold"/>
+                                        <p:tgtEl>
+                                          <p:spTgt spid="197"/>
+                                        </p:tgtEl>
+                                        <p:attrNameLst>
+                                          <p:attrName>fill.type</p:attrName>
+                                        </p:attrNameLst>
+                                      </p:cBhvr>
+                                      <p:to>
+                                        <p:strVal val="solid"/>
+                                      </p:to>
+                                    </p:set>
+                                    <p:set>
+                                      <p:cBhvr>
+                                        <p:cTn id="8" dur="2000" fill="hold"/>
+                                        <p:tgtEl>
+                                          <p:spTgt spid="197"/>
+                                        </p:tgtEl>
+                                        <p:attrNameLst>
+                                          <p:attrName>fill.on</p:attrName>
+                                        </p:attrNameLst>
+                                      </p:cBhvr>
+                                      <p:to>
+                                        <p:strVal val="true"/>
+                                      </p:to>
+                                    </p:set>
+                                  </p:childTnLst>
+                                </p:cTn>
+                              </p:par>
+                              <p:par>
+                                <p:cTn id="9" presetID="1" presetClass="emph" presetSubtype="2" fill="hold" nodeType="withEffect">
+                                  <p:stCondLst>
+                                    <p:cond delay="0"/>
+                                  </p:stCondLst>
+                                  <p:childTnLst>
+                                    <p:animClr clrSpc="rgb" dir="cw">
+                                      <p:cBhvr>
+                                        <p:cTn id="10" dur="2000" fill="hold"/>
+                                        <p:tgtEl>
+                                          <p:spTgt spid="48"/>
+                                        </p:tgtEl>
+                                        <p:attrNameLst>
+                                          <p:attrName>fillcolor</p:attrName>
+                                        </p:attrNameLst>
+                                      </p:cBhvr>
+                                      <p:to>
+                                        <a:srgbClr val="272625"/>
+                                      </p:to>
+                                    </p:animClr>
+                                    <p:set>
+                                      <p:cBhvr>
+                                        <p:cTn id="11" dur="2000" fill="hold"/>
+                                        <p:tgtEl>
+                                          <p:spTgt spid="48"/>
+                                        </p:tgtEl>
+                                        <p:attrNameLst>
+                                          <p:attrName>fill.type</p:attrName>
+                                        </p:attrNameLst>
+                                      </p:cBhvr>
+                                      <p:to>
+                                        <p:strVal val="solid"/>
+                                      </p:to>
+                                    </p:set>
+                                    <p:set>
+                                      <p:cBhvr>
+                                        <p:cTn id="12" dur="2000" fill="hold"/>
+                                        <p:tgtEl>
+                                          <p:spTgt spid="48"/>
+                                        </p:tgtEl>
+                                        <p:attrNameLst>
+                                          <p:attrName>fill.on</p:attrName>
+                                        </p:attrNameLst>
+                                      </p:cBhvr>
+                                      <p:to>
+                                        <p:strVal val="true"/>
+                                      </p:to>
+                                    </p:set>
+                                  </p:childTnLst>
+                                </p:cTn>
+                              </p:par>
+                              <p:par>
+                                <p:cTn id="13" presetID="1" presetClass="emph" presetSubtype="2" fill="hold" nodeType="withEffect">
+                                  <p:stCondLst>
+                                    <p:cond delay="0"/>
+                                  </p:stCondLst>
+                                  <p:childTnLst>
+                                    <p:animClr clrSpc="rgb" dir="cw">
+                                      <p:cBhvr>
+                                        <p:cTn id="14" dur="2000" fill="hold"/>
+                                        <p:tgtEl>
+                                          <p:spTgt spid="47"/>
+                                        </p:tgtEl>
+                                        <p:attrNameLst>
+                                          <p:attrName>fillcolor</p:attrName>
+                                        </p:attrNameLst>
+                                      </p:cBhvr>
+                                      <p:to>
+                                        <a:srgbClr val="272625"/>
+                                      </p:to>
+                                    </p:animClr>
+                                    <p:set>
+                                      <p:cBhvr>
+                                        <p:cTn id="15" dur="2000" fill="hold"/>
+                                        <p:tgtEl>
+                                          <p:spTgt spid="47"/>
+                                        </p:tgtEl>
+                                        <p:attrNameLst>
+                                          <p:attrName>fill.type</p:attrName>
+                                        </p:attrNameLst>
+                                      </p:cBhvr>
+                                      <p:to>
+                                        <p:strVal val="solid"/>
+                                      </p:to>
+                                    </p:set>
+                                    <p:set>
+                                      <p:cBhvr>
+                                        <p:cTn id="16" dur="2000" fill="hold"/>
+                                        <p:tgtEl>
+                                          <p:spTgt spid="47"/>
+                                        </p:tgtEl>
+                                        <p:attrNameLst>
+                                          <p:attrName>fill.on</p:attrName>
+                                        </p:attrNameLst>
+                                      </p:cBhvr>
+                                      <p:to>
+                                        <p:strVal val="true"/>
+                                      </p:to>
+                                    </p:set>
+                                  </p:childTnLst>
+                                </p:cTn>
+                              </p:par>
+                            </p:childTnLst>
+                          </p:cTn>
+                        </p:par>
+                        <p:par>
+                          <p:cTn id="17" fill="hold">
+                            <p:stCondLst>
+                              <p:cond delay="2000"/>
+                            </p:stCondLst>
+                            <p:childTnLst>
+                              <p:par>
+                                <p:cTn id="18" presetID="1" presetClass="entr" presetSubtype="0" fill="hold" grpId="0" nodeType="afterEffect">
+                                  <p:stCondLst>
+                                    <p:cond delay="500"/>
+                                  </p:stCondLst>
+                                  <p:childTnLst>
+                                    <p:set>
+                                      <p:cBhvr>
+                                        <p:cTn id="19" dur="1" fill="hold">
+                                          <p:stCondLst>
+                                            <p:cond delay="0"/>
+                                          </p:stCondLst>
+                                        </p:cTn>
+                                        <p:tgtEl>
+                                          <p:spTgt spid="37"/>
+                                        </p:tgtEl>
+                                        <p:attrNameLst>
+                                          <p:attrName>style.visibility</p:attrName>
+                                        </p:attrNameLst>
+                                      </p:cBhvr>
+                                      <p:to>
+                                        <p:strVal val="visible"/>
+                                      </p:to>
+                                    </p:set>
+                                  </p:childTnLst>
+                                </p:cTn>
+                              </p:par>
+                            </p:childTnLst>
+                          </p:cTn>
+                        </p:par>
+                        <p:par>
+                          <p:cTn id="20" fill="hold">
+                            <p:stCondLst>
+                              <p:cond delay="2500"/>
+                            </p:stCondLst>
+                            <p:childTnLst>
+                              <p:par>
+                                <p:cTn id="21" presetID="22" presetClass="entr" presetSubtype="4" fill="hold" nodeType="afterEffect">
+                                  <p:stCondLst>
+                                    <p:cond delay="500"/>
+                                  </p:stCondLst>
+                                  <p:childTnLst>
+                                    <p:set>
+                                      <p:cBhvr>
+                                        <p:cTn id="22" dur="1" fill="hold">
+                                          <p:stCondLst>
+                                            <p:cond delay="0"/>
+                                          </p:stCondLst>
+                                        </p:cTn>
+                                        <p:tgtEl>
+                                          <p:spTgt spid="53"/>
+                                        </p:tgtEl>
+                                        <p:attrNameLst>
+                                          <p:attrName>style.visibility</p:attrName>
+                                        </p:attrNameLst>
+                                      </p:cBhvr>
+                                      <p:to>
+                                        <p:strVal val="visible"/>
+                                      </p:to>
+                                    </p:set>
+                                    <p:animEffect transition="in" filter="wipe(down)">
+                                      <p:cBhvr>
+                                        <p:cTn id="23" dur="500"/>
+                                        <p:tgtEl>
+                                          <p:spTgt spid="53"/>
+                                        </p:tgtEl>
+                                      </p:cBhvr>
+                                    </p:animEffect>
+                                  </p:childTnLst>
+                                </p:cTn>
+                              </p:par>
+                            </p:childTnLst>
+                          </p:cTn>
+                        </p:par>
+                        <p:par>
+                          <p:cTn id="24" fill="hold">
+                            <p:stCondLst>
+                              <p:cond delay="3500"/>
+                            </p:stCondLst>
+                            <p:childTnLst>
+                              <p:par>
+                                <p:cTn id="25" presetID="1" presetClass="entr" presetSubtype="0" fill="hold" grpId="0" nodeType="afterEffect">
+                                  <p:stCondLst>
+                                    <p:cond delay="0"/>
+                                  </p:stCondLst>
+                                  <p:childTnLst>
+                                    <p:set>
+                                      <p:cBhvr>
+                                        <p:cTn id="26" dur="1" fill="hold">
+                                          <p:stCondLst>
+                                            <p:cond delay="0"/>
+                                          </p:stCondLst>
+                                        </p:cTn>
+                                        <p:tgtEl>
+                                          <p:spTgt spid="40"/>
+                                        </p:tgtEl>
+                                        <p:attrNameLst>
+                                          <p:attrName>style.visibility</p:attrName>
+                                        </p:attrNameLst>
+                                      </p:cBhvr>
+                                      <p:to>
+                                        <p:strVal val="visible"/>
+                                      </p:to>
+                                    </p:set>
+                                  </p:childTnLst>
+                                </p:cTn>
+                              </p:par>
+                            </p:childTnLst>
+                          </p:cTn>
+                        </p:par>
+                        <p:par>
+                          <p:cTn id="27" fill="hold">
+                            <p:stCondLst>
+                              <p:cond delay="3500"/>
+                            </p:stCondLst>
+                            <p:childTnLst>
+                              <p:par>
+                                <p:cTn id="28" presetID="22" presetClass="entr" presetSubtype="4" fill="hold" nodeType="afterEffect">
+                                  <p:stCondLst>
+                                    <p:cond delay="0"/>
+                                  </p:stCondLst>
+                                  <p:childTnLst>
+                                    <p:set>
+                                      <p:cBhvr>
+                                        <p:cTn id="29" dur="1" fill="hold">
+                                          <p:stCondLst>
+                                            <p:cond delay="0"/>
+                                          </p:stCondLst>
+                                        </p:cTn>
+                                        <p:tgtEl>
+                                          <p:spTgt spid="4"/>
+                                        </p:tgtEl>
+                                        <p:attrNameLst>
+                                          <p:attrName>style.visibility</p:attrName>
+                                        </p:attrNameLst>
+                                      </p:cBhvr>
+                                      <p:to>
+                                        <p:strVal val="visible"/>
+                                      </p:to>
+                                    </p:set>
+                                    <p:animEffect transition="in" filter="wipe(down)">
+                                      <p:cBhvr>
+                                        <p:cTn id="30" dur="500"/>
+                                        <p:tgtEl>
+                                          <p:spTgt spid="4"/>
+                                        </p:tgtEl>
+                                      </p:cBhvr>
+                                    </p:animEffect>
+                                  </p:childTnLst>
+                                </p:cTn>
+                              </p:par>
+                            </p:childTnLst>
+                          </p:cTn>
+                        </p:par>
+                        <p:par>
+                          <p:cTn id="31" fill="hold">
+                            <p:stCondLst>
+                              <p:cond delay="4000"/>
+                            </p:stCondLst>
+                            <p:childTnLst>
+                              <p:par>
+                                <p:cTn id="32" presetID="1" presetClass="entr" presetSubtype="0" fill="hold" grpId="0" nodeType="afterEffect">
+                                  <p:stCondLst>
+                                    <p:cond delay="0"/>
+                                  </p:stCondLst>
+                                  <p:childTnLst>
+                                    <p:set>
+                                      <p:cBhvr>
+                                        <p:cTn id="33" dur="1" fill="hold">
+                                          <p:stCondLst>
+                                            <p:cond delay="0"/>
+                                          </p:stCondLst>
+                                        </p:cTn>
+                                        <p:tgtEl>
+                                          <p:spTgt spid="54"/>
+                                        </p:tgtEl>
+                                        <p:attrNameLst>
+                                          <p:attrName>style.visibility</p:attrName>
+                                        </p:attrNameLst>
+                                      </p:cBhvr>
+                                      <p:to>
+                                        <p:strVal val="visible"/>
+                                      </p:to>
+                                    </p:set>
+                                  </p:childTnLst>
+                                </p:cTn>
+                              </p:par>
+                            </p:childTnLst>
+                          </p:cTn>
+                        </p:par>
+                        <p:par>
+                          <p:cTn id="34" fill="hold">
+                            <p:stCondLst>
+                              <p:cond delay="4000"/>
+                            </p:stCondLst>
+                            <p:childTnLst>
+                              <p:par>
+                                <p:cTn id="35" presetID="22" presetClass="entr" presetSubtype="4" fill="hold" nodeType="afterEffect">
+                                  <p:stCondLst>
+                                    <p:cond delay="500"/>
+                                  </p:stCondLst>
+                                  <p:childTnLst>
+                                    <p:set>
+                                      <p:cBhvr>
+                                        <p:cTn id="36" dur="1" fill="hold">
+                                          <p:stCondLst>
+                                            <p:cond delay="0"/>
+                                          </p:stCondLst>
+                                        </p:cTn>
+                                        <p:tgtEl>
+                                          <p:spTgt spid="51"/>
+                                        </p:tgtEl>
+                                        <p:attrNameLst>
+                                          <p:attrName>style.visibility</p:attrName>
+                                        </p:attrNameLst>
+                                      </p:cBhvr>
+                                      <p:to>
+                                        <p:strVal val="visible"/>
+                                      </p:to>
+                                    </p:set>
+                                    <p:animEffect transition="in" filter="wipe(down)">
+                                      <p:cBhvr>
+                                        <p:cTn id="37" dur="500"/>
+                                        <p:tgtEl>
+                                          <p:spTgt spid="51"/>
+                                        </p:tgtEl>
+                                      </p:cBhvr>
+                                    </p:animEffect>
+                                  </p:childTnLst>
+                                </p:cTn>
+                              </p:par>
+                            </p:childTnLst>
+                          </p:cTn>
+                        </p:par>
+                        <p:par>
+                          <p:cTn id="38" fill="hold">
+                            <p:stCondLst>
+                              <p:cond delay="5000"/>
+                            </p:stCondLst>
+                            <p:childTnLst>
+                              <p:par>
+                                <p:cTn id="39" presetID="1" presetClass="entr" presetSubtype="0" fill="hold" grpId="0" nodeType="afterEffect">
+                                  <p:stCondLst>
+                                    <p:cond delay="0"/>
+                                  </p:stCondLst>
+                                  <p:childTnLst>
+                                    <p:set>
+                                      <p:cBhvr>
+                                        <p:cTn id="40" dur="1" fill="hold">
+                                          <p:stCondLst>
+                                            <p:cond delay="0"/>
+                                          </p:stCondLst>
+                                        </p:cTn>
+                                        <p:tgtEl>
+                                          <p:spTgt spid="50"/>
+                                        </p:tgtEl>
+                                        <p:attrNameLst>
+                                          <p:attrName>style.visibility</p:attrName>
+                                        </p:attrNameLst>
+                                      </p:cBhvr>
+                                      <p:to>
+                                        <p:strVal val="visible"/>
+                                      </p:to>
+                                    </p:set>
+                                  </p:childTnLst>
+                                </p:cTn>
+                              </p:par>
+                            </p:childTnLst>
+                          </p:cTn>
+                        </p:par>
+                        <p:par>
+                          <p:cTn id="41" fill="hold">
+                            <p:stCondLst>
+                              <p:cond delay="5000"/>
+                            </p:stCondLst>
+                            <p:childTnLst>
+                              <p:par>
+                                <p:cTn id="42" presetID="22" presetClass="entr" presetSubtype="4" fill="hold" nodeType="afterEffect">
+                                  <p:stCondLst>
+                                    <p:cond delay="500"/>
+                                  </p:stCondLst>
+                                  <p:childTnLst>
+                                    <p:set>
+                                      <p:cBhvr>
+                                        <p:cTn id="43" dur="1" fill="hold">
+                                          <p:stCondLst>
+                                            <p:cond delay="0"/>
+                                          </p:stCondLst>
+                                        </p:cTn>
+                                        <p:tgtEl>
+                                          <p:spTgt spid="58"/>
+                                        </p:tgtEl>
+                                        <p:attrNameLst>
+                                          <p:attrName>style.visibility</p:attrName>
+                                        </p:attrNameLst>
+                                      </p:cBhvr>
+                                      <p:to>
+                                        <p:strVal val="visible"/>
+                                      </p:to>
+                                    </p:set>
+                                    <p:animEffect transition="in" filter="wipe(down)">
+                                      <p:cBhvr>
+                                        <p:cTn id="44" dur="500"/>
+                                        <p:tgtEl>
+                                          <p:spTgt spid="58"/>
+                                        </p:tgtEl>
+                                      </p:cBhvr>
+                                    </p:animEffect>
+                                  </p:childTnLst>
+                                </p:cTn>
+                              </p:par>
+                            </p:childTnLst>
+                          </p:cTn>
+                        </p:par>
+                        <p:par>
+                          <p:cTn id="45" fill="hold">
+                            <p:stCondLst>
+                              <p:cond delay="6000"/>
+                            </p:stCondLst>
+                            <p:childTnLst>
+                              <p:par>
+                                <p:cTn id="46" presetID="1" presetClass="entr" presetSubtype="0" fill="hold" grpId="0" nodeType="afterEffect">
+                                  <p:stCondLst>
+                                    <p:cond delay="0"/>
+                                  </p:stCondLst>
+                                  <p:childTnLst>
+                                    <p:set>
+                                      <p:cBhvr>
+                                        <p:cTn id="47" dur="1" fill="hold">
+                                          <p:stCondLst>
+                                            <p:cond delay="0"/>
+                                          </p:stCondLst>
+                                        </p:cTn>
+                                        <p:tgtEl>
+                                          <p:spTgt spid="56"/>
+                                        </p:tgtEl>
+                                        <p:attrNameLst>
+                                          <p:attrName>style.visibility</p:attrName>
+                                        </p:attrNameLst>
+                                      </p:cBhvr>
+                                      <p:to>
+                                        <p:strVal val="visible"/>
+                                      </p:to>
+                                    </p:set>
+                                  </p:childTnLst>
+                                </p:cTn>
+                              </p:par>
+                            </p:childTnLst>
+                          </p:cTn>
+                        </p:par>
+                        <p:par>
+                          <p:cTn id="48" fill="hold">
+                            <p:stCondLst>
+                              <p:cond delay="6000"/>
+                            </p:stCondLst>
+                            <p:childTnLst>
+                              <p:par>
+                                <p:cTn id="49" presetID="22" presetClass="entr" presetSubtype="4" fill="hold" nodeType="afterEffect">
+                                  <p:stCondLst>
+                                    <p:cond delay="500"/>
+                                  </p:stCondLst>
+                                  <p:childTnLst>
+                                    <p:set>
+                                      <p:cBhvr>
+                                        <p:cTn id="50" dur="1" fill="hold">
+                                          <p:stCondLst>
+                                            <p:cond delay="0"/>
+                                          </p:stCondLst>
+                                        </p:cTn>
+                                        <p:tgtEl>
+                                          <p:spTgt spid="59"/>
+                                        </p:tgtEl>
+                                        <p:attrNameLst>
+                                          <p:attrName>style.visibility</p:attrName>
+                                        </p:attrNameLst>
+                                      </p:cBhvr>
+                                      <p:to>
+                                        <p:strVal val="visible"/>
+                                      </p:to>
+                                    </p:set>
+                                    <p:animEffect transition="in" filter="wipe(down)">
+                                      <p:cBhvr>
+                                        <p:cTn id="51" dur="500"/>
+                                        <p:tgtEl>
+                                          <p:spTgt spid="59"/>
+                                        </p:tgtEl>
+                                      </p:cBhvr>
+                                    </p:animEffect>
+                                  </p:childTnLst>
+                                </p:cTn>
+                              </p:par>
+                            </p:childTnLst>
+                          </p:cTn>
+                        </p:par>
+                        <p:par>
+                          <p:cTn id="52" fill="hold">
+                            <p:stCondLst>
+                              <p:cond delay="7000"/>
+                            </p:stCondLst>
+                            <p:childTnLst>
+                              <p:par>
+                                <p:cTn id="53" presetID="1" presetClass="entr" presetSubtype="0" fill="hold" grpId="0" nodeType="afterEffect">
+                                  <p:stCondLst>
+                                    <p:cond delay="0"/>
+                                  </p:stCondLst>
+                                  <p:childTnLst>
+                                    <p:set>
+                                      <p:cBhvr>
+                                        <p:cTn id="54" dur="1" fill="hold">
+                                          <p:stCondLst>
+                                            <p:cond delay="0"/>
+                                          </p:stCondLst>
+                                        </p:cTn>
+                                        <p:tgtEl>
+                                          <p:spTgt spid="57"/>
+                                        </p:tgtEl>
+                                        <p:attrNameLst>
+                                          <p:attrName>style.visibility</p:attrName>
+                                        </p:attrNameLst>
+                                      </p:cBhvr>
+                                      <p:to>
+                                        <p:strVal val="visible"/>
+                                      </p:to>
+                                    </p:set>
+                                  </p:childTnLst>
+                                </p:cTn>
+                              </p:par>
+                            </p:childTnLst>
+                          </p:cTn>
+                        </p:par>
+                        <p:par>
+                          <p:cTn id="55" fill="hold">
+                            <p:stCondLst>
+                              <p:cond delay="7000"/>
+                            </p:stCondLst>
+                            <p:childTnLst>
+                              <p:par>
+                                <p:cTn id="56" presetID="1" presetClass="entr" presetSubtype="0" fill="hold" grpId="0" nodeType="afterEffect">
+                                  <p:stCondLst>
+                                    <p:cond delay="0"/>
+                                  </p:stCondLst>
+                                  <p:childTnLst>
+                                    <p:set>
+                                      <p:cBhvr>
+                                        <p:cTn id="57" dur="1" fill="hold">
+                                          <p:stCondLst>
+                                            <p:cond delay="0"/>
+                                          </p:stCondLst>
+                                        </p:cTn>
+                                        <p:tgtEl>
+                                          <p:spTgt spid="61"/>
+                                        </p:tgtEl>
+                                        <p:attrNameLst>
+                                          <p:attrName>style.visibility</p:attrName>
+                                        </p:attrNameLst>
+                                      </p:cBhvr>
+                                      <p:to>
+                                        <p:strVal val="visible"/>
+                                      </p:to>
+                                    </p:set>
+                                  </p:childTnLst>
+                                </p:cTn>
+                              </p:par>
+                            </p:childTnLst>
+                          </p:cTn>
+                        </p:par>
+                        <p:par>
+                          <p:cTn id="58" fill="hold">
+                            <p:stCondLst>
+                              <p:cond delay="7000"/>
+                            </p:stCondLst>
+                            <p:childTnLst>
+                              <p:par>
+                                <p:cTn id="59" presetID="1" presetClass="entr" presetSubtype="0" fill="hold" grpId="0" nodeType="afterEffect">
+                                  <p:stCondLst>
+                                    <p:cond delay="0"/>
+                                  </p:stCondLst>
+                                  <p:childTnLst>
+                                    <p:set>
+                                      <p:cBhvr>
+                                        <p:cTn id="60" dur="1" fill="hold">
+                                          <p:stCondLst>
+                                            <p:cond delay="0"/>
+                                          </p:stCondLst>
+                                        </p:cTn>
+                                        <p:tgtEl>
+                                          <p:spTgt spid="64"/>
+                                        </p:tgtEl>
+                                        <p:attrNameLst>
+                                          <p:attrName>style.visibility</p:attrName>
+                                        </p:attrNameLst>
+                                      </p:cBhvr>
+                                      <p:to>
+                                        <p:strVal val="visible"/>
+                                      </p:to>
+                                    </p:set>
+                                  </p:childTnLst>
+                                </p:cTn>
+                              </p:par>
+                            </p:childTnLst>
+                          </p:cTn>
+                        </p:par>
+                        <p:par>
+                          <p:cTn id="61" fill="hold">
+                            <p:stCondLst>
+                              <p:cond delay="7000"/>
+                            </p:stCondLst>
+                            <p:childTnLst>
+                              <p:par>
+                                <p:cTn id="62" presetID="1" presetClass="entr" presetSubtype="0" fill="hold" grpId="0" nodeType="afterEffect">
+                                  <p:stCondLst>
+                                    <p:cond delay="0"/>
+                                  </p:stCondLst>
+                                  <p:childTnLst>
+                                    <p:set>
+                                      <p:cBhvr>
+                                        <p:cTn id="63" dur="1" fill="hold">
+                                          <p:stCondLst>
+                                            <p:cond delay="0"/>
+                                          </p:stCondLst>
+                                        </p:cTn>
+                                        <p:tgtEl>
+                                          <p:spTgt spid="71"/>
+                                        </p:tgtEl>
+                                        <p:attrNameLst>
+                                          <p:attrName>style.visibility</p:attrName>
+                                        </p:attrNameLst>
+                                      </p:cBhvr>
+                                      <p:to>
+                                        <p:strVal val="visible"/>
+                                      </p:to>
+                                    </p:set>
+                                  </p:childTnLst>
+                                </p:cTn>
+                              </p:par>
+                              <p:par>
+                                <p:cTn id="64" presetID="1" presetClass="exit" presetSubtype="0" fill="hold" nodeType="withEffect">
+                                  <p:stCondLst>
+                                    <p:cond delay="500"/>
+                                  </p:stCondLst>
+                                  <p:childTnLst>
+                                    <p:set>
+                                      <p:cBhvr>
+                                        <p:cTn id="65" dur="1" fill="hold">
+                                          <p:stCondLst>
+                                            <p:cond delay="0"/>
+                                          </p:stCondLst>
+                                        </p:cTn>
+                                        <p:tgtEl>
+                                          <p:spTgt spid="4"/>
+                                        </p:tgtEl>
+                                        <p:attrNameLst>
+                                          <p:attrName>style.visibility</p:attrName>
+                                        </p:attrNameLst>
+                                      </p:cBhvr>
+                                      <p:to>
+                                        <p:strVal val="hidden"/>
+                                      </p:to>
+                                    </p:set>
+                                  </p:childTnLst>
+                                </p:cTn>
+                              </p:par>
+                            </p:childTnLst>
+                          </p:cTn>
+                        </p:par>
+                        <p:par>
+                          <p:cTn id="66" fill="hold">
+                            <p:stCondLst>
+                              <p:cond delay="7500"/>
+                            </p:stCondLst>
+                            <p:childTnLst>
+                              <p:par>
+                                <p:cTn id="67" presetID="1" presetClass="exit" presetSubtype="0" fill="hold" nodeType="afterEffect">
+                                  <p:stCondLst>
+                                    <p:cond delay="0"/>
+                                  </p:stCondLst>
+                                  <p:childTnLst>
+                                    <p:set>
+                                      <p:cBhvr>
+                                        <p:cTn id="68" dur="1" fill="hold">
+                                          <p:stCondLst>
+                                            <p:cond delay="0"/>
+                                          </p:stCondLst>
+                                        </p:cTn>
+                                        <p:tgtEl>
+                                          <p:spTgt spid="53"/>
+                                        </p:tgtEl>
+                                        <p:attrNameLst>
+                                          <p:attrName>style.visibility</p:attrName>
+                                        </p:attrNameLst>
+                                      </p:cBhvr>
+                                      <p:to>
+                                        <p:strVal val="hidden"/>
+                                      </p:to>
+                                    </p:set>
+                                  </p:childTnLst>
+                                </p:cTn>
+                              </p:par>
+                            </p:childTnLst>
+                          </p:cTn>
+                        </p:par>
+                        <p:par>
+                          <p:cTn id="69" fill="hold">
+                            <p:stCondLst>
+                              <p:cond delay="7500"/>
+                            </p:stCondLst>
+                            <p:childTnLst>
+                              <p:par>
+                                <p:cTn id="70" presetID="1" presetClass="exit" presetSubtype="0" fill="hold" nodeType="afterEffect">
+                                  <p:stCondLst>
+                                    <p:cond delay="0"/>
+                                  </p:stCondLst>
+                                  <p:childTnLst>
+                                    <p:set>
+                                      <p:cBhvr>
+                                        <p:cTn id="71" dur="1" fill="hold">
+                                          <p:stCondLst>
+                                            <p:cond delay="0"/>
+                                          </p:stCondLst>
+                                        </p:cTn>
+                                        <p:tgtEl>
+                                          <p:spTgt spid="51"/>
+                                        </p:tgtEl>
+                                        <p:attrNameLst>
+                                          <p:attrName>style.visibility</p:attrName>
+                                        </p:attrNameLst>
+                                      </p:cBhvr>
+                                      <p:to>
+                                        <p:strVal val="hidden"/>
+                                      </p:to>
+                                    </p:set>
+                                  </p:childTnLst>
+                                </p:cTn>
+                              </p:par>
+                            </p:childTnLst>
+                          </p:cTn>
+                        </p:par>
+                        <p:par>
+                          <p:cTn id="72" fill="hold">
+                            <p:stCondLst>
+                              <p:cond delay="7500"/>
+                            </p:stCondLst>
+                            <p:childTnLst>
+                              <p:par>
+                                <p:cTn id="73" presetID="1" presetClass="exit" presetSubtype="0" fill="hold" nodeType="afterEffect">
+                                  <p:stCondLst>
+                                    <p:cond delay="0"/>
+                                  </p:stCondLst>
+                                  <p:childTnLst>
+                                    <p:set>
+                                      <p:cBhvr>
+                                        <p:cTn id="74" dur="1" fill="hold">
+                                          <p:stCondLst>
+                                            <p:cond delay="0"/>
+                                          </p:stCondLst>
+                                        </p:cTn>
+                                        <p:tgtEl>
+                                          <p:spTgt spid="58"/>
+                                        </p:tgtEl>
+                                        <p:attrNameLst>
+                                          <p:attrName>style.visibility</p:attrName>
+                                        </p:attrNameLst>
+                                      </p:cBhvr>
+                                      <p:to>
+                                        <p:strVal val="hidden"/>
+                                      </p:to>
+                                    </p:set>
+                                  </p:childTnLst>
+                                </p:cTn>
+                              </p:par>
+                            </p:childTnLst>
+                          </p:cTn>
+                        </p:par>
+                        <p:par>
+                          <p:cTn id="75" fill="hold">
+                            <p:stCondLst>
+                              <p:cond delay="7500"/>
+                            </p:stCondLst>
+                            <p:childTnLst>
+                              <p:par>
+                                <p:cTn id="76" presetID="1" presetClass="exit" presetSubtype="0" fill="hold" nodeType="afterEffect">
+                                  <p:stCondLst>
+                                    <p:cond delay="0"/>
+                                  </p:stCondLst>
+                                  <p:childTnLst>
+                                    <p:set>
+                                      <p:cBhvr>
+                                        <p:cTn id="77" dur="1" fill="hold">
+                                          <p:stCondLst>
+                                            <p:cond delay="0"/>
+                                          </p:stCondLst>
+                                        </p:cTn>
+                                        <p:tgtEl>
+                                          <p:spTgt spid="59"/>
+                                        </p:tgtEl>
+                                        <p:attrNameLst>
+                                          <p:attrName>style.visibility</p:attrName>
+                                        </p:attrNameLst>
+                                      </p:cBhvr>
+                                      <p:to>
+                                        <p:strVal val="hidden"/>
+                                      </p:to>
+                                    </p:set>
+                                  </p:childTnLst>
+                                </p:cTn>
+                              </p:par>
+                              <p:par>
+                                <p:cTn id="78" presetID="1" presetClass="emph" presetSubtype="2" fill="hold" nodeType="withEffect">
+                                  <p:stCondLst>
+                                    <p:cond delay="0"/>
+                                  </p:stCondLst>
+                                  <p:childTnLst>
+                                    <p:animClr clrSpc="rgb" dir="cw">
+                                      <p:cBhvr>
+                                        <p:cTn id="79" dur="500" fill="hold"/>
+                                        <p:tgtEl>
+                                          <p:spTgt spid="197"/>
+                                        </p:tgtEl>
+                                        <p:attrNameLst>
+                                          <p:attrName>fillcolor</p:attrName>
+                                        </p:attrNameLst>
+                                      </p:cBhvr>
+                                      <p:to>
+                                        <a:srgbClr val="00B0F0"/>
+                                      </p:to>
+                                    </p:animClr>
+                                    <p:set>
+                                      <p:cBhvr>
+                                        <p:cTn id="80" dur="500" fill="hold"/>
+                                        <p:tgtEl>
+                                          <p:spTgt spid="197"/>
+                                        </p:tgtEl>
+                                        <p:attrNameLst>
+                                          <p:attrName>fill.type</p:attrName>
+                                        </p:attrNameLst>
+                                      </p:cBhvr>
+                                      <p:to>
+                                        <p:strVal val="solid"/>
+                                      </p:to>
+                                    </p:set>
+                                    <p:set>
+                                      <p:cBhvr>
+                                        <p:cTn id="81" dur="500" fill="hold"/>
+                                        <p:tgtEl>
+                                          <p:spTgt spid="197"/>
+                                        </p:tgtEl>
+                                        <p:attrNameLst>
+                                          <p:attrName>fill.on</p:attrName>
+                                        </p:attrNameLst>
+                                      </p:cBhvr>
+                                      <p:to>
+                                        <p:strVal val="true"/>
+                                      </p:to>
+                                    </p:set>
+                                  </p:childTnLst>
+                                </p:cTn>
+                              </p:par>
+                              <p:par>
+                                <p:cTn id="82" presetID="1" presetClass="emph" presetSubtype="2" fill="hold" nodeType="withEffect">
+                                  <p:stCondLst>
+                                    <p:cond delay="0"/>
+                                  </p:stCondLst>
+                                  <p:childTnLst>
+                                    <p:animClr clrSpc="rgb" dir="cw">
+                                      <p:cBhvr>
+                                        <p:cTn id="83" dur="500" fill="hold"/>
+                                        <p:tgtEl>
+                                          <p:spTgt spid="48"/>
+                                        </p:tgtEl>
+                                        <p:attrNameLst>
+                                          <p:attrName>fillcolor</p:attrName>
+                                        </p:attrNameLst>
+                                      </p:cBhvr>
+                                      <p:to>
+                                        <a:srgbClr val="00B0F0"/>
+                                      </p:to>
+                                    </p:animClr>
+                                    <p:set>
+                                      <p:cBhvr>
+                                        <p:cTn id="84" dur="500" fill="hold"/>
+                                        <p:tgtEl>
+                                          <p:spTgt spid="48"/>
+                                        </p:tgtEl>
+                                        <p:attrNameLst>
+                                          <p:attrName>fill.type</p:attrName>
+                                        </p:attrNameLst>
+                                      </p:cBhvr>
+                                      <p:to>
+                                        <p:strVal val="solid"/>
+                                      </p:to>
+                                    </p:set>
+                                    <p:set>
+                                      <p:cBhvr>
+                                        <p:cTn id="85" dur="500" fill="hold"/>
+                                        <p:tgtEl>
+                                          <p:spTgt spid="48"/>
+                                        </p:tgtEl>
+                                        <p:attrNameLst>
+                                          <p:attrName>fill.on</p:attrName>
+                                        </p:attrNameLst>
+                                      </p:cBhvr>
+                                      <p:to>
+                                        <p:strVal val="true"/>
+                                      </p:to>
+                                    </p:set>
+                                  </p:childTnLst>
+                                </p:cTn>
+                              </p:par>
+                              <p:par>
+                                <p:cTn id="86" presetID="1" presetClass="emph" presetSubtype="2" fill="hold" nodeType="withEffect">
+                                  <p:stCondLst>
+                                    <p:cond delay="0"/>
+                                  </p:stCondLst>
+                                  <p:childTnLst>
+                                    <p:animClr clrSpc="rgb" dir="cw">
+                                      <p:cBhvr>
+                                        <p:cTn id="87" dur="500" fill="hold"/>
+                                        <p:tgtEl>
+                                          <p:spTgt spid="47"/>
+                                        </p:tgtEl>
+                                        <p:attrNameLst>
+                                          <p:attrName>fillcolor</p:attrName>
+                                        </p:attrNameLst>
+                                      </p:cBhvr>
+                                      <p:to>
+                                        <a:srgbClr val="00B0F0"/>
+                                      </p:to>
+                                    </p:animClr>
+                                    <p:set>
+                                      <p:cBhvr>
+                                        <p:cTn id="88" dur="500" fill="hold"/>
+                                        <p:tgtEl>
+                                          <p:spTgt spid="47"/>
+                                        </p:tgtEl>
+                                        <p:attrNameLst>
+                                          <p:attrName>fill.type</p:attrName>
+                                        </p:attrNameLst>
+                                      </p:cBhvr>
+                                      <p:to>
+                                        <p:strVal val="solid"/>
+                                      </p:to>
+                                    </p:set>
+                                    <p:set>
+                                      <p:cBhvr>
+                                        <p:cTn id="89" dur="500" fill="hold"/>
+                                        <p:tgtEl>
+                                          <p:spTgt spid="47"/>
+                                        </p:tgtEl>
+                                        <p:attrNameLst>
+                                          <p:attrName>fill.on</p:attrName>
+                                        </p:attrNameLst>
+                                      </p:cBhvr>
+                                      <p:to>
+                                        <p:strVal val="true"/>
+                                      </p:to>
+                                    </p:set>
+                                  </p:childTnLst>
+                                </p:cTn>
+                              </p:par>
+                            </p:childTnLst>
+                          </p:cTn>
+                        </p:par>
+                      </p:childTnLst>
+                    </p:cTn>
+                  </p:par>
+                </p:childTnLst>
+              </p:cTn>
+              <p:prevCondLst>
+                <p:cond evt="onPrev" delay="0">
+                  <p:tgtEl>
+                    <p:sldTgt/>
+                  </p:tgtEl>
+                </p:cond>
+              </p:prevCondLst>
+              <p:nextCondLst>
+                <p:cond evt="onNext" delay="0">
+                  <p:tgtEl>
+                    <p:sldTgt/>
+                  </p:tgtEl>
+                </p:cond>
+              </p:nextCondLst>
+            </p:seq>
+          </p:childTnLst>
+        </p:cTn>
+      </p:par>
+    </p:tnLst>
+    <p:bldLst>
+      <p:bldP spid="37" grpId="0"/>
+      <p:bldP spid="40" grpId="0" animBg="1"/>
+      <p:bldP spid="50" grpId="0" animBg="1"/>
+      <p:bldP spid="56" grpId="0" animBg="1"/>
+      <p:bldP spid="57" grpId="0" animBg="1"/>
+      <p:bldP spid="54" grpId="0" animBg="1"/>
       <p:bldP spid="61" grpId="0" animBg="1"/>
       <p:bldP spid="64" grpId="0" animBg="1"/>
       <p:bldP spid="71" grpId="0" animBg="1"/>
